--- a/project-presentation.pptx
+++ b/project-presentation.pptx
@@ -5,7 +5,7 @@
     <p:sldMasterId id="2147483648" r:id="rId1"/>
   </p:sldMasterIdLst>
   <p:notesMasterIdLst>
-    <p:notesMasterId r:id="rId12"/>
+    <p:notesMasterId r:id="rId11"/>
   </p:notesMasterIdLst>
   <p:sldIdLst>
     <p:sldId id="265" r:id="rId2"/>
@@ -13,11 +13,10 @@
     <p:sldId id="308" r:id="rId4"/>
     <p:sldId id="309" r:id="rId5"/>
     <p:sldId id="310" r:id="rId6"/>
-    <p:sldId id="311" r:id="rId7"/>
-    <p:sldId id="312" r:id="rId8"/>
-    <p:sldId id="313" r:id="rId9"/>
-    <p:sldId id="314" r:id="rId10"/>
-    <p:sldId id="277" r:id="rId11"/>
+    <p:sldId id="312" r:id="rId7"/>
+    <p:sldId id="313" r:id="rId8"/>
+    <p:sldId id="314" r:id="rId9"/>
+    <p:sldId id="277" r:id="rId10"/>
   </p:sldIdLst>
   <p:sldSz cx="7620000" cy="5715000"/>
   <p:notesSz cx="6858000" cy="9144000"/>
@@ -217,7 +216,7 @@
           <a:p>
             <a:fld id="{7A3DF738-F8C1-4490-BFD1-DE9468B78C05}" type="datetimeFigureOut">
               <a:rPr lang="zh-CN" altLang="en-US" smtClean="0"/>
-              <a:t>15/10/31</a:t>
+              <a:t>15/11/1</a:t>
             </a:fld>
             <a:endParaRPr lang="zh-CN" altLang="en-US"/>
           </a:p>
@@ -895,7 +894,7 @@
     </p:spTree>
     <p:extLst>
       <p:ext uri="{BB962C8B-B14F-4D97-AF65-F5344CB8AC3E}">
-        <p14:creationId xmlns:p14="http://schemas.microsoft.com/office/powerpoint/2010/main" val="977872492"/>
+        <p14:creationId xmlns:p14="http://schemas.microsoft.com/office/powerpoint/2010/main" val="1429132096"/>
       </p:ext>
     </p:extLst>
   </p:cSld>
@@ -979,7 +978,7 @@
     </p:spTree>
     <p:extLst>
       <p:ext uri="{BB962C8B-B14F-4D97-AF65-F5344CB8AC3E}">
-        <p14:creationId xmlns:p14="http://schemas.microsoft.com/office/powerpoint/2010/main" val="1429132096"/>
+        <p14:creationId xmlns:p14="http://schemas.microsoft.com/office/powerpoint/2010/main" val="347670927"/>
       </p:ext>
     </p:extLst>
   </p:cSld>
@@ -1055,90 +1054,6 @@
             <a:fld id="{E52F45E8-434F-495F-9B67-04103ECBEEEA}" type="slidenum">
               <a:rPr lang="zh-CN" altLang="en-US" smtClean="0"/>
               <a:t>8</a:t>
-            </a:fld>
-            <a:endParaRPr lang="zh-CN" altLang="en-US"/>
-          </a:p>
-        </p:txBody>
-      </p:sp>
-    </p:spTree>
-    <p:extLst>
-      <p:ext uri="{BB962C8B-B14F-4D97-AF65-F5344CB8AC3E}">
-        <p14:creationId xmlns:p14="http://schemas.microsoft.com/office/powerpoint/2010/main" val="347670927"/>
-      </p:ext>
-    </p:extLst>
-  </p:cSld>
-  <p:clrMapOvr>
-    <a:masterClrMapping/>
-  </p:clrMapOvr>
-</p:notes>
-</file>
-
-<file path=ppt/notesSlides/notesSlide8.xml><?xml version="1.0" encoding="utf-8"?>
-<p:notes xmlns:a="http://schemas.openxmlformats.org/drawingml/2006/main" xmlns:r="http://schemas.openxmlformats.org/officeDocument/2006/relationships" xmlns:p="http://schemas.openxmlformats.org/presentationml/2006/main">
-  <p:cSld>
-    <p:spTree>
-      <p:nvGrpSpPr>
-        <p:cNvPr id="1" name=""/>
-        <p:cNvGrpSpPr/>
-        <p:nvPr/>
-      </p:nvGrpSpPr>
-      <p:grpSpPr>
-        <a:xfrm>
-          <a:off x="0" y="0"/>
-          <a:ext cx="0" cy="0"/>
-          <a:chOff x="0" y="0"/>
-          <a:chExt cx="0" cy="0"/>
-        </a:xfrm>
-      </p:grpSpPr>
-      <p:sp>
-        <p:nvSpPr>
-          <p:cNvPr id="2" name="幻灯片图像占位符 1"/>
-          <p:cNvSpPr>
-            <a:spLocks noGrp="1" noRot="1" noChangeAspect="1"/>
-          </p:cNvSpPr>
-          <p:nvPr>
-            <p:ph type="sldImg"/>
-          </p:nvPr>
-        </p:nvSpPr>
-        <p:spPr/>
-      </p:sp>
-      <p:sp>
-        <p:nvSpPr>
-          <p:cNvPr id="3" name="备注占位符 2"/>
-          <p:cNvSpPr>
-            <a:spLocks noGrp="1"/>
-          </p:cNvSpPr>
-          <p:nvPr>
-            <p:ph type="body" idx="1"/>
-          </p:nvPr>
-        </p:nvSpPr>
-        <p:spPr/>
-        <p:txBody>
-          <a:bodyPr/>
-          <a:lstStyle/>
-          <a:p>
-            <a:endParaRPr lang="zh-CN" altLang="en-US" dirty="0"/>
-          </a:p>
-        </p:txBody>
-      </p:sp>
-      <p:sp>
-        <p:nvSpPr>
-          <p:cNvPr id="4" name="灯片编号占位符 3"/>
-          <p:cNvSpPr>
-            <a:spLocks noGrp="1"/>
-          </p:cNvSpPr>
-          <p:nvPr>
-            <p:ph type="sldNum" sz="quarter" idx="10"/>
-          </p:nvPr>
-        </p:nvSpPr>
-        <p:spPr/>
-        <p:txBody>
-          <a:bodyPr/>
-          <a:lstStyle/>
-          <a:p>
-            <a:fld id="{E52F45E8-434F-495F-9B67-04103ECBEEEA}" type="slidenum">
-              <a:rPr lang="zh-CN" altLang="en-US" smtClean="0"/>
-              <a:t>9</a:t>
             </a:fld>
             <a:endParaRPr lang="zh-CN" altLang="en-US"/>
           </a:p>
@@ -1339,7 +1254,7 @@
             <a:fld id="{5FE90A5C-9793-46EB-8BB9-1397BE05DB97}" type="datetimeFigureOut">
               <a:rPr lang="zh-CN" altLang="en-US" smtClean="0"/>
               <a:pPr/>
-              <a:t>15/10/31</a:t>
+              <a:t>15/11/1</a:t>
             </a:fld>
             <a:endParaRPr lang="zh-CN" altLang="en-US"/>
           </a:p>
@@ -1511,7 +1426,7 @@
             <a:fld id="{5FE90A5C-9793-46EB-8BB9-1397BE05DB97}" type="datetimeFigureOut">
               <a:rPr lang="zh-CN" altLang="en-US" smtClean="0"/>
               <a:pPr/>
-              <a:t>15/10/31</a:t>
+              <a:t>15/11/1</a:t>
             </a:fld>
             <a:endParaRPr lang="zh-CN" altLang="en-US"/>
           </a:p>
@@ -1693,7 +1608,7 @@
             <a:fld id="{5FE90A5C-9793-46EB-8BB9-1397BE05DB97}" type="datetimeFigureOut">
               <a:rPr lang="zh-CN" altLang="en-US" smtClean="0"/>
               <a:pPr/>
-              <a:t>15/10/31</a:t>
+              <a:t>15/11/1</a:t>
             </a:fld>
             <a:endParaRPr lang="zh-CN" altLang="en-US"/>
           </a:p>
@@ -1865,7 +1780,7 @@
             <a:fld id="{5FE90A5C-9793-46EB-8BB9-1397BE05DB97}" type="datetimeFigureOut">
               <a:rPr lang="zh-CN" altLang="en-US" smtClean="0"/>
               <a:pPr/>
-              <a:t>15/10/31</a:t>
+              <a:t>15/11/1</a:t>
             </a:fld>
             <a:endParaRPr lang="zh-CN" altLang="en-US"/>
           </a:p>
@@ -2113,7 +2028,7 @@
             <a:fld id="{5FE90A5C-9793-46EB-8BB9-1397BE05DB97}" type="datetimeFigureOut">
               <a:rPr lang="zh-CN" altLang="en-US" smtClean="0"/>
               <a:pPr/>
-              <a:t>15/10/31</a:t>
+              <a:t>15/11/1</a:t>
             </a:fld>
             <a:endParaRPr lang="zh-CN" altLang="en-US"/>
           </a:p>
@@ -2403,7 +2318,7 @@
             <a:fld id="{5FE90A5C-9793-46EB-8BB9-1397BE05DB97}" type="datetimeFigureOut">
               <a:rPr lang="zh-CN" altLang="en-US" smtClean="0"/>
               <a:pPr/>
-              <a:t>15/10/31</a:t>
+              <a:t>15/11/1</a:t>
             </a:fld>
             <a:endParaRPr lang="zh-CN" altLang="en-US"/>
           </a:p>
@@ -2832,7 +2747,7 @@
             <a:fld id="{5FE90A5C-9793-46EB-8BB9-1397BE05DB97}" type="datetimeFigureOut">
               <a:rPr lang="zh-CN" altLang="en-US" smtClean="0"/>
               <a:pPr/>
-              <a:t>15/10/31</a:t>
+              <a:t>15/11/1</a:t>
             </a:fld>
             <a:endParaRPr lang="zh-CN" altLang="en-US"/>
           </a:p>
@@ -2952,7 +2867,7 @@
             <a:fld id="{5FE90A5C-9793-46EB-8BB9-1397BE05DB97}" type="datetimeFigureOut">
               <a:rPr lang="zh-CN" altLang="en-US" smtClean="0"/>
               <a:pPr/>
-              <a:t>15/10/31</a:t>
+              <a:t>15/11/1</a:t>
             </a:fld>
             <a:endParaRPr lang="zh-CN" altLang="en-US"/>
           </a:p>
@@ -3049,7 +2964,7 @@
             <a:fld id="{5FE90A5C-9793-46EB-8BB9-1397BE05DB97}" type="datetimeFigureOut">
               <a:rPr lang="zh-CN" altLang="en-US" smtClean="0"/>
               <a:pPr/>
-              <a:t>15/10/31</a:t>
+              <a:t>15/11/1</a:t>
             </a:fld>
             <a:endParaRPr lang="zh-CN" altLang="en-US"/>
           </a:p>
@@ -3328,7 +3243,7 @@
             <a:fld id="{5FE90A5C-9793-46EB-8BB9-1397BE05DB97}" type="datetimeFigureOut">
               <a:rPr lang="zh-CN" altLang="en-US" smtClean="0"/>
               <a:pPr/>
-              <a:t>15/10/31</a:t>
+              <a:t>15/11/1</a:t>
             </a:fld>
             <a:endParaRPr lang="zh-CN" altLang="en-US"/>
           </a:p>
@@ -3583,7 +3498,7 @@
             <a:fld id="{5FE90A5C-9793-46EB-8BB9-1397BE05DB97}" type="datetimeFigureOut">
               <a:rPr lang="zh-CN" altLang="en-US" smtClean="0"/>
               <a:pPr/>
-              <a:t>15/10/31</a:t>
+              <a:t>15/11/1</a:t>
             </a:fld>
             <a:endParaRPr lang="zh-CN" altLang="en-US"/>
           </a:p>
@@ -3804,7 +3719,7 @@
             <a:fld id="{5FE90A5C-9793-46EB-8BB9-1397BE05DB97}" type="datetimeFigureOut">
               <a:rPr lang="zh-CN" altLang="en-US" smtClean="0"/>
               <a:pPr/>
-              <a:t>15/10/31</a:t>
+              <a:t>15/11/1</a:t>
             </a:fld>
             <a:endParaRPr lang="zh-CN" altLang="en-US"/>
           </a:p>
@@ -4786,3448 +4701,6 @@
 </p:sld>
 </file>
 
-<file path=ppt/slides/slide10.xml><?xml version="1.0" encoding="utf-8"?>
-<p:sld xmlns:a="http://schemas.openxmlformats.org/drawingml/2006/main" xmlns:r="http://schemas.openxmlformats.org/officeDocument/2006/relationships" xmlns:p="http://schemas.openxmlformats.org/presentationml/2006/main">
-  <p:cSld>
-    <p:spTree>
-      <p:nvGrpSpPr>
-        <p:cNvPr id="1" name=""/>
-        <p:cNvGrpSpPr/>
-        <p:nvPr/>
-      </p:nvGrpSpPr>
-      <p:grpSpPr>
-        <a:xfrm>
-          <a:off x="0" y="0"/>
-          <a:ext cx="0" cy="0"/>
-          <a:chOff x="0" y="0"/>
-          <a:chExt cx="0" cy="0"/>
-        </a:xfrm>
-      </p:grpSpPr>
-      <p:sp>
-        <p:nvSpPr>
-          <p:cNvPr id="4" name="圆角矩形 3"/>
-          <p:cNvSpPr/>
-          <p:nvPr/>
-        </p:nvSpPr>
-        <p:spPr>
-          <a:xfrm>
-            <a:off x="3161928" y="1777380"/>
-            <a:ext cx="3744416" cy="1224136"/>
-          </a:xfrm>
-          <a:prstGeom prst="roundRect">
-            <a:avLst>
-              <a:gd name="adj" fmla="val 0"/>
-            </a:avLst>
-          </a:prstGeom>
-          <a:gradFill>
-            <a:gsLst>
-              <a:gs pos="0">
-                <a:srgbClr val="717171"/>
-              </a:gs>
-              <a:gs pos="50000">
-                <a:srgbClr val="5B5B5B"/>
-              </a:gs>
-              <a:gs pos="100000">
-                <a:srgbClr val="717171"/>
-              </a:gs>
-            </a:gsLst>
-            <a:lin ang="5400000" scaled="0"/>
-          </a:gradFill>
-          <a:ln w="3175">
-            <a:solidFill>
-              <a:srgbClr val="5B5B5B"/>
-            </a:solidFill>
-          </a:ln>
-          <a:effectLst>
-            <a:reflection blurRad="6350" stA="52000" endA="300" endPos="35000" dir="5400000" sy="-100000" algn="bl" rotWithShape="0"/>
-          </a:effectLst>
-        </p:spPr>
-        <p:style>
-          <a:lnRef idx="2">
-            <a:schemeClr val="accent1">
-              <a:shade val="50000"/>
-            </a:schemeClr>
-          </a:lnRef>
-          <a:fillRef idx="1">
-            <a:schemeClr val="accent1"/>
-          </a:fillRef>
-          <a:effectRef idx="0">
-            <a:schemeClr val="accent1"/>
-          </a:effectRef>
-          <a:fontRef idx="minor">
-            <a:schemeClr val="lt1"/>
-          </a:fontRef>
-        </p:style>
-        <p:txBody>
-          <a:bodyPr rtlCol="0" anchor="ctr"/>
-          <a:lstStyle/>
-          <a:p>
-            <a:pPr algn="ctr"/>
-            <a:r>
-              <a:rPr lang="en-US" altLang="zh-CN" sz="2400" spc="200" dirty="0" smtClean="0">
-                <a:latin typeface="微软雅黑" pitchFamily="34" charset="-122"/>
-                <a:ea typeface="微软雅黑" pitchFamily="34" charset="-122"/>
-              </a:rPr>
-              <a:t>51300</a:t>
-            </a:r>
-            <a:endParaRPr lang="zh-CN" altLang="en-US" sz="2400" spc="200" dirty="0" smtClean="0">
-              <a:latin typeface="微软雅黑" pitchFamily="34" charset="-122"/>
-              <a:ea typeface="微软雅黑" pitchFamily="34" charset="-122"/>
-            </a:endParaRPr>
-          </a:p>
-          <a:p>
-            <a:pPr algn="ctr"/>
-            <a:r>
-              <a:rPr lang="en-US" altLang="zh-CN" sz="2400" spc="200" dirty="0" smtClean="0">
-                <a:latin typeface="微软雅黑" pitchFamily="34" charset="-122"/>
-                <a:ea typeface="微软雅黑" pitchFamily="34" charset="-122"/>
-              </a:rPr>
-              <a:t>Compiler</a:t>
-            </a:r>
-            <a:r>
-              <a:rPr lang="zh-CN" altLang="en-US" sz="2400" spc="200" dirty="0" smtClean="0">
-                <a:latin typeface="微软雅黑" pitchFamily="34" charset="-122"/>
-                <a:ea typeface="微软雅黑" pitchFamily="34" charset="-122"/>
-              </a:rPr>
-              <a:t> </a:t>
-            </a:r>
-            <a:r>
-              <a:rPr lang="en-US" altLang="zh-CN" sz="2400" spc="200" dirty="0">
-                <a:latin typeface="微软雅黑" pitchFamily="34" charset="-122"/>
-                <a:ea typeface="微软雅黑" pitchFamily="34" charset="-122"/>
-              </a:rPr>
-              <a:t>Project</a:t>
-            </a:r>
-            <a:endParaRPr lang="zh-CN" altLang="en-US" sz="2400" spc="200" dirty="0">
-              <a:latin typeface="微软雅黑" pitchFamily="34" charset="-122"/>
-              <a:ea typeface="微软雅黑" pitchFamily="34" charset="-122"/>
-            </a:endParaRPr>
-          </a:p>
-        </p:txBody>
-      </p:sp>
-      <p:sp>
-        <p:nvSpPr>
-          <p:cNvPr id="5" name="矩形 4"/>
-          <p:cNvSpPr/>
-          <p:nvPr/>
-        </p:nvSpPr>
-        <p:spPr>
-          <a:xfrm>
-            <a:off x="1280030" y="-740618"/>
-            <a:ext cx="285752" cy="6858002"/>
-          </a:xfrm>
-          <a:prstGeom prst="rect">
-            <a:avLst/>
-          </a:prstGeom>
-          <a:solidFill>
-            <a:schemeClr val="bg1"/>
-          </a:solidFill>
-          <a:ln>
-            <a:noFill/>
-          </a:ln>
-        </p:spPr>
-        <p:style>
-          <a:lnRef idx="2">
-            <a:schemeClr val="accent1">
-              <a:shade val="50000"/>
-            </a:schemeClr>
-          </a:lnRef>
-          <a:fillRef idx="1">
-            <a:schemeClr val="accent1"/>
-          </a:fillRef>
-          <a:effectRef idx="0">
-            <a:schemeClr val="accent1"/>
-          </a:effectRef>
-          <a:fontRef idx="minor">
-            <a:schemeClr val="lt1"/>
-          </a:fontRef>
-        </p:style>
-        <p:txBody>
-          <a:bodyPr rtlCol="0" anchor="ctr"/>
-          <a:lstStyle/>
-          <a:p>
-            <a:pPr algn="ctr"/>
-            <a:endParaRPr lang="zh-CN" altLang="en-US"/>
-          </a:p>
-        </p:txBody>
-      </p:sp>
-      <p:sp>
-        <p:nvSpPr>
-          <p:cNvPr id="6" name="矩形 5"/>
-          <p:cNvSpPr/>
-          <p:nvPr/>
-        </p:nvSpPr>
-        <p:spPr>
-          <a:xfrm>
-            <a:off x="1637220" y="-740618"/>
-            <a:ext cx="71438" cy="6858002"/>
-          </a:xfrm>
-          <a:prstGeom prst="rect">
-            <a:avLst/>
-          </a:prstGeom>
-          <a:solidFill>
-            <a:schemeClr val="bg1"/>
-          </a:solidFill>
-          <a:ln>
-            <a:noFill/>
-          </a:ln>
-        </p:spPr>
-        <p:style>
-          <a:lnRef idx="2">
-            <a:schemeClr val="accent1">
-              <a:shade val="50000"/>
-            </a:schemeClr>
-          </a:lnRef>
-          <a:fillRef idx="1">
-            <a:schemeClr val="accent1"/>
-          </a:fillRef>
-          <a:effectRef idx="0">
-            <a:schemeClr val="accent1"/>
-          </a:effectRef>
-          <a:fontRef idx="minor">
-            <a:schemeClr val="lt1"/>
-          </a:fontRef>
-        </p:style>
-        <p:txBody>
-          <a:bodyPr rtlCol="0" anchor="ctr"/>
-          <a:lstStyle/>
-          <a:p>
-            <a:pPr algn="ctr"/>
-            <a:endParaRPr lang="zh-CN" altLang="en-US"/>
-          </a:p>
-        </p:txBody>
-      </p:sp>
-      <p:sp>
-        <p:nvSpPr>
-          <p:cNvPr id="7" name="矩形 6"/>
-          <p:cNvSpPr/>
-          <p:nvPr/>
-        </p:nvSpPr>
-        <p:spPr>
-          <a:xfrm>
-            <a:off x="1935672" y="-740616"/>
-            <a:ext cx="142876" cy="6858000"/>
-          </a:xfrm>
-          <a:prstGeom prst="rect">
-            <a:avLst/>
-          </a:prstGeom>
-          <a:solidFill>
-            <a:schemeClr val="bg1"/>
-          </a:solidFill>
-          <a:ln>
-            <a:noFill/>
-          </a:ln>
-        </p:spPr>
-        <p:style>
-          <a:lnRef idx="2">
-            <a:schemeClr val="accent1">
-              <a:shade val="50000"/>
-            </a:schemeClr>
-          </a:lnRef>
-          <a:fillRef idx="1">
-            <a:schemeClr val="accent1"/>
-          </a:fillRef>
-          <a:effectRef idx="0">
-            <a:schemeClr val="accent1"/>
-          </a:effectRef>
-          <a:fontRef idx="minor">
-            <a:schemeClr val="lt1"/>
-          </a:fontRef>
-        </p:style>
-        <p:txBody>
-          <a:bodyPr rtlCol="0" anchor="ctr"/>
-          <a:lstStyle/>
-          <a:p>
-            <a:pPr algn="ctr"/>
-            <a:endParaRPr lang="zh-CN" altLang="en-US"/>
-          </a:p>
-        </p:txBody>
-      </p:sp>
-      <p:sp>
-        <p:nvSpPr>
-          <p:cNvPr id="8" name="矩形 7"/>
-          <p:cNvSpPr/>
-          <p:nvPr/>
-        </p:nvSpPr>
-        <p:spPr>
-          <a:xfrm>
-            <a:off x="2149986" y="-740616"/>
-            <a:ext cx="214314" cy="6858000"/>
-          </a:xfrm>
-          <a:prstGeom prst="rect">
-            <a:avLst/>
-          </a:prstGeom>
-          <a:solidFill>
-            <a:schemeClr val="bg1"/>
-          </a:solidFill>
-          <a:ln>
-            <a:noFill/>
-          </a:ln>
-        </p:spPr>
-        <p:style>
-          <a:lnRef idx="2">
-            <a:schemeClr val="accent1">
-              <a:shade val="50000"/>
-            </a:schemeClr>
-          </a:lnRef>
-          <a:fillRef idx="1">
-            <a:schemeClr val="accent1"/>
-          </a:fillRef>
-          <a:effectRef idx="0">
-            <a:schemeClr val="accent1"/>
-          </a:effectRef>
-          <a:fontRef idx="minor">
-            <a:schemeClr val="lt1"/>
-          </a:fontRef>
-        </p:style>
-        <p:txBody>
-          <a:bodyPr rtlCol="0" anchor="ctr"/>
-          <a:lstStyle/>
-          <a:p>
-            <a:pPr algn="ctr"/>
-            <a:endParaRPr lang="zh-CN" altLang="en-US"/>
-          </a:p>
-        </p:txBody>
-      </p:sp>
-      <p:sp>
-        <p:nvSpPr>
-          <p:cNvPr id="9" name="矩形 8"/>
-          <p:cNvSpPr/>
-          <p:nvPr/>
-        </p:nvSpPr>
-        <p:spPr>
-          <a:xfrm>
-            <a:off x="2494476" y="-740616"/>
-            <a:ext cx="71438" cy="6858000"/>
-          </a:xfrm>
-          <a:prstGeom prst="rect">
-            <a:avLst/>
-          </a:prstGeom>
-          <a:solidFill>
-            <a:schemeClr val="bg1"/>
-          </a:solidFill>
-          <a:ln>
-            <a:noFill/>
-          </a:ln>
-        </p:spPr>
-        <p:style>
-          <a:lnRef idx="2">
-            <a:schemeClr val="accent1">
-              <a:shade val="50000"/>
-            </a:schemeClr>
-          </a:lnRef>
-          <a:fillRef idx="1">
-            <a:schemeClr val="accent1"/>
-          </a:fillRef>
-          <a:effectRef idx="0">
-            <a:schemeClr val="accent1"/>
-          </a:effectRef>
-          <a:fontRef idx="minor">
-            <a:schemeClr val="lt1"/>
-          </a:fontRef>
-        </p:style>
-        <p:txBody>
-          <a:bodyPr rtlCol="0" anchor="ctr"/>
-          <a:lstStyle/>
-          <a:p>
-            <a:pPr algn="ctr"/>
-            <a:endParaRPr lang="zh-CN" altLang="en-US"/>
-          </a:p>
-        </p:txBody>
-      </p:sp>
-      <p:sp>
-        <p:nvSpPr>
-          <p:cNvPr id="10" name="矩形 9"/>
-          <p:cNvSpPr/>
-          <p:nvPr/>
-        </p:nvSpPr>
-        <p:spPr>
-          <a:xfrm>
-            <a:off x="1280030" y="2259756"/>
-            <a:ext cx="285752" cy="366690"/>
-          </a:xfrm>
-          <a:prstGeom prst="rect">
-            <a:avLst/>
-          </a:prstGeom>
-          <a:solidFill>
-            <a:srgbClr val="FFC000"/>
-          </a:solidFill>
-          <a:ln>
-            <a:noFill/>
-          </a:ln>
-        </p:spPr>
-        <p:style>
-          <a:lnRef idx="2">
-            <a:schemeClr val="accent1">
-              <a:shade val="50000"/>
-            </a:schemeClr>
-          </a:lnRef>
-          <a:fillRef idx="1">
-            <a:schemeClr val="accent1"/>
-          </a:fillRef>
-          <a:effectRef idx="0">
-            <a:schemeClr val="accent1"/>
-          </a:effectRef>
-          <a:fontRef idx="minor">
-            <a:schemeClr val="lt1"/>
-          </a:fontRef>
-        </p:style>
-        <p:txBody>
-          <a:bodyPr rtlCol="0" anchor="ctr"/>
-          <a:lstStyle/>
-          <a:p>
-            <a:pPr algn="ctr"/>
-            <a:endParaRPr lang="zh-CN" altLang="en-US">
-              <a:solidFill>
-                <a:schemeClr val="tx1"/>
-              </a:solidFill>
-            </a:endParaRPr>
-          </a:p>
-        </p:txBody>
-      </p:sp>
-      <p:sp>
-        <p:nvSpPr>
-          <p:cNvPr id="11" name="矩形 10"/>
-          <p:cNvSpPr/>
-          <p:nvPr/>
-        </p:nvSpPr>
-        <p:spPr>
-          <a:xfrm>
-            <a:off x="1639125" y="2259756"/>
-            <a:ext cx="71438" cy="366690"/>
-          </a:xfrm>
-          <a:prstGeom prst="rect">
-            <a:avLst/>
-          </a:prstGeom>
-          <a:solidFill>
-            <a:srgbClr val="FFC000"/>
-          </a:solidFill>
-          <a:ln>
-            <a:noFill/>
-          </a:ln>
-        </p:spPr>
-        <p:style>
-          <a:lnRef idx="2">
-            <a:schemeClr val="accent1">
-              <a:shade val="50000"/>
-            </a:schemeClr>
-          </a:lnRef>
-          <a:fillRef idx="1">
-            <a:schemeClr val="accent1"/>
-          </a:fillRef>
-          <a:effectRef idx="0">
-            <a:schemeClr val="accent1"/>
-          </a:effectRef>
-          <a:fontRef idx="minor">
-            <a:schemeClr val="lt1"/>
-          </a:fontRef>
-        </p:style>
-        <p:txBody>
-          <a:bodyPr rtlCol="0" anchor="ctr"/>
-          <a:lstStyle/>
-          <a:p>
-            <a:pPr algn="ctr"/>
-            <a:endParaRPr lang="zh-CN" altLang="en-US">
-              <a:solidFill>
-                <a:schemeClr val="tx1"/>
-              </a:solidFill>
-            </a:endParaRPr>
-          </a:p>
-        </p:txBody>
-      </p:sp>
-      <p:sp>
-        <p:nvSpPr>
-          <p:cNvPr id="12" name="矩形 11"/>
-          <p:cNvSpPr/>
-          <p:nvPr/>
-        </p:nvSpPr>
-        <p:spPr>
-          <a:xfrm>
-            <a:off x="1936942" y="2259756"/>
-            <a:ext cx="142876" cy="366690"/>
-          </a:xfrm>
-          <a:prstGeom prst="rect">
-            <a:avLst/>
-          </a:prstGeom>
-          <a:solidFill>
-            <a:srgbClr val="FFC000"/>
-          </a:solidFill>
-          <a:ln>
-            <a:noFill/>
-          </a:ln>
-        </p:spPr>
-        <p:style>
-          <a:lnRef idx="2">
-            <a:schemeClr val="accent1">
-              <a:shade val="50000"/>
-            </a:schemeClr>
-          </a:lnRef>
-          <a:fillRef idx="1">
-            <a:schemeClr val="accent1"/>
-          </a:fillRef>
-          <a:effectRef idx="0">
-            <a:schemeClr val="accent1"/>
-          </a:effectRef>
-          <a:fontRef idx="minor">
-            <a:schemeClr val="lt1"/>
-          </a:fontRef>
-        </p:style>
-        <p:txBody>
-          <a:bodyPr rtlCol="0" anchor="ctr"/>
-          <a:lstStyle/>
-          <a:p>
-            <a:pPr algn="ctr"/>
-            <a:endParaRPr lang="zh-CN" altLang="en-US">
-              <a:solidFill>
-                <a:schemeClr val="tx1"/>
-              </a:solidFill>
-            </a:endParaRPr>
-          </a:p>
-        </p:txBody>
-      </p:sp>
-      <p:sp>
-        <p:nvSpPr>
-          <p:cNvPr id="13" name="矩形 12"/>
-          <p:cNvSpPr/>
-          <p:nvPr/>
-        </p:nvSpPr>
-        <p:spPr>
-          <a:xfrm>
-            <a:off x="2150621" y="2259756"/>
-            <a:ext cx="214314" cy="366690"/>
-          </a:xfrm>
-          <a:prstGeom prst="rect">
-            <a:avLst/>
-          </a:prstGeom>
-          <a:solidFill>
-            <a:srgbClr val="FFC000"/>
-          </a:solidFill>
-          <a:ln>
-            <a:noFill/>
-          </a:ln>
-        </p:spPr>
-        <p:style>
-          <a:lnRef idx="2">
-            <a:schemeClr val="accent1">
-              <a:shade val="50000"/>
-            </a:schemeClr>
-          </a:lnRef>
-          <a:fillRef idx="1">
-            <a:schemeClr val="accent1"/>
-          </a:fillRef>
-          <a:effectRef idx="0">
-            <a:schemeClr val="accent1"/>
-          </a:effectRef>
-          <a:fontRef idx="minor">
-            <a:schemeClr val="lt1"/>
-          </a:fontRef>
-        </p:style>
-        <p:txBody>
-          <a:bodyPr rtlCol="0" anchor="ctr"/>
-          <a:lstStyle/>
-          <a:p>
-            <a:pPr algn="ctr"/>
-            <a:endParaRPr lang="zh-CN" altLang="en-US">
-              <a:solidFill>
-                <a:schemeClr val="tx1"/>
-              </a:solidFill>
-            </a:endParaRPr>
-          </a:p>
-        </p:txBody>
-      </p:sp>
-      <p:sp>
-        <p:nvSpPr>
-          <p:cNvPr id="14" name="矩形 13"/>
-          <p:cNvSpPr/>
-          <p:nvPr/>
-        </p:nvSpPr>
-        <p:spPr>
-          <a:xfrm>
-            <a:off x="2496381" y="2259756"/>
-            <a:ext cx="71438" cy="366690"/>
-          </a:xfrm>
-          <a:prstGeom prst="rect">
-            <a:avLst/>
-          </a:prstGeom>
-          <a:solidFill>
-            <a:srgbClr val="FFC000"/>
-          </a:solidFill>
-          <a:ln>
-            <a:noFill/>
-          </a:ln>
-        </p:spPr>
-        <p:style>
-          <a:lnRef idx="2">
-            <a:schemeClr val="accent1">
-              <a:shade val="50000"/>
-            </a:schemeClr>
-          </a:lnRef>
-          <a:fillRef idx="1">
-            <a:schemeClr val="accent1"/>
-          </a:fillRef>
-          <a:effectRef idx="0">
-            <a:schemeClr val="accent1"/>
-          </a:effectRef>
-          <a:fontRef idx="minor">
-            <a:schemeClr val="lt1"/>
-          </a:fontRef>
-        </p:style>
-        <p:txBody>
-          <a:bodyPr rtlCol="0" anchor="ctr"/>
-          <a:lstStyle/>
-          <a:p>
-            <a:pPr algn="ctr"/>
-            <a:endParaRPr lang="zh-CN" altLang="en-US">
-              <a:solidFill>
-                <a:schemeClr val="tx1"/>
-              </a:solidFill>
-            </a:endParaRPr>
-          </a:p>
-        </p:txBody>
-      </p:sp>
-      <p:sp>
-        <p:nvSpPr>
-          <p:cNvPr id="15" name="TextBox 14"/>
-          <p:cNvSpPr txBox="1"/>
-          <p:nvPr/>
-        </p:nvSpPr>
-        <p:spPr>
-          <a:xfrm>
-            <a:off x="1001688" y="2077025"/>
-            <a:ext cx="1018757" cy="492443"/>
-          </a:xfrm>
-          <a:prstGeom prst="rect">
-            <a:avLst/>
-          </a:prstGeom>
-          <a:noFill/>
-        </p:spPr>
-        <p:txBody>
-          <a:bodyPr wrap="square" rtlCol="0">
-            <a:spAutoFit/>
-          </a:bodyPr>
-          <a:lstStyle/>
-          <a:p>
-            <a:r>
-              <a:rPr lang="en-US" altLang="zh-CN" sz="2600" dirty="0" smtClean="0">
-                <a:solidFill>
-                  <a:srgbClr val="FFC000"/>
-                </a:solidFill>
-                <a:latin typeface="黑体" pitchFamily="49" charset="-122"/>
-                <a:ea typeface="黑体" pitchFamily="49" charset="-122"/>
-              </a:rPr>
-              <a:t>Thank</a:t>
-            </a:r>
-            <a:endParaRPr lang="zh-CN" altLang="en-US" sz="2600" dirty="0">
-              <a:solidFill>
-                <a:srgbClr val="FFC000"/>
-              </a:solidFill>
-              <a:latin typeface="黑体" pitchFamily="49" charset="-122"/>
-              <a:ea typeface="黑体" pitchFamily="49" charset="-122"/>
-            </a:endParaRPr>
-          </a:p>
-        </p:txBody>
-      </p:sp>
-      <p:sp>
-        <p:nvSpPr>
-          <p:cNvPr id="16" name="TextBox 15"/>
-          <p:cNvSpPr txBox="1"/>
-          <p:nvPr/>
-        </p:nvSpPr>
-        <p:spPr>
-          <a:xfrm>
-            <a:off x="1863789" y="2387963"/>
-            <a:ext cx="1000132" cy="584775"/>
-          </a:xfrm>
-          <a:prstGeom prst="rect">
-            <a:avLst/>
-          </a:prstGeom>
-          <a:noFill/>
-        </p:spPr>
-        <p:txBody>
-          <a:bodyPr wrap="square" rtlCol="0">
-            <a:spAutoFit/>
-          </a:bodyPr>
-          <a:lstStyle/>
-          <a:p>
-            <a:r>
-              <a:rPr lang="en-US" altLang="zh-CN" sz="3200" dirty="0" smtClean="0">
-                <a:solidFill>
-                  <a:srgbClr val="FFC000"/>
-                </a:solidFill>
-                <a:latin typeface="黑体" pitchFamily="49" charset="-122"/>
-                <a:ea typeface="黑体" pitchFamily="49" charset="-122"/>
-              </a:rPr>
-              <a:t>YOU</a:t>
-            </a:r>
-            <a:endParaRPr lang="zh-CN" altLang="en-US" sz="3200" dirty="0">
-              <a:solidFill>
-                <a:srgbClr val="FFC000"/>
-              </a:solidFill>
-              <a:latin typeface="黑体" pitchFamily="49" charset="-122"/>
-              <a:ea typeface="黑体" pitchFamily="49" charset="-122"/>
-            </a:endParaRPr>
-          </a:p>
-        </p:txBody>
-      </p:sp>
-      <p:sp>
-        <p:nvSpPr>
-          <p:cNvPr id="17" name="矩形 16"/>
-          <p:cNvSpPr/>
-          <p:nvPr/>
-        </p:nvSpPr>
-        <p:spPr>
-          <a:xfrm>
-            <a:off x="1280030" y="-740617"/>
-            <a:ext cx="285752" cy="2643182"/>
-          </a:xfrm>
-          <a:prstGeom prst="rect">
-            <a:avLst/>
-          </a:prstGeom>
-          <a:solidFill>
-            <a:schemeClr val="bg1"/>
-          </a:solidFill>
-          <a:ln>
-            <a:noFill/>
-          </a:ln>
-        </p:spPr>
-        <p:style>
-          <a:lnRef idx="2">
-            <a:schemeClr val="accent1">
-              <a:shade val="50000"/>
-            </a:schemeClr>
-          </a:lnRef>
-          <a:fillRef idx="1">
-            <a:schemeClr val="accent1"/>
-          </a:fillRef>
-          <a:effectRef idx="0">
-            <a:schemeClr val="accent1"/>
-          </a:effectRef>
-          <a:fontRef idx="minor">
-            <a:schemeClr val="lt1"/>
-          </a:fontRef>
-        </p:style>
-        <p:txBody>
-          <a:bodyPr rtlCol="0" anchor="ctr"/>
-          <a:lstStyle/>
-          <a:p>
-            <a:pPr algn="ctr"/>
-            <a:endParaRPr lang="zh-CN" altLang="en-US"/>
-          </a:p>
-        </p:txBody>
-      </p:sp>
-      <p:sp>
-        <p:nvSpPr>
-          <p:cNvPr id="18" name="矩形 17"/>
-          <p:cNvSpPr/>
-          <p:nvPr/>
-        </p:nvSpPr>
-        <p:spPr>
-          <a:xfrm>
-            <a:off x="1637220" y="-740617"/>
-            <a:ext cx="71438" cy="2643182"/>
-          </a:xfrm>
-          <a:prstGeom prst="rect">
-            <a:avLst/>
-          </a:prstGeom>
-          <a:solidFill>
-            <a:schemeClr val="bg1"/>
-          </a:solidFill>
-          <a:ln>
-            <a:noFill/>
-          </a:ln>
-        </p:spPr>
-        <p:style>
-          <a:lnRef idx="2">
-            <a:schemeClr val="accent1">
-              <a:shade val="50000"/>
-            </a:schemeClr>
-          </a:lnRef>
-          <a:fillRef idx="1">
-            <a:schemeClr val="accent1"/>
-          </a:fillRef>
-          <a:effectRef idx="0">
-            <a:schemeClr val="accent1"/>
-          </a:effectRef>
-          <a:fontRef idx="minor">
-            <a:schemeClr val="lt1"/>
-          </a:fontRef>
-        </p:style>
-        <p:txBody>
-          <a:bodyPr rtlCol="0" anchor="ctr"/>
-          <a:lstStyle/>
-          <a:p>
-            <a:pPr algn="ctr"/>
-            <a:endParaRPr lang="zh-CN" altLang="en-US"/>
-          </a:p>
-        </p:txBody>
-      </p:sp>
-      <p:sp>
-        <p:nvSpPr>
-          <p:cNvPr id="19" name="矩形 18"/>
-          <p:cNvSpPr/>
-          <p:nvPr/>
-        </p:nvSpPr>
-        <p:spPr>
-          <a:xfrm>
-            <a:off x="1935672" y="-740616"/>
-            <a:ext cx="142876" cy="2786058"/>
-          </a:xfrm>
-          <a:prstGeom prst="rect">
-            <a:avLst/>
-          </a:prstGeom>
-          <a:solidFill>
-            <a:schemeClr val="bg1"/>
-          </a:solidFill>
-          <a:ln>
-            <a:noFill/>
-          </a:ln>
-        </p:spPr>
-        <p:style>
-          <a:lnRef idx="2">
-            <a:schemeClr val="accent1">
-              <a:shade val="50000"/>
-            </a:schemeClr>
-          </a:lnRef>
-          <a:fillRef idx="1">
-            <a:schemeClr val="accent1"/>
-          </a:fillRef>
-          <a:effectRef idx="0">
-            <a:schemeClr val="accent1"/>
-          </a:effectRef>
-          <a:fontRef idx="minor">
-            <a:schemeClr val="lt1"/>
-          </a:fontRef>
-        </p:style>
-        <p:txBody>
-          <a:bodyPr rtlCol="0" anchor="ctr"/>
-          <a:lstStyle/>
-          <a:p>
-            <a:pPr algn="ctr"/>
-            <a:endParaRPr lang="zh-CN" altLang="en-US"/>
-          </a:p>
-        </p:txBody>
-      </p:sp>
-      <p:sp>
-        <p:nvSpPr>
-          <p:cNvPr id="20" name="矩形 19"/>
-          <p:cNvSpPr/>
-          <p:nvPr/>
-        </p:nvSpPr>
-        <p:spPr>
-          <a:xfrm>
-            <a:off x="2149986" y="-740616"/>
-            <a:ext cx="214314" cy="2786058"/>
-          </a:xfrm>
-          <a:prstGeom prst="rect">
-            <a:avLst/>
-          </a:prstGeom>
-          <a:solidFill>
-            <a:schemeClr val="bg1"/>
-          </a:solidFill>
-          <a:ln>
-            <a:noFill/>
-          </a:ln>
-        </p:spPr>
-        <p:style>
-          <a:lnRef idx="2">
-            <a:schemeClr val="accent1">
-              <a:shade val="50000"/>
-            </a:schemeClr>
-          </a:lnRef>
-          <a:fillRef idx="1">
-            <a:schemeClr val="accent1"/>
-          </a:fillRef>
-          <a:effectRef idx="0">
-            <a:schemeClr val="accent1"/>
-          </a:effectRef>
-          <a:fontRef idx="minor">
-            <a:schemeClr val="lt1"/>
-          </a:fontRef>
-        </p:style>
-        <p:txBody>
-          <a:bodyPr rtlCol="0" anchor="ctr"/>
-          <a:lstStyle/>
-          <a:p>
-            <a:pPr algn="ctr"/>
-            <a:endParaRPr lang="zh-CN" altLang="en-US"/>
-          </a:p>
-        </p:txBody>
-      </p:sp>
-      <p:sp>
-        <p:nvSpPr>
-          <p:cNvPr id="21" name="矩形 20"/>
-          <p:cNvSpPr/>
-          <p:nvPr/>
-        </p:nvSpPr>
-        <p:spPr>
-          <a:xfrm>
-            <a:off x="2494476" y="-740616"/>
-            <a:ext cx="71438" cy="2786058"/>
-          </a:xfrm>
-          <a:prstGeom prst="rect">
-            <a:avLst/>
-          </a:prstGeom>
-          <a:solidFill>
-            <a:schemeClr val="bg1"/>
-          </a:solidFill>
-          <a:ln>
-            <a:noFill/>
-          </a:ln>
-        </p:spPr>
-        <p:style>
-          <a:lnRef idx="2">
-            <a:schemeClr val="accent1">
-              <a:shade val="50000"/>
-            </a:schemeClr>
-          </a:lnRef>
-          <a:fillRef idx="1">
-            <a:schemeClr val="accent1"/>
-          </a:fillRef>
-          <a:effectRef idx="0">
-            <a:schemeClr val="accent1"/>
-          </a:effectRef>
-          <a:fontRef idx="minor">
-            <a:schemeClr val="lt1"/>
-          </a:fontRef>
-        </p:style>
-        <p:txBody>
-          <a:bodyPr rtlCol="0" anchor="ctr"/>
-          <a:lstStyle/>
-          <a:p>
-            <a:pPr algn="ctr"/>
-            <a:endParaRPr lang="zh-CN" altLang="en-US"/>
-          </a:p>
-        </p:txBody>
-      </p:sp>
-      <p:sp>
-        <p:nvSpPr>
-          <p:cNvPr id="23" name="文本框 22"/>
-          <p:cNvSpPr txBox="1"/>
-          <p:nvPr/>
-        </p:nvSpPr>
-        <p:spPr>
-          <a:xfrm>
-            <a:off x="2981908" y="3721596"/>
-            <a:ext cx="4104456" cy="707886"/>
-          </a:xfrm>
-          <a:prstGeom prst="rect">
-            <a:avLst/>
-          </a:prstGeom>
-          <a:noFill/>
-        </p:spPr>
-        <p:txBody>
-          <a:bodyPr wrap="square" rtlCol="0">
-            <a:spAutoFit/>
-          </a:bodyPr>
-          <a:lstStyle/>
-          <a:p>
-            <a:pPr algn="ctr"/>
-            <a:r>
-              <a:rPr lang="en-US" altLang="zh-CN" sz="2000" b="1" spc="200" dirty="0">
-                <a:solidFill>
-                  <a:schemeClr val="tx1">
-                    <a:lumMod val="65000"/>
-                    <a:lumOff val="35000"/>
-                  </a:schemeClr>
-                </a:solidFill>
-                <a:latin typeface="Lucida Calligraphy" panose="03010101010101010101" pitchFamily="66" charset="0"/>
-                <a:ea typeface="微软雅黑" pitchFamily="34" charset="-122"/>
-              </a:rPr>
-              <a:t>Zuoming Li</a:t>
-            </a:r>
-          </a:p>
-          <a:p>
-            <a:pPr algn="ctr"/>
-            <a:r>
-              <a:rPr lang="en-US" altLang="zh-CN" sz="2000" b="1" spc="200" dirty="0" err="1">
-                <a:solidFill>
-                  <a:schemeClr val="tx1">
-                    <a:lumMod val="65000"/>
-                    <a:lumOff val="35000"/>
-                  </a:schemeClr>
-                </a:solidFill>
-                <a:latin typeface="Lucida Calligraphy" panose="03010101010101010101" pitchFamily="66" charset="0"/>
-                <a:ea typeface="微软雅黑" pitchFamily="34" charset="-122"/>
-              </a:rPr>
-              <a:t>Xueyin</a:t>
-            </a:r>
-            <a:r>
-              <a:rPr lang="zh-CN" altLang="en-US" sz="2000" b="1" spc="200" dirty="0">
-                <a:solidFill>
-                  <a:schemeClr val="tx1">
-                    <a:lumMod val="65000"/>
-                    <a:lumOff val="35000"/>
-                  </a:schemeClr>
-                </a:solidFill>
-                <a:latin typeface="Lucida Calligraphy" panose="03010101010101010101" pitchFamily="66" charset="0"/>
-                <a:ea typeface="微软雅黑" pitchFamily="34" charset="-122"/>
-              </a:rPr>
-              <a:t> </a:t>
-            </a:r>
-            <a:r>
-              <a:rPr lang="en-US" altLang="zh-CN" sz="2000" b="1" spc="200" dirty="0">
-                <a:solidFill>
-                  <a:schemeClr val="tx1">
-                    <a:lumMod val="65000"/>
-                    <a:lumOff val="35000"/>
-                  </a:schemeClr>
-                </a:solidFill>
-                <a:latin typeface="Lucida Calligraphy" panose="03010101010101010101" pitchFamily="66" charset="0"/>
-                <a:ea typeface="微软雅黑" pitchFamily="34" charset="-122"/>
-              </a:rPr>
-              <a:t>Wang</a:t>
-            </a:r>
-            <a:endParaRPr lang="en-US" sz="2000" b="1" spc="200" dirty="0">
-              <a:solidFill>
-                <a:schemeClr val="tx1">
-                  <a:lumMod val="65000"/>
-                  <a:lumOff val="35000"/>
-                </a:schemeClr>
-              </a:solidFill>
-              <a:latin typeface="Lucida Calligraphy" panose="03010101010101010101" pitchFamily="66" charset="0"/>
-              <a:ea typeface="微软雅黑" pitchFamily="34" charset="-122"/>
-            </a:endParaRPr>
-          </a:p>
-        </p:txBody>
-      </p:sp>
-      <p:sp>
-        <p:nvSpPr>
-          <p:cNvPr id="22" name="文本框 21"/>
-          <p:cNvSpPr txBox="1"/>
-          <p:nvPr/>
-        </p:nvSpPr>
-        <p:spPr>
-          <a:xfrm>
-            <a:off x="3485964" y="503883"/>
-            <a:ext cx="3096344" cy="769441"/>
-          </a:xfrm>
-          <a:prstGeom prst="rect">
-            <a:avLst/>
-          </a:prstGeom>
-          <a:noFill/>
-        </p:spPr>
-        <p:txBody>
-          <a:bodyPr wrap="square" rtlCol="0">
-            <a:spAutoFit/>
-          </a:bodyPr>
-          <a:lstStyle/>
-          <a:p>
-            <a:pPr algn="ctr"/>
-            <a:r>
-              <a:rPr lang="en-US" altLang="zh-CN" sz="2200" spc="200" dirty="0">
-                <a:solidFill>
-                  <a:schemeClr val="tx1">
-                    <a:lumMod val="65000"/>
-                    <a:lumOff val="35000"/>
-                  </a:schemeClr>
-                </a:solidFill>
-                <a:latin typeface="Segoe Print" panose="02000600000000000000" pitchFamily="2" charset="0"/>
-                <a:ea typeface="微软雅黑" pitchFamily="34" charset="-122"/>
-              </a:rPr>
-              <a:t>Mid-term</a:t>
-            </a:r>
-            <a:r>
-              <a:rPr lang="zh-CN" altLang="en-US" sz="2200" spc="200" dirty="0">
-                <a:solidFill>
-                  <a:schemeClr val="tx1">
-                    <a:lumMod val="65000"/>
-                    <a:lumOff val="35000"/>
-                  </a:schemeClr>
-                </a:solidFill>
-                <a:latin typeface="Segoe Print" panose="02000600000000000000" pitchFamily="2" charset="0"/>
-                <a:ea typeface="微软雅黑" pitchFamily="34" charset="-122"/>
-              </a:rPr>
-              <a:t> </a:t>
-            </a:r>
-            <a:r>
-              <a:rPr lang="en-US" altLang="zh-CN" sz="2200" spc="200" dirty="0">
-                <a:solidFill>
-                  <a:schemeClr val="tx1">
-                    <a:lumMod val="65000"/>
-                    <a:lumOff val="35000"/>
-                  </a:schemeClr>
-                </a:solidFill>
-                <a:latin typeface="Segoe Print" panose="02000600000000000000" pitchFamily="2" charset="0"/>
-                <a:ea typeface="微软雅黑" pitchFamily="34" charset="-122"/>
-              </a:rPr>
-              <a:t>Presentation</a:t>
-            </a:r>
-            <a:endParaRPr lang="en-US" sz="2200" spc="200" dirty="0">
-              <a:solidFill>
-                <a:schemeClr val="tx1">
-                  <a:lumMod val="65000"/>
-                  <a:lumOff val="35000"/>
-                </a:schemeClr>
-              </a:solidFill>
-              <a:latin typeface="Segoe Print" panose="02000600000000000000" pitchFamily="2" charset="0"/>
-              <a:ea typeface="微软雅黑" pitchFamily="34" charset="-122"/>
-            </a:endParaRPr>
-          </a:p>
-        </p:txBody>
-      </p:sp>
-      <p:sp>
-        <p:nvSpPr>
-          <p:cNvPr id="24" name="Rectangle 23"/>
-          <p:cNvSpPr/>
-          <p:nvPr/>
-        </p:nvSpPr>
-        <p:spPr>
-          <a:xfrm>
-            <a:off x="3737992" y="4647247"/>
-            <a:ext cx="2844316" cy="646331"/>
-          </a:xfrm>
-          <a:prstGeom prst="rect">
-            <a:avLst/>
-          </a:prstGeom>
-        </p:spPr>
-        <p:txBody>
-          <a:bodyPr wrap="square">
-            <a:spAutoFit/>
-          </a:bodyPr>
-          <a:lstStyle/>
-          <a:p>
-            <a:r>
-              <a:rPr lang="en-US" dirty="0">
-                <a:solidFill>
-                  <a:schemeClr val="tx1">
-                    <a:lumMod val="65000"/>
-                    <a:lumOff val="35000"/>
-                  </a:schemeClr>
-                </a:solidFill>
-              </a:rPr>
-              <a:t>https://</a:t>
-            </a:r>
-            <a:r>
-              <a:rPr lang="en-US" dirty="0" err="1">
-                <a:solidFill>
-                  <a:schemeClr val="tx1">
-                    <a:lumMod val="65000"/>
-                    <a:lumOff val="35000"/>
-                  </a:schemeClr>
-                </a:solidFill>
-              </a:rPr>
-              <a:t>github.com</a:t>
-            </a:r>
-            <a:r>
-              <a:rPr lang="en-US" dirty="0">
-                <a:solidFill>
-                  <a:schemeClr val="tx1">
-                    <a:lumMod val="65000"/>
-                    <a:lumOff val="35000"/>
-                  </a:schemeClr>
-                </a:solidFill>
-              </a:rPr>
-              <a:t>/</a:t>
-            </a:r>
-            <a:r>
-              <a:rPr lang="en-US" dirty="0" err="1">
-                <a:solidFill>
-                  <a:schemeClr val="tx1">
-                    <a:lumMod val="65000"/>
-                    <a:lumOff val="35000"/>
-                  </a:schemeClr>
-                </a:solidFill>
-              </a:rPr>
-              <a:t>aaaeeeo</a:t>
-            </a:r>
-            <a:r>
-              <a:rPr lang="en-US" dirty="0">
-                <a:solidFill>
-                  <a:schemeClr val="tx1">
-                    <a:lumMod val="65000"/>
-                    <a:lumOff val="35000"/>
-                  </a:schemeClr>
-                </a:solidFill>
-              </a:rPr>
-              <a:t>/51300-compiler</a:t>
-            </a:r>
-          </a:p>
-        </p:txBody>
-      </p:sp>
-    </p:spTree>
-    <p:extLst>
-      <p:ext uri="{BB962C8B-B14F-4D97-AF65-F5344CB8AC3E}">
-        <p14:creationId xmlns:p14="http://schemas.microsoft.com/office/powerpoint/2010/main" val="1554612340"/>
-      </p:ext>
-    </p:extLst>
-  </p:cSld>
-  <p:clrMapOvr>
-    <a:masterClrMapping/>
-  </p:clrMapOvr>
-  <p:timing>
-    <p:tnLst>
-      <p:par>
-        <p:cTn id="1" dur="indefinite" restart="never" nodeType="tmRoot">
-          <p:childTnLst>
-            <p:seq concurrent="1" nextAc="seek">
-              <p:cTn id="2" dur="indefinite" nodeType="mainSeq">
-                <p:childTnLst>
-                  <p:par>
-                    <p:cTn id="3" fill="hold">
-                      <p:stCondLst>
-                        <p:cond delay="indefinite"/>
-                        <p:cond evt="onBegin" delay="0">
-                          <p:tn val="2"/>
-                        </p:cond>
-                      </p:stCondLst>
-                      <p:childTnLst>
-                        <p:par>
-                          <p:cTn id="4" fill="hold">
-                            <p:stCondLst>
-                              <p:cond delay="0"/>
-                            </p:stCondLst>
-                            <p:childTnLst>
-                              <p:par>
-                                <p:cTn id="5" presetID="10" presetClass="entr" presetSubtype="0" fill="hold" grpId="0" nodeType="withEffect">
-                                  <p:stCondLst>
-                                    <p:cond delay="0"/>
-                                  </p:stCondLst>
-                                  <p:childTnLst>
-                                    <p:set>
-                                      <p:cBhvr>
-                                        <p:cTn id="6" dur="1" fill="hold">
-                                          <p:stCondLst>
-                                            <p:cond delay="0"/>
-                                          </p:stCondLst>
-                                        </p:cTn>
-                                        <p:tgtEl>
-                                          <p:spTgt spid="4"/>
-                                        </p:tgtEl>
-                                        <p:attrNameLst>
-                                          <p:attrName>style.visibility</p:attrName>
-                                        </p:attrNameLst>
-                                      </p:cBhvr>
-                                      <p:to>
-                                        <p:strVal val="visible"/>
-                                      </p:to>
-                                    </p:set>
-                                    <p:animEffect transition="in" filter="fade">
-                                      <p:cBhvr>
-                                        <p:cTn id="7" dur="2000"/>
-                                        <p:tgtEl>
-                                          <p:spTgt spid="4"/>
-                                        </p:tgtEl>
-                                      </p:cBhvr>
-                                    </p:animEffect>
-                                  </p:childTnLst>
-                                </p:cTn>
-                              </p:par>
-                              <p:par>
-                                <p:cTn id="8" presetID="10" presetClass="entr" presetSubtype="0" fill="hold" grpId="0" nodeType="withEffect">
-                                  <p:stCondLst>
-                                    <p:cond delay="0"/>
-                                  </p:stCondLst>
-                                  <p:childTnLst>
-                                    <p:set>
-                                      <p:cBhvr>
-                                        <p:cTn id="9" dur="1" fill="hold">
-                                          <p:stCondLst>
-                                            <p:cond delay="0"/>
-                                          </p:stCondLst>
-                                        </p:cTn>
-                                        <p:tgtEl>
-                                          <p:spTgt spid="23"/>
-                                        </p:tgtEl>
-                                        <p:attrNameLst>
-                                          <p:attrName>style.visibility</p:attrName>
-                                        </p:attrNameLst>
-                                      </p:cBhvr>
-                                      <p:to>
-                                        <p:strVal val="visible"/>
-                                      </p:to>
-                                    </p:set>
-                                    <p:animEffect transition="in" filter="fade">
-                                      <p:cBhvr>
-                                        <p:cTn id="10" dur="2000"/>
-                                        <p:tgtEl>
-                                          <p:spTgt spid="23"/>
-                                        </p:tgtEl>
-                                      </p:cBhvr>
-                                    </p:animEffect>
-                                  </p:childTnLst>
-                                </p:cTn>
-                              </p:par>
-                              <p:par>
-                                <p:cTn id="11" presetID="10" presetClass="entr" presetSubtype="0" fill="hold" grpId="0" nodeType="withEffect">
-                                  <p:stCondLst>
-                                    <p:cond delay="0"/>
-                                  </p:stCondLst>
-                                  <p:childTnLst>
-                                    <p:set>
-                                      <p:cBhvr>
-                                        <p:cTn id="12" dur="1" fill="hold">
-                                          <p:stCondLst>
-                                            <p:cond delay="0"/>
-                                          </p:stCondLst>
-                                        </p:cTn>
-                                        <p:tgtEl>
-                                          <p:spTgt spid="22"/>
-                                        </p:tgtEl>
-                                        <p:attrNameLst>
-                                          <p:attrName>style.visibility</p:attrName>
-                                        </p:attrNameLst>
-                                      </p:cBhvr>
-                                      <p:to>
-                                        <p:strVal val="visible"/>
-                                      </p:to>
-                                    </p:set>
-                                    <p:animEffect transition="in" filter="fade">
-                                      <p:cBhvr>
-                                        <p:cTn id="13" dur="500"/>
-                                        <p:tgtEl>
-                                          <p:spTgt spid="22"/>
-                                        </p:tgtEl>
-                                      </p:cBhvr>
-                                    </p:animEffect>
-                                  </p:childTnLst>
-                                </p:cTn>
-                              </p:par>
-                              <p:par>
-                                <p:cTn id="14" presetID="2" presetClass="entr" presetSubtype="4" accel="50000" decel="50000" fill="hold" grpId="0" nodeType="withEffect">
-                                  <p:stCondLst>
-                                    <p:cond delay="0"/>
-                                  </p:stCondLst>
-                                  <p:childTnLst>
-                                    <p:set>
-                                      <p:cBhvr>
-                                        <p:cTn id="15" dur="1" fill="hold">
-                                          <p:stCondLst>
-                                            <p:cond delay="0"/>
-                                          </p:stCondLst>
-                                        </p:cTn>
-                                        <p:tgtEl>
-                                          <p:spTgt spid="5"/>
-                                        </p:tgtEl>
-                                        <p:attrNameLst>
-                                          <p:attrName>style.visibility</p:attrName>
-                                        </p:attrNameLst>
-                                      </p:cBhvr>
-                                      <p:to>
-                                        <p:strVal val="visible"/>
-                                      </p:to>
-                                    </p:set>
-                                    <p:anim calcmode="lin" valueType="num">
-                                      <p:cBhvr additive="base">
-                                        <p:cTn id="16" dur="500" fill="hold"/>
-                                        <p:tgtEl>
-                                          <p:spTgt spid="5"/>
-                                        </p:tgtEl>
-                                        <p:attrNameLst>
-                                          <p:attrName>ppt_x</p:attrName>
-                                        </p:attrNameLst>
-                                      </p:cBhvr>
-                                      <p:tavLst>
-                                        <p:tav tm="0">
-                                          <p:val>
-                                            <p:strVal val="#ppt_x"/>
-                                          </p:val>
-                                        </p:tav>
-                                        <p:tav tm="100000">
-                                          <p:val>
-                                            <p:strVal val="#ppt_x"/>
-                                          </p:val>
-                                        </p:tav>
-                                      </p:tavLst>
-                                    </p:anim>
-                                    <p:anim calcmode="lin" valueType="num">
-                                      <p:cBhvr additive="base">
-                                        <p:cTn id="17" dur="500" fill="hold"/>
-                                        <p:tgtEl>
-                                          <p:spTgt spid="5"/>
-                                        </p:tgtEl>
-                                        <p:attrNameLst>
-                                          <p:attrName>ppt_y</p:attrName>
-                                        </p:attrNameLst>
-                                      </p:cBhvr>
-                                      <p:tavLst>
-                                        <p:tav tm="0">
-                                          <p:val>
-                                            <p:strVal val="1+#ppt_h/2"/>
-                                          </p:val>
-                                        </p:tav>
-                                        <p:tav tm="100000">
-                                          <p:val>
-                                            <p:strVal val="#ppt_y"/>
-                                          </p:val>
-                                        </p:tav>
-                                      </p:tavLst>
-                                    </p:anim>
-                                  </p:childTnLst>
-                                </p:cTn>
-                              </p:par>
-                              <p:par>
-                                <p:cTn id="18" presetID="2" presetClass="entr" presetSubtype="1" accel="50000" decel="50000" fill="hold" grpId="0" nodeType="withEffect">
-                                  <p:stCondLst>
-                                    <p:cond delay="250"/>
-                                  </p:stCondLst>
-                                  <p:childTnLst>
-                                    <p:set>
-                                      <p:cBhvr>
-                                        <p:cTn id="19" dur="1" fill="hold">
-                                          <p:stCondLst>
-                                            <p:cond delay="0"/>
-                                          </p:stCondLst>
-                                        </p:cTn>
-                                        <p:tgtEl>
-                                          <p:spTgt spid="6"/>
-                                        </p:tgtEl>
-                                        <p:attrNameLst>
-                                          <p:attrName>style.visibility</p:attrName>
-                                        </p:attrNameLst>
-                                      </p:cBhvr>
-                                      <p:to>
-                                        <p:strVal val="visible"/>
-                                      </p:to>
-                                    </p:set>
-                                    <p:anim calcmode="lin" valueType="num">
-                                      <p:cBhvr additive="base">
-                                        <p:cTn id="20" dur="500" fill="hold"/>
-                                        <p:tgtEl>
-                                          <p:spTgt spid="6"/>
-                                        </p:tgtEl>
-                                        <p:attrNameLst>
-                                          <p:attrName>ppt_x</p:attrName>
-                                        </p:attrNameLst>
-                                      </p:cBhvr>
-                                      <p:tavLst>
-                                        <p:tav tm="0">
-                                          <p:val>
-                                            <p:strVal val="#ppt_x"/>
-                                          </p:val>
-                                        </p:tav>
-                                        <p:tav tm="100000">
-                                          <p:val>
-                                            <p:strVal val="#ppt_x"/>
-                                          </p:val>
-                                        </p:tav>
-                                      </p:tavLst>
-                                    </p:anim>
-                                    <p:anim calcmode="lin" valueType="num">
-                                      <p:cBhvr additive="base">
-                                        <p:cTn id="21" dur="500" fill="hold"/>
-                                        <p:tgtEl>
-                                          <p:spTgt spid="6"/>
-                                        </p:tgtEl>
-                                        <p:attrNameLst>
-                                          <p:attrName>ppt_y</p:attrName>
-                                        </p:attrNameLst>
-                                      </p:cBhvr>
-                                      <p:tavLst>
-                                        <p:tav tm="0">
-                                          <p:val>
-                                            <p:strVal val="0-#ppt_h/2"/>
-                                          </p:val>
-                                        </p:tav>
-                                        <p:tav tm="100000">
-                                          <p:val>
-                                            <p:strVal val="#ppt_y"/>
-                                          </p:val>
-                                        </p:tav>
-                                      </p:tavLst>
-                                    </p:anim>
-                                  </p:childTnLst>
-                                </p:cTn>
-                              </p:par>
-                              <p:par>
-                                <p:cTn id="22" presetID="2" presetClass="entr" presetSubtype="4" accel="50000" decel="50000" fill="hold" grpId="0" nodeType="withEffect">
-                                  <p:stCondLst>
-                                    <p:cond delay="250"/>
-                                  </p:stCondLst>
-                                  <p:childTnLst>
-                                    <p:set>
-                                      <p:cBhvr>
-                                        <p:cTn id="23" dur="1" fill="hold">
-                                          <p:stCondLst>
-                                            <p:cond delay="0"/>
-                                          </p:stCondLst>
-                                        </p:cTn>
-                                        <p:tgtEl>
-                                          <p:spTgt spid="7"/>
-                                        </p:tgtEl>
-                                        <p:attrNameLst>
-                                          <p:attrName>style.visibility</p:attrName>
-                                        </p:attrNameLst>
-                                      </p:cBhvr>
-                                      <p:to>
-                                        <p:strVal val="visible"/>
-                                      </p:to>
-                                    </p:set>
-                                    <p:anim calcmode="lin" valueType="num">
-                                      <p:cBhvr additive="base">
-                                        <p:cTn id="24" dur="500" fill="hold"/>
-                                        <p:tgtEl>
-                                          <p:spTgt spid="7"/>
-                                        </p:tgtEl>
-                                        <p:attrNameLst>
-                                          <p:attrName>ppt_x</p:attrName>
-                                        </p:attrNameLst>
-                                      </p:cBhvr>
-                                      <p:tavLst>
-                                        <p:tav tm="0">
-                                          <p:val>
-                                            <p:strVal val="#ppt_x"/>
-                                          </p:val>
-                                        </p:tav>
-                                        <p:tav tm="100000">
-                                          <p:val>
-                                            <p:strVal val="#ppt_x"/>
-                                          </p:val>
-                                        </p:tav>
-                                      </p:tavLst>
-                                    </p:anim>
-                                    <p:anim calcmode="lin" valueType="num">
-                                      <p:cBhvr additive="base">
-                                        <p:cTn id="25" dur="500" fill="hold"/>
-                                        <p:tgtEl>
-                                          <p:spTgt spid="7"/>
-                                        </p:tgtEl>
-                                        <p:attrNameLst>
-                                          <p:attrName>ppt_y</p:attrName>
-                                        </p:attrNameLst>
-                                      </p:cBhvr>
-                                      <p:tavLst>
-                                        <p:tav tm="0">
-                                          <p:val>
-                                            <p:strVal val="1+#ppt_h/2"/>
-                                          </p:val>
-                                        </p:tav>
-                                        <p:tav tm="100000">
-                                          <p:val>
-                                            <p:strVal val="#ppt_y"/>
-                                          </p:val>
-                                        </p:tav>
-                                      </p:tavLst>
-                                    </p:anim>
-                                  </p:childTnLst>
-                                </p:cTn>
-                              </p:par>
-                              <p:par>
-                                <p:cTn id="26" presetID="2" presetClass="entr" presetSubtype="1" accel="50000" decel="50000" fill="hold" grpId="0" nodeType="withEffect">
-                                  <p:stCondLst>
-                                    <p:cond delay="250"/>
-                                  </p:stCondLst>
-                                  <p:childTnLst>
-                                    <p:set>
-                                      <p:cBhvr>
-                                        <p:cTn id="27" dur="1" fill="hold">
-                                          <p:stCondLst>
-                                            <p:cond delay="0"/>
-                                          </p:stCondLst>
-                                        </p:cTn>
-                                        <p:tgtEl>
-                                          <p:spTgt spid="8"/>
-                                        </p:tgtEl>
-                                        <p:attrNameLst>
-                                          <p:attrName>style.visibility</p:attrName>
-                                        </p:attrNameLst>
-                                      </p:cBhvr>
-                                      <p:to>
-                                        <p:strVal val="visible"/>
-                                      </p:to>
-                                    </p:set>
-                                    <p:anim calcmode="lin" valueType="num">
-                                      <p:cBhvr additive="base">
-                                        <p:cTn id="28" dur="500" fill="hold"/>
-                                        <p:tgtEl>
-                                          <p:spTgt spid="8"/>
-                                        </p:tgtEl>
-                                        <p:attrNameLst>
-                                          <p:attrName>ppt_x</p:attrName>
-                                        </p:attrNameLst>
-                                      </p:cBhvr>
-                                      <p:tavLst>
-                                        <p:tav tm="0">
-                                          <p:val>
-                                            <p:strVal val="#ppt_x"/>
-                                          </p:val>
-                                        </p:tav>
-                                        <p:tav tm="100000">
-                                          <p:val>
-                                            <p:strVal val="#ppt_x"/>
-                                          </p:val>
-                                        </p:tav>
-                                      </p:tavLst>
-                                    </p:anim>
-                                    <p:anim calcmode="lin" valueType="num">
-                                      <p:cBhvr additive="base">
-                                        <p:cTn id="29" dur="500" fill="hold"/>
-                                        <p:tgtEl>
-                                          <p:spTgt spid="8"/>
-                                        </p:tgtEl>
-                                        <p:attrNameLst>
-                                          <p:attrName>ppt_y</p:attrName>
-                                        </p:attrNameLst>
-                                      </p:cBhvr>
-                                      <p:tavLst>
-                                        <p:tav tm="0">
-                                          <p:val>
-                                            <p:strVal val="0-#ppt_h/2"/>
-                                          </p:val>
-                                        </p:tav>
-                                        <p:tav tm="100000">
-                                          <p:val>
-                                            <p:strVal val="#ppt_y"/>
-                                          </p:val>
-                                        </p:tav>
-                                      </p:tavLst>
-                                    </p:anim>
-                                  </p:childTnLst>
-                                </p:cTn>
-                              </p:par>
-                              <p:par>
-                                <p:cTn id="30" presetID="2" presetClass="entr" presetSubtype="4" accel="50000" decel="50000" fill="hold" grpId="0" nodeType="withEffect">
-                                  <p:stCondLst>
-                                    <p:cond delay="250"/>
-                                  </p:stCondLst>
-                                  <p:childTnLst>
-                                    <p:set>
-                                      <p:cBhvr>
-                                        <p:cTn id="31" dur="1" fill="hold">
-                                          <p:stCondLst>
-                                            <p:cond delay="0"/>
-                                          </p:stCondLst>
-                                        </p:cTn>
-                                        <p:tgtEl>
-                                          <p:spTgt spid="9"/>
-                                        </p:tgtEl>
-                                        <p:attrNameLst>
-                                          <p:attrName>style.visibility</p:attrName>
-                                        </p:attrNameLst>
-                                      </p:cBhvr>
-                                      <p:to>
-                                        <p:strVal val="visible"/>
-                                      </p:to>
-                                    </p:set>
-                                    <p:anim calcmode="lin" valueType="num">
-                                      <p:cBhvr additive="base">
-                                        <p:cTn id="32" dur="500" fill="hold"/>
-                                        <p:tgtEl>
-                                          <p:spTgt spid="9"/>
-                                        </p:tgtEl>
-                                        <p:attrNameLst>
-                                          <p:attrName>ppt_x</p:attrName>
-                                        </p:attrNameLst>
-                                      </p:cBhvr>
-                                      <p:tavLst>
-                                        <p:tav tm="0">
-                                          <p:val>
-                                            <p:strVal val="#ppt_x"/>
-                                          </p:val>
-                                        </p:tav>
-                                        <p:tav tm="100000">
-                                          <p:val>
-                                            <p:strVal val="#ppt_x"/>
-                                          </p:val>
-                                        </p:tav>
-                                      </p:tavLst>
-                                    </p:anim>
-                                    <p:anim calcmode="lin" valueType="num">
-                                      <p:cBhvr additive="base">
-                                        <p:cTn id="33" dur="500" fill="hold"/>
-                                        <p:tgtEl>
-                                          <p:spTgt spid="9"/>
-                                        </p:tgtEl>
-                                        <p:attrNameLst>
-                                          <p:attrName>ppt_y</p:attrName>
-                                        </p:attrNameLst>
-                                      </p:cBhvr>
-                                      <p:tavLst>
-                                        <p:tav tm="0">
-                                          <p:val>
-                                            <p:strVal val="1+#ppt_h/2"/>
-                                          </p:val>
-                                        </p:tav>
-                                        <p:tav tm="100000">
-                                          <p:val>
-                                            <p:strVal val="#ppt_y"/>
-                                          </p:val>
-                                        </p:tav>
-                                      </p:tavLst>
-                                    </p:anim>
-                                  </p:childTnLst>
-                                </p:cTn>
-                              </p:par>
-                            </p:childTnLst>
-                          </p:cTn>
-                        </p:par>
-                        <p:par>
-                          <p:cTn id="34" fill="hold">
-                            <p:stCondLst>
-                              <p:cond delay="2000"/>
-                            </p:stCondLst>
-                            <p:childTnLst>
-                              <p:par>
-                                <p:cTn id="35" presetID="2" presetClass="exit" presetSubtype="4" accel="50000" fill="hold" grpId="1" nodeType="afterEffect">
-                                  <p:stCondLst>
-                                    <p:cond delay="250"/>
-                                  </p:stCondLst>
-                                  <p:childTnLst>
-                                    <p:anim calcmode="lin" valueType="num">
-                                      <p:cBhvr additive="base">
-                                        <p:cTn id="36" dur="500"/>
-                                        <p:tgtEl>
-                                          <p:spTgt spid="5"/>
-                                        </p:tgtEl>
-                                        <p:attrNameLst>
-                                          <p:attrName>ppt_x</p:attrName>
-                                        </p:attrNameLst>
-                                      </p:cBhvr>
-                                      <p:tavLst>
-                                        <p:tav tm="0">
-                                          <p:val>
-                                            <p:strVal val="ppt_x"/>
-                                          </p:val>
-                                        </p:tav>
-                                        <p:tav tm="100000">
-                                          <p:val>
-                                            <p:strVal val="ppt_x"/>
-                                          </p:val>
-                                        </p:tav>
-                                      </p:tavLst>
-                                    </p:anim>
-                                    <p:anim calcmode="lin" valueType="num">
-                                      <p:cBhvr additive="base">
-                                        <p:cTn id="37" dur="500"/>
-                                        <p:tgtEl>
-                                          <p:spTgt spid="5"/>
-                                        </p:tgtEl>
-                                        <p:attrNameLst>
-                                          <p:attrName>ppt_y</p:attrName>
-                                        </p:attrNameLst>
-                                      </p:cBhvr>
-                                      <p:tavLst>
-                                        <p:tav tm="0">
-                                          <p:val>
-                                            <p:strVal val="ppt_y"/>
-                                          </p:val>
-                                        </p:tav>
-                                        <p:tav tm="100000">
-                                          <p:val>
-                                            <p:strVal val="1+ppt_h/2"/>
-                                          </p:val>
-                                        </p:tav>
-                                      </p:tavLst>
-                                    </p:anim>
-                                    <p:set>
-                                      <p:cBhvr>
-                                        <p:cTn id="38" dur="1" fill="hold">
-                                          <p:stCondLst>
-                                            <p:cond delay="499"/>
-                                          </p:stCondLst>
-                                        </p:cTn>
-                                        <p:tgtEl>
-                                          <p:spTgt spid="5"/>
-                                        </p:tgtEl>
-                                        <p:attrNameLst>
-                                          <p:attrName>style.visibility</p:attrName>
-                                        </p:attrNameLst>
-                                      </p:cBhvr>
-                                      <p:to>
-                                        <p:strVal val="hidden"/>
-                                      </p:to>
-                                    </p:set>
-                                  </p:childTnLst>
-                                </p:cTn>
-                              </p:par>
-                              <p:par>
-                                <p:cTn id="39" presetID="2" presetClass="exit" presetSubtype="1" accel="50000" fill="hold" grpId="1" nodeType="withEffect">
-                                  <p:stCondLst>
-                                    <p:cond delay="250"/>
-                                  </p:stCondLst>
-                                  <p:childTnLst>
-                                    <p:anim calcmode="lin" valueType="num">
-                                      <p:cBhvr additive="base">
-                                        <p:cTn id="40" dur="500"/>
-                                        <p:tgtEl>
-                                          <p:spTgt spid="6"/>
-                                        </p:tgtEl>
-                                        <p:attrNameLst>
-                                          <p:attrName>ppt_x</p:attrName>
-                                        </p:attrNameLst>
-                                      </p:cBhvr>
-                                      <p:tavLst>
-                                        <p:tav tm="0">
-                                          <p:val>
-                                            <p:strVal val="ppt_x"/>
-                                          </p:val>
-                                        </p:tav>
-                                        <p:tav tm="100000">
-                                          <p:val>
-                                            <p:strVal val="ppt_x"/>
-                                          </p:val>
-                                        </p:tav>
-                                      </p:tavLst>
-                                    </p:anim>
-                                    <p:anim calcmode="lin" valueType="num">
-                                      <p:cBhvr additive="base">
-                                        <p:cTn id="41" dur="500"/>
-                                        <p:tgtEl>
-                                          <p:spTgt spid="6"/>
-                                        </p:tgtEl>
-                                        <p:attrNameLst>
-                                          <p:attrName>ppt_y</p:attrName>
-                                        </p:attrNameLst>
-                                      </p:cBhvr>
-                                      <p:tavLst>
-                                        <p:tav tm="0">
-                                          <p:val>
-                                            <p:strVal val="ppt_y"/>
-                                          </p:val>
-                                        </p:tav>
-                                        <p:tav tm="100000">
-                                          <p:val>
-                                            <p:strVal val="0-ppt_h/2"/>
-                                          </p:val>
-                                        </p:tav>
-                                      </p:tavLst>
-                                    </p:anim>
-                                    <p:set>
-                                      <p:cBhvr>
-                                        <p:cTn id="42" dur="1" fill="hold">
-                                          <p:stCondLst>
-                                            <p:cond delay="499"/>
-                                          </p:stCondLst>
-                                        </p:cTn>
-                                        <p:tgtEl>
-                                          <p:spTgt spid="6"/>
-                                        </p:tgtEl>
-                                        <p:attrNameLst>
-                                          <p:attrName>style.visibility</p:attrName>
-                                        </p:attrNameLst>
-                                      </p:cBhvr>
-                                      <p:to>
-                                        <p:strVal val="hidden"/>
-                                      </p:to>
-                                    </p:set>
-                                  </p:childTnLst>
-                                </p:cTn>
-                              </p:par>
-                              <p:par>
-                                <p:cTn id="43" presetID="2" presetClass="exit" presetSubtype="4" accel="50000" fill="hold" grpId="1" nodeType="withEffect">
-                                  <p:stCondLst>
-                                    <p:cond delay="250"/>
-                                  </p:stCondLst>
-                                  <p:childTnLst>
-                                    <p:anim calcmode="lin" valueType="num">
-                                      <p:cBhvr additive="base">
-                                        <p:cTn id="44" dur="500"/>
-                                        <p:tgtEl>
-                                          <p:spTgt spid="7"/>
-                                        </p:tgtEl>
-                                        <p:attrNameLst>
-                                          <p:attrName>ppt_x</p:attrName>
-                                        </p:attrNameLst>
-                                      </p:cBhvr>
-                                      <p:tavLst>
-                                        <p:tav tm="0">
-                                          <p:val>
-                                            <p:strVal val="ppt_x"/>
-                                          </p:val>
-                                        </p:tav>
-                                        <p:tav tm="100000">
-                                          <p:val>
-                                            <p:strVal val="ppt_x"/>
-                                          </p:val>
-                                        </p:tav>
-                                      </p:tavLst>
-                                    </p:anim>
-                                    <p:anim calcmode="lin" valueType="num">
-                                      <p:cBhvr additive="base">
-                                        <p:cTn id="45" dur="500"/>
-                                        <p:tgtEl>
-                                          <p:spTgt spid="7"/>
-                                        </p:tgtEl>
-                                        <p:attrNameLst>
-                                          <p:attrName>ppt_y</p:attrName>
-                                        </p:attrNameLst>
-                                      </p:cBhvr>
-                                      <p:tavLst>
-                                        <p:tav tm="0">
-                                          <p:val>
-                                            <p:strVal val="ppt_y"/>
-                                          </p:val>
-                                        </p:tav>
-                                        <p:tav tm="100000">
-                                          <p:val>
-                                            <p:strVal val="1+ppt_h/2"/>
-                                          </p:val>
-                                        </p:tav>
-                                      </p:tavLst>
-                                    </p:anim>
-                                    <p:set>
-                                      <p:cBhvr>
-                                        <p:cTn id="46" dur="1" fill="hold">
-                                          <p:stCondLst>
-                                            <p:cond delay="499"/>
-                                          </p:stCondLst>
-                                        </p:cTn>
-                                        <p:tgtEl>
-                                          <p:spTgt spid="7"/>
-                                        </p:tgtEl>
-                                        <p:attrNameLst>
-                                          <p:attrName>style.visibility</p:attrName>
-                                        </p:attrNameLst>
-                                      </p:cBhvr>
-                                      <p:to>
-                                        <p:strVal val="hidden"/>
-                                      </p:to>
-                                    </p:set>
-                                  </p:childTnLst>
-                                </p:cTn>
-                              </p:par>
-                              <p:par>
-                                <p:cTn id="47" presetID="2" presetClass="exit" presetSubtype="1" accel="50000" fill="hold" grpId="1" nodeType="withEffect">
-                                  <p:stCondLst>
-                                    <p:cond delay="250"/>
-                                  </p:stCondLst>
-                                  <p:childTnLst>
-                                    <p:anim calcmode="lin" valueType="num">
-                                      <p:cBhvr additive="base">
-                                        <p:cTn id="48" dur="500"/>
-                                        <p:tgtEl>
-                                          <p:spTgt spid="8"/>
-                                        </p:tgtEl>
-                                        <p:attrNameLst>
-                                          <p:attrName>ppt_x</p:attrName>
-                                        </p:attrNameLst>
-                                      </p:cBhvr>
-                                      <p:tavLst>
-                                        <p:tav tm="0">
-                                          <p:val>
-                                            <p:strVal val="ppt_x"/>
-                                          </p:val>
-                                        </p:tav>
-                                        <p:tav tm="100000">
-                                          <p:val>
-                                            <p:strVal val="ppt_x"/>
-                                          </p:val>
-                                        </p:tav>
-                                      </p:tavLst>
-                                    </p:anim>
-                                    <p:anim calcmode="lin" valueType="num">
-                                      <p:cBhvr additive="base">
-                                        <p:cTn id="49" dur="500"/>
-                                        <p:tgtEl>
-                                          <p:spTgt spid="8"/>
-                                        </p:tgtEl>
-                                        <p:attrNameLst>
-                                          <p:attrName>ppt_y</p:attrName>
-                                        </p:attrNameLst>
-                                      </p:cBhvr>
-                                      <p:tavLst>
-                                        <p:tav tm="0">
-                                          <p:val>
-                                            <p:strVal val="ppt_y"/>
-                                          </p:val>
-                                        </p:tav>
-                                        <p:tav tm="100000">
-                                          <p:val>
-                                            <p:strVal val="0-ppt_h/2"/>
-                                          </p:val>
-                                        </p:tav>
-                                      </p:tavLst>
-                                    </p:anim>
-                                    <p:set>
-                                      <p:cBhvr>
-                                        <p:cTn id="50" dur="1" fill="hold">
-                                          <p:stCondLst>
-                                            <p:cond delay="499"/>
-                                          </p:stCondLst>
-                                        </p:cTn>
-                                        <p:tgtEl>
-                                          <p:spTgt spid="8"/>
-                                        </p:tgtEl>
-                                        <p:attrNameLst>
-                                          <p:attrName>style.visibility</p:attrName>
-                                        </p:attrNameLst>
-                                      </p:cBhvr>
-                                      <p:to>
-                                        <p:strVal val="hidden"/>
-                                      </p:to>
-                                    </p:set>
-                                  </p:childTnLst>
-                                </p:cTn>
-                              </p:par>
-                              <p:par>
-                                <p:cTn id="51" presetID="2" presetClass="exit" presetSubtype="4" accel="50000" fill="hold" grpId="1" nodeType="withEffect">
-                                  <p:stCondLst>
-                                    <p:cond delay="250"/>
-                                  </p:stCondLst>
-                                  <p:childTnLst>
-                                    <p:anim calcmode="lin" valueType="num">
-                                      <p:cBhvr additive="base">
-                                        <p:cTn id="52" dur="500"/>
-                                        <p:tgtEl>
-                                          <p:spTgt spid="9"/>
-                                        </p:tgtEl>
-                                        <p:attrNameLst>
-                                          <p:attrName>ppt_x</p:attrName>
-                                        </p:attrNameLst>
-                                      </p:cBhvr>
-                                      <p:tavLst>
-                                        <p:tav tm="0">
-                                          <p:val>
-                                            <p:strVal val="ppt_x"/>
-                                          </p:val>
-                                        </p:tav>
-                                        <p:tav tm="100000">
-                                          <p:val>
-                                            <p:strVal val="ppt_x"/>
-                                          </p:val>
-                                        </p:tav>
-                                      </p:tavLst>
-                                    </p:anim>
-                                    <p:anim calcmode="lin" valueType="num">
-                                      <p:cBhvr additive="base">
-                                        <p:cTn id="53" dur="500"/>
-                                        <p:tgtEl>
-                                          <p:spTgt spid="9"/>
-                                        </p:tgtEl>
-                                        <p:attrNameLst>
-                                          <p:attrName>ppt_y</p:attrName>
-                                        </p:attrNameLst>
-                                      </p:cBhvr>
-                                      <p:tavLst>
-                                        <p:tav tm="0">
-                                          <p:val>
-                                            <p:strVal val="ppt_y"/>
-                                          </p:val>
-                                        </p:tav>
-                                        <p:tav tm="100000">
-                                          <p:val>
-                                            <p:strVal val="1+ppt_h/2"/>
-                                          </p:val>
-                                        </p:tav>
-                                      </p:tavLst>
-                                    </p:anim>
-                                    <p:set>
-                                      <p:cBhvr>
-                                        <p:cTn id="54" dur="1" fill="hold">
-                                          <p:stCondLst>
-                                            <p:cond delay="499"/>
-                                          </p:stCondLst>
-                                        </p:cTn>
-                                        <p:tgtEl>
-                                          <p:spTgt spid="9"/>
-                                        </p:tgtEl>
-                                        <p:attrNameLst>
-                                          <p:attrName>style.visibility</p:attrName>
-                                        </p:attrNameLst>
-                                      </p:cBhvr>
-                                      <p:to>
-                                        <p:strVal val="hidden"/>
-                                      </p:to>
-                                    </p:set>
-                                  </p:childTnLst>
-                                </p:cTn>
-                              </p:par>
-                              <p:par>
-                                <p:cTn id="55" presetID="2" presetClass="entr" presetSubtype="4" accel="50000" decel="50000" fill="hold" grpId="0" nodeType="withEffect">
-                                  <p:stCondLst>
-                                    <p:cond delay="0"/>
-                                  </p:stCondLst>
-                                  <p:childTnLst>
-                                    <p:set>
-                                      <p:cBhvr>
-                                        <p:cTn id="56" dur="1" fill="hold">
-                                          <p:stCondLst>
-                                            <p:cond delay="0"/>
-                                          </p:stCondLst>
-                                        </p:cTn>
-                                        <p:tgtEl>
-                                          <p:spTgt spid="10"/>
-                                        </p:tgtEl>
-                                        <p:attrNameLst>
-                                          <p:attrName>style.visibility</p:attrName>
-                                        </p:attrNameLst>
-                                      </p:cBhvr>
-                                      <p:to>
-                                        <p:strVal val="visible"/>
-                                      </p:to>
-                                    </p:set>
-                                    <p:anim calcmode="lin" valueType="num">
-                                      <p:cBhvr additive="base">
-                                        <p:cTn id="57" dur="500" fill="hold"/>
-                                        <p:tgtEl>
-                                          <p:spTgt spid="10"/>
-                                        </p:tgtEl>
-                                        <p:attrNameLst>
-                                          <p:attrName>ppt_x</p:attrName>
-                                        </p:attrNameLst>
-                                      </p:cBhvr>
-                                      <p:tavLst>
-                                        <p:tav tm="0">
-                                          <p:val>
-                                            <p:strVal val="#ppt_x"/>
-                                          </p:val>
-                                        </p:tav>
-                                        <p:tav tm="100000">
-                                          <p:val>
-                                            <p:strVal val="#ppt_x"/>
-                                          </p:val>
-                                        </p:tav>
-                                      </p:tavLst>
-                                    </p:anim>
-                                    <p:anim calcmode="lin" valueType="num">
-                                      <p:cBhvr additive="base">
-                                        <p:cTn id="58" dur="500" fill="hold"/>
-                                        <p:tgtEl>
-                                          <p:spTgt spid="10"/>
-                                        </p:tgtEl>
-                                        <p:attrNameLst>
-                                          <p:attrName>ppt_y</p:attrName>
-                                        </p:attrNameLst>
-                                      </p:cBhvr>
-                                      <p:tavLst>
-                                        <p:tav tm="0">
-                                          <p:val>
-                                            <p:strVal val="1+#ppt_h/2"/>
-                                          </p:val>
-                                        </p:tav>
-                                        <p:tav tm="100000">
-                                          <p:val>
-                                            <p:strVal val="#ppt_y"/>
-                                          </p:val>
-                                        </p:tav>
-                                      </p:tavLst>
-                                    </p:anim>
-                                  </p:childTnLst>
-                                </p:cTn>
-                              </p:par>
-                              <p:par>
-                                <p:cTn id="59" presetID="2" presetClass="entr" presetSubtype="1" accel="50000" decel="50000" fill="hold" grpId="0" nodeType="withEffect">
-                                  <p:stCondLst>
-                                    <p:cond delay="100"/>
-                                  </p:stCondLst>
-                                  <p:childTnLst>
-                                    <p:set>
-                                      <p:cBhvr>
-                                        <p:cTn id="60" dur="1" fill="hold">
-                                          <p:stCondLst>
-                                            <p:cond delay="0"/>
-                                          </p:stCondLst>
-                                        </p:cTn>
-                                        <p:tgtEl>
-                                          <p:spTgt spid="11"/>
-                                        </p:tgtEl>
-                                        <p:attrNameLst>
-                                          <p:attrName>style.visibility</p:attrName>
-                                        </p:attrNameLst>
-                                      </p:cBhvr>
-                                      <p:to>
-                                        <p:strVal val="visible"/>
-                                      </p:to>
-                                    </p:set>
-                                    <p:anim calcmode="lin" valueType="num">
-                                      <p:cBhvr additive="base">
-                                        <p:cTn id="61" dur="500" fill="hold"/>
-                                        <p:tgtEl>
-                                          <p:spTgt spid="11"/>
-                                        </p:tgtEl>
-                                        <p:attrNameLst>
-                                          <p:attrName>ppt_x</p:attrName>
-                                        </p:attrNameLst>
-                                      </p:cBhvr>
-                                      <p:tavLst>
-                                        <p:tav tm="0">
-                                          <p:val>
-                                            <p:strVal val="#ppt_x"/>
-                                          </p:val>
-                                        </p:tav>
-                                        <p:tav tm="100000">
-                                          <p:val>
-                                            <p:strVal val="#ppt_x"/>
-                                          </p:val>
-                                        </p:tav>
-                                      </p:tavLst>
-                                    </p:anim>
-                                    <p:anim calcmode="lin" valueType="num">
-                                      <p:cBhvr additive="base">
-                                        <p:cTn id="62" dur="500" fill="hold"/>
-                                        <p:tgtEl>
-                                          <p:spTgt spid="11"/>
-                                        </p:tgtEl>
-                                        <p:attrNameLst>
-                                          <p:attrName>ppt_y</p:attrName>
-                                        </p:attrNameLst>
-                                      </p:cBhvr>
-                                      <p:tavLst>
-                                        <p:tav tm="0">
-                                          <p:val>
-                                            <p:strVal val="0-#ppt_h/2"/>
-                                          </p:val>
-                                        </p:tav>
-                                        <p:tav tm="100000">
-                                          <p:val>
-                                            <p:strVal val="#ppt_y"/>
-                                          </p:val>
-                                        </p:tav>
-                                      </p:tavLst>
-                                    </p:anim>
-                                  </p:childTnLst>
-                                </p:cTn>
-                              </p:par>
-                              <p:par>
-                                <p:cTn id="63" presetID="2" presetClass="entr" presetSubtype="4" accel="50000" decel="50000" fill="hold" grpId="0" nodeType="withEffect">
-                                  <p:stCondLst>
-                                    <p:cond delay="200"/>
-                                  </p:stCondLst>
-                                  <p:childTnLst>
-                                    <p:set>
-                                      <p:cBhvr>
-                                        <p:cTn id="64" dur="1" fill="hold">
-                                          <p:stCondLst>
-                                            <p:cond delay="0"/>
-                                          </p:stCondLst>
-                                        </p:cTn>
-                                        <p:tgtEl>
-                                          <p:spTgt spid="12"/>
-                                        </p:tgtEl>
-                                        <p:attrNameLst>
-                                          <p:attrName>style.visibility</p:attrName>
-                                        </p:attrNameLst>
-                                      </p:cBhvr>
-                                      <p:to>
-                                        <p:strVal val="visible"/>
-                                      </p:to>
-                                    </p:set>
-                                    <p:anim calcmode="lin" valueType="num">
-                                      <p:cBhvr additive="base">
-                                        <p:cTn id="65" dur="500" fill="hold"/>
-                                        <p:tgtEl>
-                                          <p:spTgt spid="12"/>
-                                        </p:tgtEl>
-                                        <p:attrNameLst>
-                                          <p:attrName>ppt_x</p:attrName>
-                                        </p:attrNameLst>
-                                      </p:cBhvr>
-                                      <p:tavLst>
-                                        <p:tav tm="0">
-                                          <p:val>
-                                            <p:strVal val="#ppt_x"/>
-                                          </p:val>
-                                        </p:tav>
-                                        <p:tav tm="100000">
-                                          <p:val>
-                                            <p:strVal val="#ppt_x"/>
-                                          </p:val>
-                                        </p:tav>
-                                      </p:tavLst>
-                                    </p:anim>
-                                    <p:anim calcmode="lin" valueType="num">
-                                      <p:cBhvr additive="base">
-                                        <p:cTn id="66" dur="500" fill="hold"/>
-                                        <p:tgtEl>
-                                          <p:spTgt spid="12"/>
-                                        </p:tgtEl>
-                                        <p:attrNameLst>
-                                          <p:attrName>ppt_y</p:attrName>
-                                        </p:attrNameLst>
-                                      </p:cBhvr>
-                                      <p:tavLst>
-                                        <p:tav tm="0">
-                                          <p:val>
-                                            <p:strVal val="1+#ppt_h/2"/>
-                                          </p:val>
-                                        </p:tav>
-                                        <p:tav tm="100000">
-                                          <p:val>
-                                            <p:strVal val="#ppt_y"/>
-                                          </p:val>
-                                        </p:tav>
-                                      </p:tavLst>
-                                    </p:anim>
-                                  </p:childTnLst>
-                                </p:cTn>
-                              </p:par>
-                              <p:par>
-                                <p:cTn id="67" presetID="2" presetClass="entr" presetSubtype="1" accel="50000" decel="50000" fill="hold" grpId="0" nodeType="withEffect">
-                                  <p:stCondLst>
-                                    <p:cond delay="100"/>
-                                  </p:stCondLst>
-                                  <p:childTnLst>
-                                    <p:set>
-                                      <p:cBhvr>
-                                        <p:cTn id="68" dur="1" fill="hold">
-                                          <p:stCondLst>
-                                            <p:cond delay="0"/>
-                                          </p:stCondLst>
-                                        </p:cTn>
-                                        <p:tgtEl>
-                                          <p:spTgt spid="13"/>
-                                        </p:tgtEl>
-                                        <p:attrNameLst>
-                                          <p:attrName>style.visibility</p:attrName>
-                                        </p:attrNameLst>
-                                      </p:cBhvr>
-                                      <p:to>
-                                        <p:strVal val="visible"/>
-                                      </p:to>
-                                    </p:set>
-                                    <p:anim calcmode="lin" valueType="num">
-                                      <p:cBhvr additive="base">
-                                        <p:cTn id="69" dur="500" fill="hold"/>
-                                        <p:tgtEl>
-                                          <p:spTgt spid="13"/>
-                                        </p:tgtEl>
-                                        <p:attrNameLst>
-                                          <p:attrName>ppt_x</p:attrName>
-                                        </p:attrNameLst>
-                                      </p:cBhvr>
-                                      <p:tavLst>
-                                        <p:tav tm="0">
-                                          <p:val>
-                                            <p:strVal val="#ppt_x"/>
-                                          </p:val>
-                                        </p:tav>
-                                        <p:tav tm="100000">
-                                          <p:val>
-                                            <p:strVal val="#ppt_x"/>
-                                          </p:val>
-                                        </p:tav>
-                                      </p:tavLst>
-                                    </p:anim>
-                                    <p:anim calcmode="lin" valueType="num">
-                                      <p:cBhvr additive="base">
-                                        <p:cTn id="70" dur="500" fill="hold"/>
-                                        <p:tgtEl>
-                                          <p:spTgt spid="13"/>
-                                        </p:tgtEl>
-                                        <p:attrNameLst>
-                                          <p:attrName>ppt_y</p:attrName>
-                                        </p:attrNameLst>
-                                      </p:cBhvr>
-                                      <p:tavLst>
-                                        <p:tav tm="0">
-                                          <p:val>
-                                            <p:strVal val="0-#ppt_h/2"/>
-                                          </p:val>
-                                        </p:tav>
-                                        <p:tav tm="100000">
-                                          <p:val>
-                                            <p:strVal val="#ppt_y"/>
-                                          </p:val>
-                                        </p:tav>
-                                      </p:tavLst>
-                                    </p:anim>
-                                  </p:childTnLst>
-                                </p:cTn>
-                              </p:par>
-                              <p:par>
-                                <p:cTn id="71" presetID="2" presetClass="entr" presetSubtype="4" accel="50000" decel="50000" fill="hold" grpId="0" nodeType="withEffect">
-                                  <p:stCondLst>
-                                    <p:cond delay="200"/>
-                                  </p:stCondLst>
-                                  <p:childTnLst>
-                                    <p:set>
-                                      <p:cBhvr>
-                                        <p:cTn id="72" dur="1" fill="hold">
-                                          <p:stCondLst>
-                                            <p:cond delay="0"/>
-                                          </p:stCondLst>
-                                        </p:cTn>
-                                        <p:tgtEl>
-                                          <p:spTgt spid="14"/>
-                                        </p:tgtEl>
-                                        <p:attrNameLst>
-                                          <p:attrName>style.visibility</p:attrName>
-                                        </p:attrNameLst>
-                                      </p:cBhvr>
-                                      <p:to>
-                                        <p:strVal val="visible"/>
-                                      </p:to>
-                                    </p:set>
-                                    <p:anim calcmode="lin" valueType="num">
-                                      <p:cBhvr additive="base">
-                                        <p:cTn id="73" dur="500" fill="hold"/>
-                                        <p:tgtEl>
-                                          <p:spTgt spid="14"/>
-                                        </p:tgtEl>
-                                        <p:attrNameLst>
-                                          <p:attrName>ppt_x</p:attrName>
-                                        </p:attrNameLst>
-                                      </p:cBhvr>
-                                      <p:tavLst>
-                                        <p:tav tm="0">
-                                          <p:val>
-                                            <p:strVal val="#ppt_x"/>
-                                          </p:val>
-                                        </p:tav>
-                                        <p:tav tm="100000">
-                                          <p:val>
-                                            <p:strVal val="#ppt_x"/>
-                                          </p:val>
-                                        </p:tav>
-                                      </p:tavLst>
-                                    </p:anim>
-                                    <p:anim calcmode="lin" valueType="num">
-                                      <p:cBhvr additive="base">
-                                        <p:cTn id="74" dur="500" fill="hold"/>
-                                        <p:tgtEl>
-                                          <p:spTgt spid="14"/>
-                                        </p:tgtEl>
-                                        <p:attrNameLst>
-                                          <p:attrName>ppt_y</p:attrName>
-                                        </p:attrNameLst>
-                                      </p:cBhvr>
-                                      <p:tavLst>
-                                        <p:tav tm="0">
-                                          <p:val>
-                                            <p:strVal val="1+#ppt_h/2"/>
-                                          </p:val>
-                                        </p:tav>
-                                        <p:tav tm="100000">
-                                          <p:val>
-                                            <p:strVal val="#ppt_y"/>
-                                          </p:val>
-                                        </p:tav>
-                                      </p:tavLst>
-                                    </p:anim>
-                                  </p:childTnLst>
-                                </p:cTn>
-                              </p:par>
-                            </p:childTnLst>
-                          </p:cTn>
-                        </p:par>
-                        <p:par>
-                          <p:cTn id="75" fill="hold">
-                            <p:stCondLst>
-                              <p:cond delay="2750"/>
-                            </p:stCondLst>
-                            <p:childTnLst>
-                              <p:par>
-                                <p:cTn id="76" presetID="55" presetClass="exit" presetSubtype="0" fill="hold" grpId="1" nodeType="afterEffect">
-                                  <p:stCondLst>
-                                    <p:cond delay="200"/>
-                                  </p:stCondLst>
-                                  <p:childTnLst>
-                                    <p:anim calcmode="lin" valueType="num">
-                                      <p:cBhvr>
-                                        <p:cTn id="77" dur="500"/>
-                                        <p:tgtEl>
-                                          <p:spTgt spid="10"/>
-                                        </p:tgtEl>
-                                        <p:attrNameLst>
-                                          <p:attrName>ppt_w</p:attrName>
-                                        </p:attrNameLst>
-                                      </p:cBhvr>
-                                      <p:tavLst>
-                                        <p:tav tm="0">
-                                          <p:val>
-                                            <p:strVal val="ppt_w"/>
-                                          </p:val>
-                                        </p:tav>
-                                        <p:tav tm="100000">
-                                          <p:val>
-                                            <p:strVal val="ppt_w*0.70"/>
-                                          </p:val>
-                                        </p:tav>
-                                      </p:tavLst>
-                                    </p:anim>
-                                    <p:anim calcmode="lin" valueType="num">
-                                      <p:cBhvr>
-                                        <p:cTn id="78" dur="500"/>
-                                        <p:tgtEl>
-                                          <p:spTgt spid="10"/>
-                                        </p:tgtEl>
-                                        <p:attrNameLst>
-                                          <p:attrName>ppt_h</p:attrName>
-                                        </p:attrNameLst>
-                                      </p:cBhvr>
-                                      <p:tavLst>
-                                        <p:tav tm="0">
-                                          <p:val>
-                                            <p:strVal val="ppt_h"/>
-                                          </p:val>
-                                        </p:tav>
-                                        <p:tav tm="100000">
-                                          <p:val>
-                                            <p:strVal val="ppt_h"/>
-                                          </p:val>
-                                        </p:tav>
-                                      </p:tavLst>
-                                    </p:anim>
-                                    <p:animEffect transition="out" filter="fade">
-                                      <p:cBhvr>
-                                        <p:cTn id="79" dur="500"/>
-                                        <p:tgtEl>
-                                          <p:spTgt spid="10"/>
-                                        </p:tgtEl>
-                                      </p:cBhvr>
-                                    </p:animEffect>
-                                    <p:set>
-                                      <p:cBhvr>
-                                        <p:cTn id="80" dur="1" fill="hold">
-                                          <p:stCondLst>
-                                            <p:cond delay="499"/>
-                                          </p:stCondLst>
-                                        </p:cTn>
-                                        <p:tgtEl>
-                                          <p:spTgt spid="10"/>
-                                        </p:tgtEl>
-                                        <p:attrNameLst>
-                                          <p:attrName>style.visibility</p:attrName>
-                                        </p:attrNameLst>
-                                      </p:cBhvr>
-                                      <p:to>
-                                        <p:strVal val="hidden"/>
-                                      </p:to>
-                                    </p:set>
-                                  </p:childTnLst>
-                                </p:cTn>
-                              </p:par>
-                              <p:par>
-                                <p:cTn id="81" presetID="55" presetClass="exit" presetSubtype="0" fill="hold" grpId="1" nodeType="withEffect">
-                                  <p:stCondLst>
-                                    <p:cond delay="200"/>
-                                  </p:stCondLst>
-                                  <p:childTnLst>
-                                    <p:anim calcmode="lin" valueType="num">
-                                      <p:cBhvr>
-                                        <p:cTn id="82" dur="500"/>
-                                        <p:tgtEl>
-                                          <p:spTgt spid="11"/>
-                                        </p:tgtEl>
-                                        <p:attrNameLst>
-                                          <p:attrName>ppt_w</p:attrName>
-                                        </p:attrNameLst>
-                                      </p:cBhvr>
-                                      <p:tavLst>
-                                        <p:tav tm="0">
-                                          <p:val>
-                                            <p:strVal val="ppt_w"/>
-                                          </p:val>
-                                        </p:tav>
-                                        <p:tav tm="100000">
-                                          <p:val>
-                                            <p:strVal val="ppt_w*0.70"/>
-                                          </p:val>
-                                        </p:tav>
-                                      </p:tavLst>
-                                    </p:anim>
-                                    <p:anim calcmode="lin" valueType="num">
-                                      <p:cBhvr>
-                                        <p:cTn id="83" dur="500"/>
-                                        <p:tgtEl>
-                                          <p:spTgt spid="11"/>
-                                        </p:tgtEl>
-                                        <p:attrNameLst>
-                                          <p:attrName>ppt_h</p:attrName>
-                                        </p:attrNameLst>
-                                      </p:cBhvr>
-                                      <p:tavLst>
-                                        <p:tav tm="0">
-                                          <p:val>
-                                            <p:strVal val="ppt_h"/>
-                                          </p:val>
-                                        </p:tav>
-                                        <p:tav tm="100000">
-                                          <p:val>
-                                            <p:strVal val="ppt_h"/>
-                                          </p:val>
-                                        </p:tav>
-                                      </p:tavLst>
-                                    </p:anim>
-                                    <p:animEffect transition="out" filter="fade">
-                                      <p:cBhvr>
-                                        <p:cTn id="84" dur="500"/>
-                                        <p:tgtEl>
-                                          <p:spTgt spid="11"/>
-                                        </p:tgtEl>
-                                      </p:cBhvr>
-                                    </p:animEffect>
-                                    <p:set>
-                                      <p:cBhvr>
-                                        <p:cTn id="85" dur="1" fill="hold">
-                                          <p:stCondLst>
-                                            <p:cond delay="499"/>
-                                          </p:stCondLst>
-                                        </p:cTn>
-                                        <p:tgtEl>
-                                          <p:spTgt spid="11"/>
-                                        </p:tgtEl>
-                                        <p:attrNameLst>
-                                          <p:attrName>style.visibility</p:attrName>
-                                        </p:attrNameLst>
-                                      </p:cBhvr>
-                                      <p:to>
-                                        <p:strVal val="hidden"/>
-                                      </p:to>
-                                    </p:set>
-                                  </p:childTnLst>
-                                </p:cTn>
-                              </p:par>
-                              <p:par>
-                                <p:cTn id="86" presetID="55" presetClass="exit" presetSubtype="0" fill="hold" grpId="1" nodeType="withEffect">
-                                  <p:stCondLst>
-                                    <p:cond delay="300"/>
-                                  </p:stCondLst>
-                                  <p:childTnLst>
-                                    <p:anim calcmode="lin" valueType="num">
-                                      <p:cBhvr>
-                                        <p:cTn id="87" dur="500"/>
-                                        <p:tgtEl>
-                                          <p:spTgt spid="12"/>
-                                        </p:tgtEl>
-                                        <p:attrNameLst>
-                                          <p:attrName>ppt_w</p:attrName>
-                                        </p:attrNameLst>
-                                      </p:cBhvr>
-                                      <p:tavLst>
-                                        <p:tav tm="0">
-                                          <p:val>
-                                            <p:strVal val="ppt_w"/>
-                                          </p:val>
-                                        </p:tav>
-                                        <p:tav tm="100000">
-                                          <p:val>
-                                            <p:strVal val="ppt_w*0.70"/>
-                                          </p:val>
-                                        </p:tav>
-                                      </p:tavLst>
-                                    </p:anim>
-                                    <p:anim calcmode="lin" valueType="num">
-                                      <p:cBhvr>
-                                        <p:cTn id="88" dur="500"/>
-                                        <p:tgtEl>
-                                          <p:spTgt spid="12"/>
-                                        </p:tgtEl>
-                                        <p:attrNameLst>
-                                          <p:attrName>ppt_h</p:attrName>
-                                        </p:attrNameLst>
-                                      </p:cBhvr>
-                                      <p:tavLst>
-                                        <p:tav tm="0">
-                                          <p:val>
-                                            <p:strVal val="ppt_h"/>
-                                          </p:val>
-                                        </p:tav>
-                                        <p:tav tm="100000">
-                                          <p:val>
-                                            <p:strVal val="ppt_h"/>
-                                          </p:val>
-                                        </p:tav>
-                                      </p:tavLst>
-                                    </p:anim>
-                                    <p:animEffect transition="out" filter="fade">
-                                      <p:cBhvr>
-                                        <p:cTn id="89" dur="500"/>
-                                        <p:tgtEl>
-                                          <p:spTgt spid="12"/>
-                                        </p:tgtEl>
-                                      </p:cBhvr>
-                                    </p:animEffect>
-                                    <p:set>
-                                      <p:cBhvr>
-                                        <p:cTn id="90" dur="1" fill="hold">
-                                          <p:stCondLst>
-                                            <p:cond delay="499"/>
-                                          </p:stCondLst>
-                                        </p:cTn>
-                                        <p:tgtEl>
-                                          <p:spTgt spid="12"/>
-                                        </p:tgtEl>
-                                        <p:attrNameLst>
-                                          <p:attrName>style.visibility</p:attrName>
-                                        </p:attrNameLst>
-                                      </p:cBhvr>
-                                      <p:to>
-                                        <p:strVal val="hidden"/>
-                                      </p:to>
-                                    </p:set>
-                                  </p:childTnLst>
-                                </p:cTn>
-                              </p:par>
-                              <p:par>
-                                <p:cTn id="91" presetID="55" presetClass="exit" presetSubtype="0" fill="hold" grpId="1" nodeType="withEffect">
-                                  <p:stCondLst>
-                                    <p:cond delay="400"/>
-                                  </p:stCondLst>
-                                  <p:childTnLst>
-                                    <p:anim calcmode="lin" valueType="num">
-                                      <p:cBhvr>
-                                        <p:cTn id="92" dur="500"/>
-                                        <p:tgtEl>
-                                          <p:spTgt spid="13"/>
-                                        </p:tgtEl>
-                                        <p:attrNameLst>
-                                          <p:attrName>ppt_w</p:attrName>
-                                        </p:attrNameLst>
-                                      </p:cBhvr>
-                                      <p:tavLst>
-                                        <p:tav tm="0">
-                                          <p:val>
-                                            <p:strVal val="ppt_w"/>
-                                          </p:val>
-                                        </p:tav>
-                                        <p:tav tm="100000">
-                                          <p:val>
-                                            <p:strVal val="ppt_w*0.70"/>
-                                          </p:val>
-                                        </p:tav>
-                                      </p:tavLst>
-                                    </p:anim>
-                                    <p:anim calcmode="lin" valueType="num">
-                                      <p:cBhvr>
-                                        <p:cTn id="93" dur="500"/>
-                                        <p:tgtEl>
-                                          <p:spTgt spid="13"/>
-                                        </p:tgtEl>
-                                        <p:attrNameLst>
-                                          <p:attrName>ppt_h</p:attrName>
-                                        </p:attrNameLst>
-                                      </p:cBhvr>
-                                      <p:tavLst>
-                                        <p:tav tm="0">
-                                          <p:val>
-                                            <p:strVal val="ppt_h"/>
-                                          </p:val>
-                                        </p:tav>
-                                        <p:tav tm="100000">
-                                          <p:val>
-                                            <p:strVal val="ppt_h"/>
-                                          </p:val>
-                                        </p:tav>
-                                      </p:tavLst>
-                                    </p:anim>
-                                    <p:animEffect transition="out" filter="fade">
-                                      <p:cBhvr>
-                                        <p:cTn id="94" dur="500"/>
-                                        <p:tgtEl>
-                                          <p:spTgt spid="13"/>
-                                        </p:tgtEl>
-                                      </p:cBhvr>
-                                    </p:animEffect>
-                                    <p:set>
-                                      <p:cBhvr>
-                                        <p:cTn id="95" dur="1" fill="hold">
-                                          <p:stCondLst>
-                                            <p:cond delay="499"/>
-                                          </p:stCondLst>
-                                        </p:cTn>
-                                        <p:tgtEl>
-                                          <p:spTgt spid="13"/>
-                                        </p:tgtEl>
-                                        <p:attrNameLst>
-                                          <p:attrName>style.visibility</p:attrName>
-                                        </p:attrNameLst>
-                                      </p:cBhvr>
-                                      <p:to>
-                                        <p:strVal val="hidden"/>
-                                      </p:to>
-                                    </p:set>
-                                  </p:childTnLst>
-                                </p:cTn>
-                              </p:par>
-                              <p:par>
-                                <p:cTn id="96" presetID="55" presetClass="exit" presetSubtype="0" fill="hold" grpId="1" nodeType="withEffect">
-                                  <p:stCondLst>
-                                    <p:cond delay="200"/>
-                                  </p:stCondLst>
-                                  <p:childTnLst>
-                                    <p:anim calcmode="lin" valueType="num">
-                                      <p:cBhvr>
-                                        <p:cTn id="97" dur="500"/>
-                                        <p:tgtEl>
-                                          <p:spTgt spid="14"/>
-                                        </p:tgtEl>
-                                        <p:attrNameLst>
-                                          <p:attrName>ppt_w</p:attrName>
-                                        </p:attrNameLst>
-                                      </p:cBhvr>
-                                      <p:tavLst>
-                                        <p:tav tm="0">
-                                          <p:val>
-                                            <p:strVal val="ppt_w"/>
-                                          </p:val>
-                                        </p:tav>
-                                        <p:tav tm="100000">
-                                          <p:val>
-                                            <p:strVal val="ppt_w*0.70"/>
-                                          </p:val>
-                                        </p:tav>
-                                      </p:tavLst>
-                                    </p:anim>
-                                    <p:anim calcmode="lin" valueType="num">
-                                      <p:cBhvr>
-                                        <p:cTn id="98" dur="500"/>
-                                        <p:tgtEl>
-                                          <p:spTgt spid="14"/>
-                                        </p:tgtEl>
-                                        <p:attrNameLst>
-                                          <p:attrName>ppt_h</p:attrName>
-                                        </p:attrNameLst>
-                                      </p:cBhvr>
-                                      <p:tavLst>
-                                        <p:tav tm="0">
-                                          <p:val>
-                                            <p:strVal val="ppt_h"/>
-                                          </p:val>
-                                        </p:tav>
-                                        <p:tav tm="100000">
-                                          <p:val>
-                                            <p:strVal val="ppt_h"/>
-                                          </p:val>
-                                        </p:tav>
-                                      </p:tavLst>
-                                    </p:anim>
-                                    <p:animEffect transition="out" filter="fade">
-                                      <p:cBhvr>
-                                        <p:cTn id="99" dur="500"/>
-                                        <p:tgtEl>
-                                          <p:spTgt spid="14"/>
-                                        </p:tgtEl>
-                                      </p:cBhvr>
-                                    </p:animEffect>
-                                    <p:set>
-                                      <p:cBhvr>
-                                        <p:cTn id="100" dur="1" fill="hold">
-                                          <p:stCondLst>
-                                            <p:cond delay="499"/>
-                                          </p:stCondLst>
-                                        </p:cTn>
-                                        <p:tgtEl>
-                                          <p:spTgt spid="14"/>
-                                        </p:tgtEl>
-                                        <p:attrNameLst>
-                                          <p:attrName>style.visibility</p:attrName>
-                                        </p:attrNameLst>
-                                      </p:cBhvr>
-                                      <p:to>
-                                        <p:strVal val="hidden"/>
-                                      </p:to>
-                                    </p:set>
-                                  </p:childTnLst>
-                                </p:cTn>
-                              </p:par>
-                            </p:childTnLst>
-                          </p:cTn>
-                        </p:par>
-                        <p:par>
-                          <p:cTn id="101" fill="hold">
-                            <p:stCondLst>
-                              <p:cond delay="3650"/>
-                            </p:stCondLst>
-                            <p:childTnLst>
-                              <p:par>
-                                <p:cTn id="102" presetID="2" presetClass="entr" presetSubtype="4" accel="50000" decel="50000" fill="hold" grpId="0" nodeType="afterEffect">
-                                  <p:stCondLst>
-                                    <p:cond delay="0"/>
-                                  </p:stCondLst>
-                                  <p:childTnLst>
-                                    <p:set>
-                                      <p:cBhvr>
-                                        <p:cTn id="103" dur="1" fill="hold">
-                                          <p:stCondLst>
-                                            <p:cond delay="0"/>
-                                          </p:stCondLst>
-                                        </p:cTn>
-                                        <p:tgtEl>
-                                          <p:spTgt spid="15"/>
-                                        </p:tgtEl>
-                                        <p:attrNameLst>
-                                          <p:attrName>style.visibility</p:attrName>
-                                        </p:attrNameLst>
-                                      </p:cBhvr>
-                                      <p:to>
-                                        <p:strVal val="visible"/>
-                                      </p:to>
-                                    </p:set>
-                                    <p:anim calcmode="lin" valueType="num">
-                                      <p:cBhvr additive="base">
-                                        <p:cTn id="104" dur="400" fill="hold"/>
-                                        <p:tgtEl>
-                                          <p:spTgt spid="15"/>
-                                        </p:tgtEl>
-                                        <p:attrNameLst>
-                                          <p:attrName>ppt_x</p:attrName>
-                                        </p:attrNameLst>
-                                      </p:cBhvr>
-                                      <p:tavLst>
-                                        <p:tav tm="0">
-                                          <p:val>
-                                            <p:strVal val="#ppt_x"/>
-                                          </p:val>
-                                        </p:tav>
-                                        <p:tav tm="100000">
-                                          <p:val>
-                                            <p:strVal val="#ppt_x"/>
-                                          </p:val>
-                                        </p:tav>
-                                      </p:tavLst>
-                                    </p:anim>
-                                    <p:anim calcmode="lin" valueType="num">
-                                      <p:cBhvr additive="base">
-                                        <p:cTn id="105" dur="400" fill="hold"/>
-                                        <p:tgtEl>
-                                          <p:spTgt spid="15"/>
-                                        </p:tgtEl>
-                                        <p:attrNameLst>
-                                          <p:attrName>ppt_y</p:attrName>
-                                        </p:attrNameLst>
-                                      </p:cBhvr>
-                                      <p:tavLst>
-                                        <p:tav tm="0">
-                                          <p:val>
-                                            <p:strVal val="1+#ppt_h/2"/>
-                                          </p:val>
-                                        </p:tav>
-                                        <p:tav tm="100000">
-                                          <p:val>
-                                            <p:strVal val="#ppt_y"/>
-                                          </p:val>
-                                        </p:tav>
-                                      </p:tavLst>
-                                    </p:anim>
-                                  </p:childTnLst>
-                                </p:cTn>
-                              </p:par>
-                              <p:par>
-                                <p:cTn id="106" presetID="2" presetClass="entr" presetSubtype="1" accel="50000" decel="50000" fill="hold" grpId="0" nodeType="withEffect">
-                                  <p:stCondLst>
-                                    <p:cond delay="0"/>
-                                  </p:stCondLst>
-                                  <p:childTnLst>
-                                    <p:set>
-                                      <p:cBhvr>
-                                        <p:cTn id="107" dur="1" fill="hold">
-                                          <p:stCondLst>
-                                            <p:cond delay="0"/>
-                                          </p:stCondLst>
-                                        </p:cTn>
-                                        <p:tgtEl>
-                                          <p:spTgt spid="17"/>
-                                        </p:tgtEl>
-                                        <p:attrNameLst>
-                                          <p:attrName>style.visibility</p:attrName>
-                                        </p:attrNameLst>
-                                      </p:cBhvr>
-                                      <p:to>
-                                        <p:strVal val="visible"/>
-                                      </p:to>
-                                    </p:set>
-                                    <p:anim calcmode="lin" valueType="num">
-                                      <p:cBhvr additive="base">
-                                        <p:cTn id="108" dur="400" fill="hold"/>
-                                        <p:tgtEl>
-                                          <p:spTgt spid="17"/>
-                                        </p:tgtEl>
-                                        <p:attrNameLst>
-                                          <p:attrName>ppt_x</p:attrName>
-                                        </p:attrNameLst>
-                                      </p:cBhvr>
-                                      <p:tavLst>
-                                        <p:tav tm="0">
-                                          <p:val>
-                                            <p:strVal val="#ppt_x"/>
-                                          </p:val>
-                                        </p:tav>
-                                        <p:tav tm="100000">
-                                          <p:val>
-                                            <p:strVal val="#ppt_x"/>
-                                          </p:val>
-                                        </p:tav>
-                                      </p:tavLst>
-                                    </p:anim>
-                                    <p:anim calcmode="lin" valueType="num">
-                                      <p:cBhvr additive="base">
-                                        <p:cTn id="109" dur="400" fill="hold"/>
-                                        <p:tgtEl>
-                                          <p:spTgt spid="17"/>
-                                        </p:tgtEl>
-                                        <p:attrNameLst>
-                                          <p:attrName>ppt_y</p:attrName>
-                                        </p:attrNameLst>
-                                      </p:cBhvr>
-                                      <p:tavLst>
-                                        <p:tav tm="0">
-                                          <p:val>
-                                            <p:strVal val="0-#ppt_h/2"/>
-                                          </p:val>
-                                        </p:tav>
-                                        <p:tav tm="100000">
-                                          <p:val>
-                                            <p:strVal val="#ppt_y"/>
-                                          </p:val>
-                                        </p:tav>
-                                      </p:tavLst>
-                                    </p:anim>
-                                  </p:childTnLst>
-                                </p:cTn>
-                              </p:par>
-                              <p:par>
-                                <p:cTn id="110" presetID="2" presetClass="entr" presetSubtype="1" accel="50000" decel="50000" fill="hold" grpId="0" nodeType="withEffect">
-                                  <p:stCondLst>
-                                    <p:cond delay="0"/>
-                                  </p:stCondLst>
-                                  <p:childTnLst>
-                                    <p:set>
-                                      <p:cBhvr>
-                                        <p:cTn id="111" dur="1" fill="hold">
-                                          <p:stCondLst>
-                                            <p:cond delay="0"/>
-                                          </p:stCondLst>
-                                        </p:cTn>
-                                        <p:tgtEl>
-                                          <p:spTgt spid="18"/>
-                                        </p:tgtEl>
-                                        <p:attrNameLst>
-                                          <p:attrName>style.visibility</p:attrName>
-                                        </p:attrNameLst>
-                                      </p:cBhvr>
-                                      <p:to>
-                                        <p:strVal val="visible"/>
-                                      </p:to>
-                                    </p:set>
-                                    <p:anim calcmode="lin" valueType="num">
-                                      <p:cBhvr additive="base">
-                                        <p:cTn id="112" dur="400" fill="hold"/>
-                                        <p:tgtEl>
-                                          <p:spTgt spid="18"/>
-                                        </p:tgtEl>
-                                        <p:attrNameLst>
-                                          <p:attrName>ppt_x</p:attrName>
-                                        </p:attrNameLst>
-                                      </p:cBhvr>
-                                      <p:tavLst>
-                                        <p:tav tm="0">
-                                          <p:val>
-                                            <p:strVal val="#ppt_x"/>
-                                          </p:val>
-                                        </p:tav>
-                                        <p:tav tm="100000">
-                                          <p:val>
-                                            <p:strVal val="#ppt_x"/>
-                                          </p:val>
-                                        </p:tav>
-                                      </p:tavLst>
-                                    </p:anim>
-                                    <p:anim calcmode="lin" valueType="num">
-                                      <p:cBhvr additive="base">
-                                        <p:cTn id="113" dur="400" fill="hold"/>
-                                        <p:tgtEl>
-                                          <p:spTgt spid="18"/>
-                                        </p:tgtEl>
-                                        <p:attrNameLst>
-                                          <p:attrName>ppt_y</p:attrName>
-                                        </p:attrNameLst>
-                                      </p:cBhvr>
-                                      <p:tavLst>
-                                        <p:tav tm="0">
-                                          <p:val>
-                                            <p:strVal val="0-#ppt_h/2"/>
-                                          </p:val>
-                                        </p:tav>
-                                        <p:tav tm="100000">
-                                          <p:val>
-                                            <p:strVal val="#ppt_y"/>
-                                          </p:val>
-                                        </p:tav>
-                                      </p:tavLst>
-                                    </p:anim>
-                                  </p:childTnLst>
-                                </p:cTn>
-                              </p:par>
-                              <p:par>
-                                <p:cTn id="114" presetID="2" presetClass="entr" presetSubtype="1" accel="50000" decel="50000" fill="hold" grpId="0" nodeType="withEffect">
-                                  <p:stCondLst>
-                                    <p:cond delay="200"/>
-                                  </p:stCondLst>
-                                  <p:childTnLst>
-                                    <p:set>
-                                      <p:cBhvr>
-                                        <p:cTn id="115" dur="1" fill="hold">
-                                          <p:stCondLst>
-                                            <p:cond delay="0"/>
-                                          </p:stCondLst>
-                                        </p:cTn>
-                                        <p:tgtEl>
-                                          <p:spTgt spid="19"/>
-                                        </p:tgtEl>
-                                        <p:attrNameLst>
-                                          <p:attrName>style.visibility</p:attrName>
-                                        </p:attrNameLst>
-                                      </p:cBhvr>
-                                      <p:to>
-                                        <p:strVal val="visible"/>
-                                      </p:to>
-                                    </p:set>
-                                    <p:anim calcmode="lin" valueType="num">
-                                      <p:cBhvr additive="base">
-                                        <p:cTn id="116" dur="400" fill="hold"/>
-                                        <p:tgtEl>
-                                          <p:spTgt spid="19"/>
-                                        </p:tgtEl>
-                                        <p:attrNameLst>
-                                          <p:attrName>ppt_x</p:attrName>
-                                        </p:attrNameLst>
-                                      </p:cBhvr>
-                                      <p:tavLst>
-                                        <p:tav tm="0">
-                                          <p:val>
-                                            <p:strVal val="#ppt_x"/>
-                                          </p:val>
-                                        </p:tav>
-                                        <p:tav tm="100000">
-                                          <p:val>
-                                            <p:strVal val="#ppt_x"/>
-                                          </p:val>
-                                        </p:tav>
-                                      </p:tavLst>
-                                    </p:anim>
-                                    <p:anim calcmode="lin" valueType="num">
-                                      <p:cBhvr additive="base">
-                                        <p:cTn id="117" dur="400" fill="hold"/>
-                                        <p:tgtEl>
-                                          <p:spTgt spid="19"/>
-                                        </p:tgtEl>
-                                        <p:attrNameLst>
-                                          <p:attrName>ppt_y</p:attrName>
-                                        </p:attrNameLst>
-                                      </p:cBhvr>
-                                      <p:tavLst>
-                                        <p:tav tm="0">
-                                          <p:val>
-                                            <p:strVal val="0-#ppt_h/2"/>
-                                          </p:val>
-                                        </p:tav>
-                                        <p:tav tm="100000">
-                                          <p:val>
-                                            <p:strVal val="#ppt_y"/>
-                                          </p:val>
-                                        </p:tav>
-                                      </p:tavLst>
-                                    </p:anim>
-                                  </p:childTnLst>
-                                </p:cTn>
-                              </p:par>
-                              <p:par>
-                                <p:cTn id="118" presetID="2" presetClass="entr" presetSubtype="1" accel="50000" decel="50000" fill="hold" grpId="0" nodeType="withEffect">
-                                  <p:stCondLst>
-                                    <p:cond delay="200"/>
-                                  </p:stCondLst>
-                                  <p:childTnLst>
-                                    <p:set>
-                                      <p:cBhvr>
-                                        <p:cTn id="119" dur="1" fill="hold">
-                                          <p:stCondLst>
-                                            <p:cond delay="0"/>
-                                          </p:stCondLst>
-                                        </p:cTn>
-                                        <p:tgtEl>
-                                          <p:spTgt spid="20"/>
-                                        </p:tgtEl>
-                                        <p:attrNameLst>
-                                          <p:attrName>style.visibility</p:attrName>
-                                        </p:attrNameLst>
-                                      </p:cBhvr>
-                                      <p:to>
-                                        <p:strVal val="visible"/>
-                                      </p:to>
-                                    </p:set>
-                                    <p:anim calcmode="lin" valueType="num">
-                                      <p:cBhvr additive="base">
-                                        <p:cTn id="120" dur="400" fill="hold"/>
-                                        <p:tgtEl>
-                                          <p:spTgt spid="20"/>
-                                        </p:tgtEl>
-                                        <p:attrNameLst>
-                                          <p:attrName>ppt_x</p:attrName>
-                                        </p:attrNameLst>
-                                      </p:cBhvr>
-                                      <p:tavLst>
-                                        <p:tav tm="0">
-                                          <p:val>
-                                            <p:strVal val="#ppt_x"/>
-                                          </p:val>
-                                        </p:tav>
-                                        <p:tav tm="100000">
-                                          <p:val>
-                                            <p:strVal val="#ppt_x"/>
-                                          </p:val>
-                                        </p:tav>
-                                      </p:tavLst>
-                                    </p:anim>
-                                    <p:anim calcmode="lin" valueType="num">
-                                      <p:cBhvr additive="base">
-                                        <p:cTn id="121" dur="400" fill="hold"/>
-                                        <p:tgtEl>
-                                          <p:spTgt spid="20"/>
-                                        </p:tgtEl>
-                                        <p:attrNameLst>
-                                          <p:attrName>ppt_y</p:attrName>
-                                        </p:attrNameLst>
-                                      </p:cBhvr>
-                                      <p:tavLst>
-                                        <p:tav tm="0">
-                                          <p:val>
-                                            <p:strVal val="0-#ppt_h/2"/>
-                                          </p:val>
-                                        </p:tav>
-                                        <p:tav tm="100000">
-                                          <p:val>
-                                            <p:strVal val="#ppt_y"/>
-                                          </p:val>
-                                        </p:tav>
-                                      </p:tavLst>
-                                    </p:anim>
-                                  </p:childTnLst>
-                                </p:cTn>
-                              </p:par>
-                              <p:par>
-                                <p:cTn id="122" presetID="2" presetClass="entr" presetSubtype="4" accel="50000" decel="50000" fill="hold" grpId="0" nodeType="withEffect">
-                                  <p:stCondLst>
-                                    <p:cond delay="200"/>
-                                  </p:stCondLst>
-                                  <p:childTnLst>
-                                    <p:set>
-                                      <p:cBhvr>
-                                        <p:cTn id="123" dur="1" fill="hold">
-                                          <p:stCondLst>
-                                            <p:cond delay="0"/>
-                                          </p:stCondLst>
-                                        </p:cTn>
-                                        <p:tgtEl>
-                                          <p:spTgt spid="16"/>
-                                        </p:tgtEl>
-                                        <p:attrNameLst>
-                                          <p:attrName>style.visibility</p:attrName>
-                                        </p:attrNameLst>
-                                      </p:cBhvr>
-                                      <p:to>
-                                        <p:strVal val="visible"/>
-                                      </p:to>
-                                    </p:set>
-                                    <p:anim calcmode="lin" valueType="num">
-                                      <p:cBhvr additive="base">
-                                        <p:cTn id="124" dur="400" fill="hold"/>
-                                        <p:tgtEl>
-                                          <p:spTgt spid="16"/>
-                                        </p:tgtEl>
-                                        <p:attrNameLst>
-                                          <p:attrName>ppt_x</p:attrName>
-                                        </p:attrNameLst>
-                                      </p:cBhvr>
-                                      <p:tavLst>
-                                        <p:tav tm="0">
-                                          <p:val>
-                                            <p:strVal val="#ppt_x"/>
-                                          </p:val>
-                                        </p:tav>
-                                        <p:tav tm="100000">
-                                          <p:val>
-                                            <p:strVal val="#ppt_x"/>
-                                          </p:val>
-                                        </p:tav>
-                                      </p:tavLst>
-                                    </p:anim>
-                                    <p:anim calcmode="lin" valueType="num">
-                                      <p:cBhvr additive="base">
-                                        <p:cTn id="125" dur="400" fill="hold"/>
-                                        <p:tgtEl>
-                                          <p:spTgt spid="16"/>
-                                        </p:tgtEl>
-                                        <p:attrNameLst>
-                                          <p:attrName>ppt_y</p:attrName>
-                                        </p:attrNameLst>
-                                      </p:cBhvr>
-                                      <p:tavLst>
-                                        <p:tav tm="0">
-                                          <p:val>
-                                            <p:strVal val="1+#ppt_h/2"/>
-                                          </p:val>
-                                        </p:tav>
-                                        <p:tav tm="100000">
-                                          <p:val>
-                                            <p:strVal val="#ppt_y"/>
-                                          </p:val>
-                                        </p:tav>
-                                      </p:tavLst>
-                                    </p:anim>
-                                  </p:childTnLst>
-                                </p:cTn>
-                              </p:par>
-                              <p:par>
-                                <p:cTn id="126" presetID="2" presetClass="entr" presetSubtype="1" accel="50000" decel="50000" fill="hold" grpId="0" nodeType="withEffect">
-                                  <p:stCondLst>
-                                    <p:cond delay="400"/>
-                                  </p:stCondLst>
-                                  <p:childTnLst>
-                                    <p:set>
-                                      <p:cBhvr>
-                                        <p:cTn id="127" dur="1" fill="hold">
-                                          <p:stCondLst>
-                                            <p:cond delay="0"/>
-                                          </p:stCondLst>
-                                        </p:cTn>
-                                        <p:tgtEl>
-                                          <p:spTgt spid="21"/>
-                                        </p:tgtEl>
-                                        <p:attrNameLst>
-                                          <p:attrName>style.visibility</p:attrName>
-                                        </p:attrNameLst>
-                                      </p:cBhvr>
-                                      <p:to>
-                                        <p:strVal val="visible"/>
-                                      </p:to>
-                                    </p:set>
-                                    <p:anim calcmode="lin" valueType="num">
-                                      <p:cBhvr additive="base">
-                                        <p:cTn id="128" dur="400" fill="hold"/>
-                                        <p:tgtEl>
-                                          <p:spTgt spid="21"/>
-                                        </p:tgtEl>
-                                        <p:attrNameLst>
-                                          <p:attrName>ppt_x</p:attrName>
-                                        </p:attrNameLst>
-                                      </p:cBhvr>
-                                      <p:tavLst>
-                                        <p:tav tm="0">
-                                          <p:val>
-                                            <p:strVal val="#ppt_x"/>
-                                          </p:val>
-                                        </p:tav>
-                                        <p:tav tm="100000">
-                                          <p:val>
-                                            <p:strVal val="#ppt_x"/>
-                                          </p:val>
-                                        </p:tav>
-                                      </p:tavLst>
-                                    </p:anim>
-                                    <p:anim calcmode="lin" valueType="num">
-                                      <p:cBhvr additive="base">
-                                        <p:cTn id="129" dur="400" fill="hold"/>
-                                        <p:tgtEl>
-                                          <p:spTgt spid="21"/>
-                                        </p:tgtEl>
-                                        <p:attrNameLst>
-                                          <p:attrName>ppt_y</p:attrName>
-                                        </p:attrNameLst>
-                                      </p:cBhvr>
-                                      <p:tavLst>
-                                        <p:tav tm="0">
-                                          <p:val>
-                                            <p:strVal val="0-#ppt_h/2"/>
-                                          </p:val>
-                                        </p:tav>
-                                        <p:tav tm="100000">
-                                          <p:val>
-                                            <p:strVal val="#ppt_y"/>
-                                          </p:val>
-                                        </p:tav>
-                                      </p:tavLst>
-                                    </p:anim>
-                                  </p:childTnLst>
-                                </p:cTn>
-                              </p:par>
-                            </p:childTnLst>
-                          </p:cTn>
-                        </p:par>
-                        <p:par>
-                          <p:cTn id="130" fill="hold">
-                            <p:stCondLst>
-                              <p:cond delay="4450"/>
-                            </p:stCondLst>
-                            <p:childTnLst>
-                              <p:par>
-                                <p:cTn id="131" presetID="10" presetClass="entr" presetSubtype="0" fill="hold" grpId="0" nodeType="afterEffect">
-                                  <p:stCondLst>
-                                    <p:cond delay="0"/>
-                                  </p:stCondLst>
-                                  <p:childTnLst>
-                                    <p:set>
-                                      <p:cBhvr>
-                                        <p:cTn id="132" dur="1" fill="hold">
-                                          <p:stCondLst>
-                                            <p:cond delay="0"/>
-                                          </p:stCondLst>
-                                        </p:cTn>
-                                        <p:tgtEl>
-                                          <p:spTgt spid="24"/>
-                                        </p:tgtEl>
-                                        <p:attrNameLst>
-                                          <p:attrName>style.visibility</p:attrName>
-                                        </p:attrNameLst>
-                                      </p:cBhvr>
-                                      <p:to>
-                                        <p:strVal val="visible"/>
-                                      </p:to>
-                                    </p:set>
-                                    <p:animEffect transition="in" filter="fade">
-                                      <p:cBhvr>
-                                        <p:cTn id="133" dur="500"/>
-                                        <p:tgtEl>
-                                          <p:spTgt spid="24"/>
-                                        </p:tgtEl>
-                                      </p:cBhvr>
-                                    </p:animEffect>
-                                  </p:childTnLst>
-                                </p:cTn>
-                              </p:par>
-                            </p:childTnLst>
-                          </p:cTn>
-                        </p:par>
-                      </p:childTnLst>
-                    </p:cTn>
-                  </p:par>
-                </p:childTnLst>
-              </p:cTn>
-              <p:prevCondLst>
-                <p:cond evt="onPrev" delay="0">
-                  <p:tgtEl>
-                    <p:sldTgt/>
-                  </p:tgtEl>
-                </p:cond>
-              </p:prevCondLst>
-              <p:nextCondLst>
-                <p:cond evt="onNext" delay="0">
-                  <p:tgtEl>
-                    <p:sldTgt/>
-                  </p:tgtEl>
-                </p:cond>
-              </p:nextCondLst>
-            </p:seq>
-          </p:childTnLst>
-        </p:cTn>
-      </p:par>
-    </p:tnLst>
-    <p:bldLst>
-      <p:bldP spid="4" grpId="0" animBg="1"/>
-      <p:bldP spid="5" grpId="0" animBg="1"/>
-      <p:bldP spid="5" grpId="1" animBg="1"/>
-      <p:bldP spid="6" grpId="0" animBg="1"/>
-      <p:bldP spid="6" grpId="1" animBg="1"/>
-      <p:bldP spid="7" grpId="0" animBg="1"/>
-      <p:bldP spid="7" grpId="1" animBg="1"/>
-      <p:bldP spid="8" grpId="0" animBg="1"/>
-      <p:bldP spid="8" grpId="1" animBg="1"/>
-      <p:bldP spid="9" grpId="0" animBg="1"/>
-      <p:bldP spid="9" grpId="1" animBg="1"/>
-      <p:bldP spid="10" grpId="0" animBg="1"/>
-      <p:bldP spid="10" grpId="1" animBg="1"/>
-      <p:bldP spid="11" grpId="0" animBg="1"/>
-      <p:bldP spid="11" grpId="1" animBg="1"/>
-      <p:bldP spid="12" grpId="0" animBg="1"/>
-      <p:bldP spid="12" grpId="1" animBg="1"/>
-      <p:bldP spid="13" grpId="0" animBg="1"/>
-      <p:bldP spid="13" grpId="1" animBg="1"/>
-      <p:bldP spid="14" grpId="0" animBg="1"/>
-      <p:bldP spid="14" grpId="1" animBg="1"/>
-      <p:bldP spid="15" grpId="0"/>
-      <p:bldP spid="16" grpId="0"/>
-      <p:bldP spid="17" grpId="0" animBg="1"/>
-      <p:bldP spid="18" grpId="0" animBg="1"/>
-      <p:bldP spid="19" grpId="0" animBg="1"/>
-      <p:bldP spid="20" grpId="0" animBg="1"/>
-      <p:bldP spid="21" grpId="0" animBg="1"/>
-      <p:bldP spid="23" grpId="0"/>
-      <p:bldP spid="22" grpId="0"/>
-      <p:bldP spid="24" grpId="0"/>
-    </p:bldLst>
-  </p:timing>
-</p:sld>
-</file>
-
 <file path=ppt/slides/slide2.xml><?xml version="1.0" encoding="utf-8"?>
 <p:sld xmlns:a="http://schemas.openxmlformats.org/drawingml/2006/main" xmlns:r="http://schemas.openxmlformats.org/officeDocument/2006/relationships" xmlns:p="http://schemas.openxmlformats.org/presentationml/2006/main">
   <p:cSld>
@@ -10504,6 +6977,54 @@
           </a:ln>
         </p:spPr>
       </p:pic>
+      <p:pic>
+        <p:nvPicPr>
+          <p:cNvPr id="2" name="Picture 1"/>
+          <p:cNvPicPr>
+            <a:picLocks noChangeAspect="1"/>
+          </p:cNvPicPr>
+          <p:nvPr/>
+        </p:nvPicPr>
+        <p:blipFill>
+          <a:blip r:embed="rId4"/>
+          <a:stretch>
+            <a:fillRect/>
+          </a:stretch>
+        </p:blipFill>
+        <p:spPr>
+          <a:xfrm>
+            <a:off x="207113" y="585891"/>
+            <a:ext cx="5412359" cy="4051710"/>
+          </a:xfrm>
+          <a:prstGeom prst="rect">
+            <a:avLst/>
+          </a:prstGeom>
+        </p:spPr>
+      </p:pic>
+      <p:pic>
+        <p:nvPicPr>
+          <p:cNvPr id="3" name="Picture 2"/>
+          <p:cNvPicPr>
+            <a:picLocks noChangeAspect="1"/>
+          </p:cNvPicPr>
+          <p:nvPr/>
+        </p:nvPicPr>
+        <p:blipFill>
+          <a:blip r:embed="rId5"/>
+          <a:stretch>
+            <a:fillRect/>
+          </a:stretch>
+        </p:blipFill>
+        <p:spPr>
+          <a:xfrm>
+            <a:off x="1602359" y="4657700"/>
+            <a:ext cx="6024065" cy="1025584"/>
+          </a:xfrm>
+          <a:prstGeom prst="rect">
+            <a:avLst/>
+          </a:prstGeom>
+        </p:spPr>
+      </p:pic>
     </p:spTree>
     <p:extLst>
       <p:ext uri="{BB962C8B-B14F-4D97-AF65-F5344CB8AC3E}">
@@ -10649,6 +7170,218 @@
                                         </p:tgtEl>
                                       </p:cBhvr>
                                     </p:animEffect>
+                                  </p:childTnLst>
+                                </p:cTn>
+                              </p:par>
+                            </p:childTnLst>
+                          </p:cTn>
+                        </p:par>
+                      </p:childTnLst>
+                    </p:cTn>
+                  </p:par>
+                  <p:par>
+                    <p:cTn id="16" fill="hold">
+                      <p:stCondLst>
+                        <p:cond delay="indefinite"/>
+                      </p:stCondLst>
+                      <p:childTnLst>
+                        <p:par>
+                          <p:cTn id="17" fill="hold">
+                            <p:stCondLst>
+                              <p:cond delay="0"/>
+                            </p:stCondLst>
+                            <p:childTnLst>
+                              <p:par>
+                                <p:cTn id="18" presetID="10" presetClass="entr" presetSubtype="0" fill="hold" nodeType="clickEffect">
+                                  <p:stCondLst>
+                                    <p:cond delay="0"/>
+                                  </p:stCondLst>
+                                  <p:childTnLst>
+                                    <p:set>
+                                      <p:cBhvr>
+                                        <p:cTn id="19" dur="1" fill="hold">
+                                          <p:stCondLst>
+                                            <p:cond delay="0"/>
+                                          </p:stCondLst>
+                                        </p:cTn>
+                                        <p:tgtEl>
+                                          <p:spTgt spid="2"/>
+                                        </p:tgtEl>
+                                        <p:attrNameLst>
+                                          <p:attrName>style.visibility</p:attrName>
+                                        </p:attrNameLst>
+                                      </p:cBhvr>
+                                      <p:to>
+                                        <p:strVal val="visible"/>
+                                      </p:to>
+                                    </p:set>
+                                    <p:animEffect transition="in" filter="fade">
+                                      <p:cBhvr>
+                                        <p:cTn id="20" dur="1000"/>
+                                        <p:tgtEl>
+                                          <p:spTgt spid="2"/>
+                                        </p:tgtEl>
+                                      </p:cBhvr>
+                                    </p:animEffect>
+                                  </p:childTnLst>
+                                </p:cTn>
+                              </p:par>
+                              <p:par>
+                                <p:cTn id="21" presetID="42" presetClass="path" presetSubtype="0" accel="50000" decel="50000" fill="hold" nodeType="withEffect">
+                                  <p:stCondLst>
+                                    <p:cond delay="0"/>
+                                  </p:stCondLst>
+                                  <p:childTnLst>
+                                    <p:animMotion origin="layout" path="M 5E-6 -0.05556 L 5E-6 0.5 " pathEditMode="relative" rAng="0" ptsTypes="AA">
+                                      <p:cBhvr>
+                                        <p:cTn id="22" dur="1000" spd="-100000" fill="hold"/>
+                                        <p:tgtEl>
+                                          <p:spTgt spid="2"/>
+                                        </p:tgtEl>
+                                        <p:attrNameLst>
+                                          <p:attrName>ppt_x</p:attrName>
+                                          <p:attrName>ppt_y</p:attrName>
+                                        </p:attrNameLst>
+                                      </p:cBhvr>
+                                      <p:rCtr x="0" y="27778"/>
+                                    </p:animMotion>
+                                  </p:childTnLst>
+                                </p:cTn>
+                              </p:par>
+                            </p:childTnLst>
+                          </p:cTn>
+                        </p:par>
+                        <p:par>
+                          <p:cTn id="23" fill="hold">
+                            <p:stCondLst>
+                              <p:cond delay="1000"/>
+                            </p:stCondLst>
+                            <p:childTnLst>
+                              <p:par>
+                                <p:cTn id="24" presetID="64" presetClass="path" presetSubtype="0" accel="50000" decel="50000" fill="hold" nodeType="afterEffect">
+                                  <p:stCondLst>
+                                    <p:cond delay="0"/>
+                                  </p:stCondLst>
+                                  <p:childTnLst>
+                                    <p:animMotion origin="layout" path="M 5E-6 -0.05556 L 5E-6 3.33333E-6 " pathEditMode="relative" rAng="0" ptsTypes="AA">
+                                      <p:cBhvr>
+                                        <p:cTn id="25" dur="1000" fill="hold"/>
+                                        <p:tgtEl>
+                                          <p:spTgt spid="2"/>
+                                        </p:tgtEl>
+                                        <p:attrNameLst>
+                                          <p:attrName>ppt_x</p:attrName>
+                                          <p:attrName>ppt_y</p:attrName>
+                                        </p:attrNameLst>
+                                      </p:cBhvr>
+                                      <p:rCtr x="0" y="2778"/>
+                                    </p:animMotion>
+                                  </p:childTnLst>
+                                </p:cTn>
+                              </p:par>
+                            </p:childTnLst>
+                          </p:cTn>
+                        </p:par>
+                      </p:childTnLst>
+                    </p:cTn>
+                  </p:par>
+                  <p:par>
+                    <p:cTn id="26" fill="hold">
+                      <p:stCondLst>
+                        <p:cond delay="indefinite"/>
+                      </p:stCondLst>
+                      <p:childTnLst>
+                        <p:par>
+                          <p:cTn id="27" fill="hold">
+                            <p:stCondLst>
+                              <p:cond delay="0"/>
+                            </p:stCondLst>
+                            <p:childTnLst>
+                              <p:par>
+                                <p:cTn id="28" presetID="10" presetClass="entr" presetSubtype="0" fill="hold" nodeType="clickEffect">
+                                  <p:stCondLst>
+                                    <p:cond delay="0"/>
+                                  </p:stCondLst>
+                                  <p:childTnLst>
+                                    <p:set>
+                                      <p:cBhvr>
+                                        <p:cTn id="29" dur="1" fill="hold">
+                                          <p:stCondLst>
+                                            <p:cond delay="0"/>
+                                          </p:stCondLst>
+                                        </p:cTn>
+                                        <p:tgtEl>
+                                          <p:spTgt spid="3"/>
+                                        </p:tgtEl>
+                                        <p:attrNameLst>
+                                          <p:attrName>style.visibility</p:attrName>
+                                        </p:attrNameLst>
+                                      </p:cBhvr>
+                                      <p:to>
+                                        <p:strVal val="visible"/>
+                                      </p:to>
+                                    </p:set>
+                                    <p:animEffect transition="in" filter="fade">
+                                      <p:cBhvr>
+                                        <p:cTn id="30" dur="1000"/>
+                                        <p:tgtEl>
+                                          <p:spTgt spid="3"/>
+                                        </p:tgtEl>
+                                      </p:cBhvr>
+                                    </p:animEffect>
+                                  </p:childTnLst>
+                                </p:cTn>
+                              </p:par>
+                              <p:par>
+                                <p:cTn id="31" presetID="42" presetClass="path" presetSubtype="0" accel="50000" decel="50000" fill="hold" nodeType="withEffect">
+                                  <p:stCondLst>
+                                    <p:cond delay="0"/>
+                                  </p:stCondLst>
+                                  <p:childTnLst>
+                                    <p:animMotion origin="layout" path="M 5E-6 -0.05556 L 5E-6 0.5 " pathEditMode="relative" rAng="0" ptsTypes="AA">
+                                      <p:cBhvr>
+                                        <p:cTn id="32" dur="1000" spd="-100000" fill="hold"/>
+                                        <p:tgtEl>
+                                          <p:spTgt spid="3"/>
+                                        </p:tgtEl>
+                                        <p:attrNameLst>
+                                          <p:attrName>ppt_x</p:attrName>
+                                          <p:attrName>ppt_y</p:attrName>
+                                        </p:attrNameLst>
+                                      </p:cBhvr>
+                                      <p:rCtr x="0" y="27778"/>
+                                    </p:animMotion>
+                                  </p:childTnLst>
+                                </p:cTn>
+                              </p:par>
+                            </p:childTnLst>
+                          </p:cTn>
+                        </p:par>
+                        <p:par>
+                          <p:cTn id="33" fill="hold">
+                            <p:stCondLst>
+                              <p:cond delay="1000"/>
+                            </p:stCondLst>
+                            <p:childTnLst>
+                              <p:par>
+                                <p:cTn id="34" presetID="64" presetClass="path" presetSubtype="0" accel="50000" decel="50000" fill="hold" nodeType="afterEffect">
+                                  <p:stCondLst>
+                                    <p:cond delay="0"/>
+                                  </p:stCondLst>
+                                  <p:childTnLst>
+                                    <p:animMotion origin="layout" path="M 5E-6 -0.05556 L 5E-6 3.33333E-6 " pathEditMode="relative" rAng="0" ptsTypes="AA">
+                                      <p:cBhvr>
+                                        <p:cTn id="35" dur="1000" fill="hold"/>
+                                        <p:tgtEl>
+                                          <p:spTgt spid="3"/>
+                                        </p:tgtEl>
+                                        <p:attrNameLst>
+                                          <p:attrName>ppt_x</p:attrName>
+                                          <p:attrName>ppt_y</p:attrName>
+                                        </p:attrNameLst>
+                                      </p:cBhvr>
+                                      <p:rCtr x="0" y="2778"/>
+                                    </p:animMotion>
                                   </p:childTnLst>
                                 </p:cTn>
                               </p:par>
@@ -13399,7 +10132,7 @@
         <p:spPr>
           <a:xfrm>
             <a:off x="1151149" y="610771"/>
-            <a:ext cx="5237781" cy="646331"/>
+            <a:ext cx="5329151" cy="646331"/>
           </a:xfrm>
           <a:prstGeom prst="rect">
             <a:avLst/>
@@ -13467,9 +10200,14 @@
               <a:t>symbolTable</a:t>
             </a:r>
             <a:r>
+              <a:rPr lang="en-US" altLang="zh-CN" b="1" dirty="0" err="1" smtClean="0"/>
+              <a:t>s</a:t>
+            </a:r>
+            <a:r>
               <a:rPr lang="en-US" b="1" dirty="0" smtClean="0"/>
               <a:t>;</a:t>
             </a:r>
+            <a:endParaRPr lang="en-US" b="1" dirty="0" smtClean="0"/>
           </a:p>
         </p:txBody>
       </p:sp>
@@ -13569,6 +10307,30 @@
           </a:prstGeom>
         </p:spPr>
       </p:pic>
+      <p:pic>
+        <p:nvPicPr>
+          <p:cNvPr id="2" name="Picture 1"/>
+          <p:cNvPicPr>
+            <a:picLocks noChangeAspect="1"/>
+          </p:cNvPicPr>
+          <p:nvPr/>
+        </p:nvPicPr>
+        <p:blipFill>
+          <a:blip r:embed="rId7"/>
+          <a:stretch>
+            <a:fillRect/>
+          </a:stretch>
+        </p:blipFill>
+        <p:spPr>
+          <a:xfrm>
+            <a:off x="973485" y="2482206"/>
+            <a:ext cx="5461000" cy="1803400"/>
+          </a:xfrm>
+          <a:prstGeom prst="rect">
+            <a:avLst/>
+          </a:prstGeom>
+        </p:spPr>
+      </p:pic>
     </p:spTree>
     <p:extLst>
       <p:ext uri="{BB962C8B-B14F-4D97-AF65-F5344CB8AC3E}">
@@ -13908,7 +10670,7 @@
                                           </p:stCondLst>
                                         </p:cTn>
                                         <p:tgtEl>
-                                          <p:spTgt spid="30"/>
+                                          <p:spTgt spid="2"/>
                                         </p:tgtEl>
                                         <p:attrNameLst>
                                           <p:attrName>style.visibility</p:attrName>
@@ -13922,7 +10684,7 @@
                                       <p:cBhvr>
                                         <p:cTn id="35" dur="1000"/>
                                         <p:tgtEl>
-                                          <p:spTgt spid="30"/>
+                                          <p:spTgt spid="2"/>
                                         </p:tgtEl>
                                       </p:cBhvr>
                                     </p:animEffect>
@@ -13939,7 +10701,7 @@
                                       <p:cBhvr>
                                         <p:cTn id="37" dur="1000" spd="-100000" fill="hold"/>
                                         <p:tgtEl>
-                                          <p:spTgt spid="30"/>
+                                          <p:spTgt spid="2"/>
                                         </p:tgtEl>
                                         <p:attrNameLst>
                                           <p:attrName>ppt_x</p:attrName>
@@ -13970,7 +10732,7 @@
                                       <p:cBhvr>
                                         <p:cTn id="40" dur="1000" fill="hold"/>
                                         <p:tgtEl>
-                                          <p:spTgt spid="30"/>
+                                          <p:spTgt spid="2"/>
                                         </p:tgtEl>
                                         <p:attrNameLst>
                                           <p:attrName>ppt_x</p:attrName>
@@ -14010,7 +10772,7 @@
                                       <p:cBhvr>
                                         <p:cTn id="44" dur="500"/>
                                         <p:tgtEl>
-                                          <p:spTgt spid="30"/>
+                                          <p:spTgt spid="2"/>
                                         </p:tgtEl>
                                       </p:cBhvr>
                                     </p:animEffect>
@@ -14022,7 +10784,7 @@
                                           </p:stCondLst>
                                         </p:cTn>
                                         <p:tgtEl>
-                                          <p:spTgt spid="30"/>
+                                          <p:spTgt spid="2"/>
                                         </p:tgtEl>
                                         <p:attrNameLst>
                                           <p:attrName>style.visibility</p:attrName>
@@ -14067,7 +10829,7 @@
                                           </p:stCondLst>
                                         </p:cTn>
                                         <p:tgtEl>
-                                          <p:spTgt spid="31"/>
+                                          <p:spTgt spid="30"/>
                                         </p:tgtEl>
                                         <p:attrNameLst>
                                           <p:attrName>style.visibility</p:attrName>
@@ -14081,7 +10843,7 @@
                                       <p:cBhvr>
                                         <p:cTn id="50" dur="1000"/>
                                         <p:tgtEl>
-                                          <p:spTgt spid="31"/>
+                                          <p:spTgt spid="30"/>
                                         </p:tgtEl>
                                       </p:cBhvr>
                                     </p:animEffect>
@@ -14098,7 +10860,7 @@
                                       <p:cBhvr>
                                         <p:cTn id="52" dur="1000" spd="-100000" fill="hold"/>
                                         <p:tgtEl>
-                                          <p:spTgt spid="31"/>
+                                          <p:spTgt spid="30"/>
                                         </p:tgtEl>
                                         <p:attrNameLst>
                                           <p:attrName>ppt_x</p:attrName>
@@ -14129,7 +10891,7 @@
                                       <p:cBhvr>
                                         <p:cTn id="55" dur="1000" fill="hold"/>
                                         <p:tgtEl>
-                                          <p:spTgt spid="31"/>
+                                          <p:spTgt spid="30"/>
                                         </p:tgtEl>
                                         <p:attrNameLst>
                                           <p:attrName>ppt_x</p:attrName>
@@ -14160,20 +10922,73 @@
                             </p:stCondLst>
                             <p:childTnLst>
                               <p:par>
-                                <p:cTn id="58" presetID="10" presetClass="entr" presetSubtype="0" fill="hold" nodeType="clickEffect">
+                                <p:cTn id="58" presetID="10" presetClass="exit" presetSubtype="0" fill="hold" nodeType="clickEffect">
+                                  <p:stCondLst>
+                                    <p:cond delay="0"/>
+                                  </p:stCondLst>
+                                  <p:childTnLst>
+                                    <p:animEffect transition="out" filter="fade">
+                                      <p:cBhvr>
+                                        <p:cTn id="59" dur="500"/>
+                                        <p:tgtEl>
+                                          <p:spTgt spid="30"/>
+                                        </p:tgtEl>
+                                      </p:cBhvr>
+                                    </p:animEffect>
+                                    <p:set>
+                                      <p:cBhvr>
+                                        <p:cTn id="60" dur="1" fill="hold">
+                                          <p:stCondLst>
+                                            <p:cond delay="499"/>
+                                          </p:stCondLst>
+                                        </p:cTn>
+                                        <p:tgtEl>
+                                          <p:spTgt spid="30"/>
+                                        </p:tgtEl>
+                                        <p:attrNameLst>
+                                          <p:attrName>style.visibility</p:attrName>
+                                        </p:attrNameLst>
+                                      </p:cBhvr>
+                                      <p:to>
+                                        <p:strVal val="hidden"/>
+                                      </p:to>
+                                    </p:set>
+                                  </p:childTnLst>
+                                </p:cTn>
+                              </p:par>
+                            </p:childTnLst>
+                          </p:cTn>
+                        </p:par>
+                      </p:childTnLst>
+                    </p:cTn>
+                  </p:par>
+                  <p:par>
+                    <p:cTn id="61" fill="hold">
+                      <p:stCondLst>
+                        <p:cond delay="indefinite"/>
+                      </p:stCondLst>
+                      <p:childTnLst>
+                        <p:par>
+                          <p:cTn id="62" fill="hold">
+                            <p:stCondLst>
+                              <p:cond delay="0"/>
+                            </p:stCondLst>
+                            <p:childTnLst>
+                              <p:par>
+                                <p:cTn id="63" presetID="10" presetClass="entr" presetSubtype="0" fill="hold" nodeType="clickEffect">
                                   <p:stCondLst>
                                     <p:cond delay="0"/>
                                   </p:stCondLst>
                                   <p:childTnLst>
                                     <p:set>
                                       <p:cBhvr>
-                                        <p:cTn id="59" dur="1" fill="hold">
+                                        <p:cTn id="64" dur="1" fill="hold">
                                           <p:stCondLst>
                                             <p:cond delay="0"/>
                                           </p:stCondLst>
                                         </p:cTn>
                                         <p:tgtEl>
-                                          <p:spTgt spid="32"/>
+                                          <p:spTgt spid="31"/>
                                         </p:tgtEl>
                                         <p:attrNameLst>
                                           <p:attrName>style.visibility</p:attrName>
@@ -14185,9 +11000,9 @@
                                     </p:set>
                                     <p:animEffect transition="in" filter="fade">
                                       <p:cBhvr>
-                                        <p:cTn id="60" dur="1000"/>
-                                        <p:tgtEl>
-                                          <p:spTgt spid="32"/>
+                                        <p:cTn id="65" dur="1000"/>
+                                        <p:tgtEl>
+                                          <p:spTgt spid="31"/>
                                         </p:tgtEl>
                                       </p:cBhvr>
                                     </p:animEffect>
@@ -14195,16 +11010,16 @@
                                 </p:cTn>
                               </p:par>
                               <p:par>
-                                <p:cTn id="61" presetID="42" presetClass="path" presetSubtype="0" accel="50000" decel="50000" fill="hold" nodeType="withEffect">
+                                <p:cTn id="66" presetID="42" presetClass="path" presetSubtype="0" accel="50000" decel="50000" fill="hold" nodeType="withEffect">
                                   <p:stCondLst>
                                     <p:cond delay="0"/>
                                   </p:stCondLst>
                                   <p:childTnLst>
                                     <p:animMotion origin="layout" path="M 5E-6 -0.05556 L 5E-6 0.5 " pathEditMode="relative" rAng="0" ptsTypes="AA">
                                       <p:cBhvr>
-                                        <p:cTn id="62" dur="1000" spd="-100000" fill="hold"/>
-                                        <p:tgtEl>
-                                          <p:spTgt spid="32"/>
+                                        <p:cTn id="67" dur="1000" spd="-100000" fill="hold"/>
+                                        <p:tgtEl>
+                                          <p:spTgt spid="31"/>
                                         </p:tgtEl>
                                         <p:attrNameLst>
                                           <p:attrName>ppt_x</p:attrName>
@@ -14220,20 +11035,126 @@
                           </p:cTn>
                         </p:par>
                         <p:par>
-                          <p:cTn id="63" fill="hold">
+                          <p:cTn id="68" fill="hold">
                             <p:stCondLst>
                               <p:cond delay="1000"/>
                             </p:stCondLst>
                             <p:childTnLst>
                               <p:par>
-                                <p:cTn id="64" presetID="64" presetClass="path" presetSubtype="0" accel="50000" decel="50000" fill="hold" nodeType="afterEffect">
+                                <p:cTn id="69" presetID="64" presetClass="path" presetSubtype="0" accel="50000" decel="50000" fill="hold" nodeType="afterEffect">
                                   <p:stCondLst>
                                     <p:cond delay="0"/>
                                   </p:stCondLst>
                                   <p:childTnLst>
                                     <p:animMotion origin="layout" path="M 5E-6 -0.05556 L 5E-6 3.33333E-6 " pathEditMode="relative" rAng="0" ptsTypes="AA">
                                       <p:cBhvr>
-                                        <p:cTn id="65" dur="1000" fill="hold"/>
+                                        <p:cTn id="70" dur="1000" fill="hold"/>
+                                        <p:tgtEl>
+                                          <p:spTgt spid="31"/>
+                                        </p:tgtEl>
+                                        <p:attrNameLst>
+                                          <p:attrName>ppt_x</p:attrName>
+                                          <p:attrName>ppt_y</p:attrName>
+                                        </p:attrNameLst>
+                                      </p:cBhvr>
+                                      <p:rCtr x="0" y="2778"/>
+                                    </p:animMotion>
+                                  </p:childTnLst>
+                                </p:cTn>
+                              </p:par>
+                            </p:childTnLst>
+                          </p:cTn>
+                        </p:par>
+                      </p:childTnLst>
+                    </p:cTn>
+                  </p:par>
+                  <p:par>
+                    <p:cTn id="71" fill="hold">
+                      <p:stCondLst>
+                        <p:cond delay="indefinite"/>
+                      </p:stCondLst>
+                      <p:childTnLst>
+                        <p:par>
+                          <p:cTn id="72" fill="hold">
+                            <p:stCondLst>
+                              <p:cond delay="0"/>
+                            </p:stCondLst>
+                            <p:childTnLst>
+                              <p:par>
+                                <p:cTn id="73" presetID="10" presetClass="entr" presetSubtype="0" fill="hold" nodeType="clickEffect">
+                                  <p:stCondLst>
+                                    <p:cond delay="0"/>
+                                  </p:stCondLst>
+                                  <p:childTnLst>
+                                    <p:set>
+                                      <p:cBhvr>
+                                        <p:cTn id="74" dur="1" fill="hold">
+                                          <p:stCondLst>
+                                            <p:cond delay="0"/>
+                                          </p:stCondLst>
+                                        </p:cTn>
+                                        <p:tgtEl>
+                                          <p:spTgt spid="32"/>
+                                        </p:tgtEl>
+                                        <p:attrNameLst>
+                                          <p:attrName>style.visibility</p:attrName>
+                                        </p:attrNameLst>
+                                      </p:cBhvr>
+                                      <p:to>
+                                        <p:strVal val="visible"/>
+                                      </p:to>
+                                    </p:set>
+                                    <p:animEffect transition="in" filter="fade">
+                                      <p:cBhvr>
+                                        <p:cTn id="75" dur="1000"/>
+                                        <p:tgtEl>
+                                          <p:spTgt spid="32"/>
+                                        </p:tgtEl>
+                                      </p:cBhvr>
+                                    </p:animEffect>
+                                  </p:childTnLst>
+                                </p:cTn>
+                              </p:par>
+                              <p:par>
+                                <p:cTn id="76" presetID="42" presetClass="path" presetSubtype="0" accel="50000" decel="50000" fill="hold" nodeType="withEffect">
+                                  <p:stCondLst>
+                                    <p:cond delay="0"/>
+                                  </p:stCondLst>
+                                  <p:childTnLst>
+                                    <p:animMotion origin="layout" path="M 5E-6 -0.05556 L 5E-6 0.5 " pathEditMode="relative" rAng="0" ptsTypes="AA">
+                                      <p:cBhvr>
+                                        <p:cTn id="77" dur="1000" spd="-100000" fill="hold"/>
+                                        <p:tgtEl>
+                                          <p:spTgt spid="32"/>
+                                        </p:tgtEl>
+                                        <p:attrNameLst>
+                                          <p:attrName>ppt_x</p:attrName>
+                                          <p:attrName>ppt_y</p:attrName>
+                                        </p:attrNameLst>
+                                      </p:cBhvr>
+                                      <p:rCtr x="0" y="27778"/>
+                                    </p:animMotion>
+                                  </p:childTnLst>
+                                </p:cTn>
+                              </p:par>
+                            </p:childTnLst>
+                          </p:cTn>
+                        </p:par>
+                        <p:par>
+                          <p:cTn id="78" fill="hold">
+                            <p:stCondLst>
+                              <p:cond delay="1000"/>
+                            </p:stCondLst>
+                            <p:childTnLst>
+                              <p:par>
+                                <p:cTn id="79" presetID="64" presetClass="path" presetSubtype="0" accel="50000" decel="50000" fill="hold" nodeType="afterEffect">
+                                  <p:stCondLst>
+                                    <p:cond delay="0"/>
+                                  </p:stCondLst>
+                                  <p:childTnLst>
+                                    <p:animMotion origin="layout" path="M 5E-6 -0.05556 L 5E-6 3.33333E-6 " pathEditMode="relative" rAng="0" ptsTypes="AA">
+                                      <p:cBhvr>
+                                        <p:cTn id="80" dur="1000" fill="hold"/>
                                         <p:tgtEl>
                                           <p:spTgt spid="32"/>
                                         </p:tgtEl>
@@ -14284,1635 +11205,6 @@
 </file>
 
 <file path=ppt/slides/slide6.xml><?xml version="1.0" encoding="utf-8"?>
-<p:sld xmlns:a="http://schemas.openxmlformats.org/drawingml/2006/main" xmlns:r="http://schemas.openxmlformats.org/officeDocument/2006/relationships" xmlns:p="http://schemas.openxmlformats.org/presentationml/2006/main">
-  <p:cSld>
-    <p:spTree>
-      <p:nvGrpSpPr>
-        <p:cNvPr id="1" name=""/>
-        <p:cNvGrpSpPr/>
-        <p:nvPr/>
-      </p:nvGrpSpPr>
-      <p:grpSpPr>
-        <a:xfrm>
-          <a:off x="0" y="0"/>
-          <a:ext cx="0" cy="0"/>
-          <a:chOff x="0" y="0"/>
-          <a:chExt cx="0" cy="0"/>
-        </a:xfrm>
-      </p:grpSpPr>
-      <p:sp>
-        <p:nvSpPr>
-          <p:cNvPr id="5" name="圆角矩形 4"/>
-          <p:cNvSpPr/>
-          <p:nvPr/>
-        </p:nvSpPr>
-        <p:spPr>
-          <a:xfrm>
-            <a:off x="207113" y="204430"/>
-            <a:ext cx="7131279" cy="344537"/>
-          </a:xfrm>
-          <a:prstGeom prst="roundRect">
-            <a:avLst>
-              <a:gd name="adj" fmla="val 9369"/>
-            </a:avLst>
-          </a:prstGeom>
-          <a:gradFill>
-            <a:gsLst>
-              <a:gs pos="0">
-                <a:srgbClr val="717171"/>
-              </a:gs>
-              <a:gs pos="50000">
-                <a:srgbClr val="5B5B5B"/>
-              </a:gs>
-              <a:gs pos="100000">
-                <a:srgbClr val="717171"/>
-              </a:gs>
-            </a:gsLst>
-            <a:lin ang="5400000" scaled="0"/>
-          </a:gradFill>
-          <a:ln w="3175">
-            <a:solidFill>
-              <a:srgbClr val="5B5B5B"/>
-            </a:solidFill>
-          </a:ln>
-        </p:spPr>
-        <p:style>
-          <a:lnRef idx="2">
-            <a:schemeClr val="accent1">
-              <a:shade val="50000"/>
-            </a:schemeClr>
-          </a:lnRef>
-          <a:fillRef idx="1">
-            <a:schemeClr val="accent1"/>
-          </a:fillRef>
-          <a:effectRef idx="0">
-            <a:schemeClr val="accent1"/>
-          </a:effectRef>
-          <a:fontRef idx="minor">
-            <a:schemeClr val="lt1"/>
-          </a:fontRef>
-        </p:style>
-        <p:txBody>
-          <a:bodyPr rtlCol="0" anchor="ctr"/>
-          <a:lstStyle/>
-          <a:p>
-            <a:pPr algn="ctr"/>
-            <a:endParaRPr lang="zh-CN" altLang="en-US"/>
-          </a:p>
-        </p:txBody>
-      </p:sp>
-      <p:cxnSp>
-        <p:nvCxnSpPr>
-          <p:cNvPr id="11" name="直接连接符 10"/>
-          <p:cNvCxnSpPr/>
-          <p:nvPr/>
-        </p:nvCxnSpPr>
-        <p:spPr>
-          <a:xfrm flipV="1">
-            <a:off x="1227228" y="212809"/>
-            <a:ext cx="0" cy="336156"/>
-          </a:xfrm>
-          <a:prstGeom prst="line">
-            <a:avLst/>
-          </a:prstGeom>
-          <a:ln w="12700">
-            <a:solidFill>
-              <a:srgbClr val="5B5B5B"/>
-            </a:solidFill>
-          </a:ln>
-          <a:effectLst>
-            <a:glow rad="25400">
-              <a:schemeClr val="bg1">
-                <a:alpha val="11000"/>
-              </a:schemeClr>
-            </a:glow>
-          </a:effectLst>
-        </p:spPr>
-        <p:style>
-          <a:lnRef idx="1">
-            <a:schemeClr val="accent1"/>
-          </a:lnRef>
-          <a:fillRef idx="0">
-            <a:schemeClr val="accent1"/>
-          </a:fillRef>
-          <a:effectRef idx="0">
-            <a:schemeClr val="accent1"/>
-          </a:effectRef>
-          <a:fontRef idx="minor">
-            <a:schemeClr val="tx1"/>
-          </a:fontRef>
-        </p:style>
-      </p:cxnSp>
-      <p:cxnSp>
-        <p:nvCxnSpPr>
-          <p:cNvPr id="12" name="直接连接符 11"/>
-          <p:cNvCxnSpPr/>
-          <p:nvPr/>
-        </p:nvCxnSpPr>
-        <p:spPr>
-          <a:xfrm flipV="1">
-            <a:off x="2247341" y="212441"/>
-            <a:ext cx="0" cy="336156"/>
-          </a:xfrm>
-          <a:prstGeom prst="line">
-            <a:avLst/>
-          </a:prstGeom>
-          <a:ln w="12700">
-            <a:solidFill>
-              <a:srgbClr val="5B5B5B"/>
-            </a:solidFill>
-          </a:ln>
-          <a:effectLst>
-            <a:glow rad="25400">
-              <a:schemeClr val="bg1">
-                <a:alpha val="11000"/>
-              </a:schemeClr>
-            </a:glow>
-          </a:effectLst>
-        </p:spPr>
-        <p:style>
-          <a:lnRef idx="1">
-            <a:schemeClr val="accent1"/>
-          </a:lnRef>
-          <a:fillRef idx="0">
-            <a:schemeClr val="accent1"/>
-          </a:fillRef>
-          <a:effectRef idx="0">
-            <a:schemeClr val="accent1"/>
-          </a:effectRef>
-          <a:fontRef idx="minor">
-            <a:schemeClr val="tx1"/>
-          </a:fontRef>
-        </p:style>
-      </p:cxnSp>
-      <p:cxnSp>
-        <p:nvCxnSpPr>
-          <p:cNvPr id="15" name="直接连接符 14"/>
-          <p:cNvCxnSpPr/>
-          <p:nvPr/>
-        </p:nvCxnSpPr>
-        <p:spPr>
-          <a:xfrm flipV="1">
-            <a:off x="3267454" y="217000"/>
-            <a:ext cx="0" cy="336156"/>
-          </a:xfrm>
-          <a:prstGeom prst="line">
-            <a:avLst/>
-          </a:prstGeom>
-          <a:ln w="12700">
-            <a:solidFill>
-              <a:srgbClr val="5B5B5B"/>
-            </a:solidFill>
-          </a:ln>
-          <a:effectLst>
-            <a:glow rad="25400">
-              <a:schemeClr val="bg1">
-                <a:alpha val="11000"/>
-              </a:schemeClr>
-            </a:glow>
-          </a:effectLst>
-        </p:spPr>
-        <p:style>
-          <a:lnRef idx="1">
-            <a:schemeClr val="accent1"/>
-          </a:lnRef>
-          <a:fillRef idx="0">
-            <a:schemeClr val="accent1"/>
-          </a:fillRef>
-          <a:effectRef idx="0">
-            <a:schemeClr val="accent1"/>
-          </a:effectRef>
-          <a:fontRef idx="minor">
-            <a:schemeClr val="tx1"/>
-          </a:fontRef>
-        </p:style>
-      </p:cxnSp>
-      <p:cxnSp>
-        <p:nvCxnSpPr>
-          <p:cNvPr id="16" name="直接连接符 15"/>
-          <p:cNvCxnSpPr/>
-          <p:nvPr/>
-        </p:nvCxnSpPr>
-        <p:spPr>
-          <a:xfrm flipV="1">
-            <a:off x="4287567" y="206490"/>
-            <a:ext cx="0" cy="336156"/>
-          </a:xfrm>
-          <a:prstGeom prst="line">
-            <a:avLst/>
-          </a:prstGeom>
-          <a:ln w="12700">
-            <a:solidFill>
-              <a:srgbClr val="5B5B5B"/>
-            </a:solidFill>
-          </a:ln>
-          <a:effectLst>
-            <a:glow rad="25400">
-              <a:schemeClr val="bg1">
-                <a:alpha val="11000"/>
-              </a:schemeClr>
-            </a:glow>
-          </a:effectLst>
-        </p:spPr>
-        <p:style>
-          <a:lnRef idx="1">
-            <a:schemeClr val="accent1"/>
-          </a:lnRef>
-          <a:fillRef idx="0">
-            <a:schemeClr val="accent1"/>
-          </a:fillRef>
-          <a:effectRef idx="0">
-            <a:schemeClr val="accent1"/>
-          </a:effectRef>
-          <a:fontRef idx="minor">
-            <a:schemeClr val="tx1"/>
-          </a:fontRef>
-        </p:style>
-      </p:cxnSp>
-      <p:cxnSp>
-        <p:nvCxnSpPr>
-          <p:cNvPr id="17" name="直接连接符 16"/>
-          <p:cNvCxnSpPr/>
-          <p:nvPr/>
-        </p:nvCxnSpPr>
-        <p:spPr>
-          <a:xfrm flipV="1">
-            <a:off x="5307680" y="217088"/>
-            <a:ext cx="0" cy="336156"/>
-          </a:xfrm>
-          <a:prstGeom prst="line">
-            <a:avLst/>
-          </a:prstGeom>
-          <a:ln w="12700">
-            <a:solidFill>
-              <a:srgbClr val="5B5B5B"/>
-            </a:solidFill>
-          </a:ln>
-          <a:effectLst>
-            <a:glow rad="25400">
-              <a:schemeClr val="bg1">
-                <a:alpha val="11000"/>
-              </a:schemeClr>
-            </a:glow>
-          </a:effectLst>
-        </p:spPr>
-        <p:style>
-          <a:lnRef idx="1">
-            <a:schemeClr val="accent1"/>
-          </a:lnRef>
-          <a:fillRef idx="0">
-            <a:schemeClr val="accent1"/>
-          </a:fillRef>
-          <a:effectRef idx="0">
-            <a:schemeClr val="accent1"/>
-          </a:effectRef>
-          <a:fontRef idx="minor">
-            <a:schemeClr val="tx1"/>
-          </a:fontRef>
-        </p:style>
-      </p:cxnSp>
-      <p:cxnSp>
-        <p:nvCxnSpPr>
-          <p:cNvPr id="19" name="直接连接符 18"/>
-          <p:cNvCxnSpPr/>
-          <p:nvPr/>
-        </p:nvCxnSpPr>
-        <p:spPr>
-          <a:xfrm flipV="1">
-            <a:off x="6318281" y="208618"/>
-            <a:ext cx="0" cy="336156"/>
-          </a:xfrm>
-          <a:prstGeom prst="line">
-            <a:avLst/>
-          </a:prstGeom>
-          <a:ln w="12700">
-            <a:solidFill>
-              <a:srgbClr val="5B5B5B"/>
-            </a:solidFill>
-          </a:ln>
-          <a:effectLst>
-            <a:glow rad="25400">
-              <a:schemeClr val="bg1">
-                <a:alpha val="11000"/>
-              </a:schemeClr>
-            </a:glow>
-          </a:effectLst>
-        </p:spPr>
-        <p:style>
-          <a:lnRef idx="1">
-            <a:schemeClr val="accent1"/>
-          </a:lnRef>
-          <a:fillRef idx="0">
-            <a:schemeClr val="accent1"/>
-          </a:fillRef>
-          <a:effectRef idx="0">
-            <a:schemeClr val="accent1"/>
-          </a:effectRef>
-          <a:fontRef idx="minor">
-            <a:schemeClr val="tx1"/>
-          </a:fontRef>
-        </p:style>
-      </p:cxnSp>
-      <p:sp>
-        <p:nvSpPr>
-          <p:cNvPr id="20" name="圆角矩形 19"/>
-          <p:cNvSpPr/>
-          <p:nvPr/>
-        </p:nvSpPr>
-        <p:spPr>
-          <a:xfrm>
-            <a:off x="1217712" y="211480"/>
-            <a:ext cx="1020114" cy="338981"/>
-          </a:xfrm>
-          <a:prstGeom prst="roundRect">
-            <a:avLst>
-              <a:gd name="adj" fmla="val 0"/>
-            </a:avLst>
-          </a:prstGeom>
-          <a:solidFill>
-            <a:srgbClr val="373737"/>
-          </a:solidFill>
-          <a:ln w="3175">
-            <a:solidFill>
-              <a:srgbClr val="373737"/>
-            </a:solidFill>
-          </a:ln>
-        </p:spPr>
-        <p:style>
-          <a:lnRef idx="2">
-            <a:schemeClr val="accent1">
-              <a:shade val="50000"/>
-            </a:schemeClr>
-          </a:lnRef>
-          <a:fillRef idx="1">
-            <a:schemeClr val="accent1"/>
-          </a:fillRef>
-          <a:effectRef idx="0">
-            <a:schemeClr val="accent1"/>
-          </a:effectRef>
-          <a:fontRef idx="minor">
-            <a:schemeClr val="lt1"/>
-          </a:fontRef>
-        </p:style>
-        <p:txBody>
-          <a:bodyPr rtlCol="0" anchor="ctr"/>
-          <a:lstStyle/>
-          <a:p>
-            <a:pPr algn="ctr"/>
-            <a:endParaRPr lang="zh-CN" altLang="en-US"/>
-          </a:p>
-        </p:txBody>
-      </p:sp>
-      <p:sp>
-        <p:nvSpPr>
-          <p:cNvPr id="13" name="TextBox 12"/>
-          <p:cNvSpPr txBox="1"/>
-          <p:nvPr/>
-        </p:nvSpPr>
-        <p:spPr>
-          <a:xfrm>
-            <a:off x="441425" y="229056"/>
-            <a:ext cx="551492" cy="307777"/>
-          </a:xfrm>
-          <a:prstGeom prst="rect">
-            <a:avLst/>
-          </a:prstGeom>
-          <a:noFill/>
-        </p:spPr>
-        <p:txBody>
-          <a:bodyPr wrap="square" rtlCol="0">
-            <a:spAutoFit/>
-          </a:bodyPr>
-          <a:lstStyle/>
-          <a:p>
-            <a:r>
-              <a:rPr lang="en-US" altLang="zh-CN" sz="1400" dirty="0" smtClean="0">
-                <a:solidFill>
-                  <a:schemeClr val="bg1"/>
-                </a:solidFill>
-                <a:latin typeface="+mj-lt"/>
-                <a:cs typeface="Arial" pitchFamily="34" charset="0"/>
-              </a:rPr>
-              <a:t>Intro</a:t>
-            </a:r>
-            <a:endParaRPr lang="zh-CN" altLang="en-US" sz="1400" dirty="0">
-              <a:solidFill>
-                <a:schemeClr val="bg1"/>
-              </a:solidFill>
-              <a:latin typeface="+mj-lt"/>
-              <a:cs typeface="Arial" pitchFamily="34" charset="0"/>
-            </a:endParaRPr>
-          </a:p>
-        </p:txBody>
-      </p:sp>
-      <p:sp>
-        <p:nvSpPr>
-          <p:cNvPr id="14" name="TextBox 13"/>
-          <p:cNvSpPr txBox="1"/>
-          <p:nvPr/>
-        </p:nvSpPr>
-        <p:spPr>
-          <a:xfrm>
-            <a:off x="1505744" y="234172"/>
-            <a:ext cx="696423" cy="307777"/>
-          </a:xfrm>
-          <a:prstGeom prst="rect">
-            <a:avLst/>
-          </a:prstGeom>
-          <a:noFill/>
-        </p:spPr>
-        <p:txBody>
-          <a:bodyPr wrap="square" rtlCol="0">
-            <a:spAutoFit/>
-          </a:bodyPr>
-          <a:lstStyle/>
-          <a:p>
-            <a:r>
-              <a:rPr lang="en-US" altLang="zh-CN" sz="1400" dirty="0" smtClean="0">
-                <a:solidFill>
-                  <a:schemeClr val="bg1"/>
-                </a:solidFill>
-                <a:latin typeface="+mj-lt"/>
-                <a:cs typeface="Arial" pitchFamily="34" charset="0"/>
-              </a:rPr>
-              <a:t>AST</a:t>
-            </a:r>
-            <a:endParaRPr lang="zh-CN" altLang="en-US" sz="1400" dirty="0">
-              <a:solidFill>
-                <a:schemeClr val="bg1"/>
-              </a:solidFill>
-              <a:latin typeface="+mj-lt"/>
-              <a:cs typeface="Arial" pitchFamily="34" charset="0"/>
-            </a:endParaRPr>
-          </a:p>
-        </p:txBody>
-      </p:sp>
-      <p:sp>
-        <p:nvSpPr>
-          <p:cNvPr id="21" name="TextBox 20"/>
-          <p:cNvSpPr txBox="1"/>
-          <p:nvPr/>
-        </p:nvSpPr>
-        <p:spPr>
-          <a:xfrm>
-            <a:off x="2219541" y="229057"/>
-            <a:ext cx="1230419" cy="307777"/>
-          </a:xfrm>
-          <a:prstGeom prst="rect">
-            <a:avLst/>
-          </a:prstGeom>
-          <a:noFill/>
-        </p:spPr>
-        <p:txBody>
-          <a:bodyPr wrap="square" rtlCol="0">
-            <a:spAutoFit/>
-          </a:bodyPr>
-          <a:lstStyle/>
-          <a:p>
-            <a:r>
-              <a:rPr lang="en-US" altLang="zh-CN" sz="1400" dirty="0" smtClean="0">
-                <a:solidFill>
-                  <a:schemeClr val="bg1"/>
-                </a:solidFill>
-                <a:latin typeface="+mj-lt"/>
-                <a:cs typeface="Arial" pitchFamily="34" charset="0"/>
-              </a:rPr>
-              <a:t>Symbol</a:t>
-            </a:r>
-            <a:r>
-              <a:rPr lang="zh-CN" altLang="en-US" sz="1400" dirty="0" smtClean="0">
-                <a:solidFill>
-                  <a:schemeClr val="bg1"/>
-                </a:solidFill>
-                <a:latin typeface="+mj-lt"/>
-                <a:cs typeface="Arial" pitchFamily="34" charset="0"/>
-              </a:rPr>
-              <a:t> </a:t>
-            </a:r>
-            <a:r>
-              <a:rPr lang="en-US" altLang="zh-CN" sz="1400" dirty="0" smtClean="0">
-                <a:solidFill>
-                  <a:schemeClr val="bg1"/>
-                </a:solidFill>
-                <a:latin typeface="+mj-lt"/>
-                <a:cs typeface="Arial" pitchFamily="34" charset="0"/>
-              </a:rPr>
-              <a:t>Table</a:t>
-            </a:r>
-            <a:endParaRPr lang="zh-CN" altLang="en-US" sz="1400" dirty="0">
-              <a:solidFill>
-                <a:schemeClr val="bg1"/>
-              </a:solidFill>
-              <a:latin typeface="+mj-lt"/>
-              <a:cs typeface="Arial" pitchFamily="34" charset="0"/>
-            </a:endParaRPr>
-          </a:p>
-        </p:txBody>
-      </p:sp>
-      <p:sp>
-        <p:nvSpPr>
-          <p:cNvPr id="22" name="TextBox 21"/>
-          <p:cNvSpPr txBox="1"/>
-          <p:nvPr/>
-        </p:nvSpPr>
-        <p:spPr>
-          <a:xfrm>
-            <a:off x="3305944" y="229056"/>
-            <a:ext cx="1074417" cy="307777"/>
-          </a:xfrm>
-          <a:prstGeom prst="rect">
-            <a:avLst/>
-          </a:prstGeom>
-          <a:noFill/>
-        </p:spPr>
-        <p:txBody>
-          <a:bodyPr wrap="square" rtlCol="0">
-            <a:spAutoFit/>
-          </a:bodyPr>
-          <a:lstStyle/>
-          <a:p>
-            <a:r>
-              <a:rPr lang="en-US" altLang="zh-CN" sz="1400" dirty="0" smtClean="0">
-                <a:solidFill>
-                  <a:schemeClr val="bg1"/>
-                </a:solidFill>
-                <a:latin typeface="+mj-lt"/>
-                <a:cs typeface="Arial" pitchFamily="34" charset="0"/>
-              </a:rPr>
-              <a:t>Type</a:t>
-            </a:r>
-            <a:r>
-              <a:rPr lang="zh-CN" altLang="en-US" sz="1400" dirty="0" smtClean="0">
-                <a:solidFill>
-                  <a:schemeClr val="bg1"/>
-                </a:solidFill>
-                <a:latin typeface="+mj-lt"/>
-                <a:cs typeface="Arial" pitchFamily="34" charset="0"/>
-              </a:rPr>
-              <a:t> </a:t>
-            </a:r>
-            <a:r>
-              <a:rPr lang="en-US" altLang="zh-CN" sz="1400" dirty="0" smtClean="0">
-                <a:solidFill>
-                  <a:schemeClr val="bg1"/>
-                </a:solidFill>
-                <a:latin typeface="+mj-lt"/>
-                <a:cs typeface="Arial" pitchFamily="34" charset="0"/>
-              </a:rPr>
-              <a:t>Check</a:t>
-            </a:r>
-            <a:endParaRPr lang="zh-CN" altLang="en-US" sz="1400" dirty="0">
-              <a:solidFill>
-                <a:schemeClr val="bg1"/>
-              </a:solidFill>
-              <a:latin typeface="+mj-lt"/>
-              <a:cs typeface="Arial" pitchFamily="34" charset="0"/>
-            </a:endParaRPr>
-          </a:p>
-        </p:txBody>
-      </p:sp>
-      <p:sp>
-        <p:nvSpPr>
-          <p:cNvPr id="23" name="TextBox 22"/>
-          <p:cNvSpPr txBox="1"/>
-          <p:nvPr/>
-        </p:nvSpPr>
-        <p:spPr>
-          <a:xfrm>
-            <a:off x="4526827" y="225282"/>
-            <a:ext cx="720080" cy="307777"/>
-          </a:xfrm>
-          <a:prstGeom prst="rect">
-            <a:avLst/>
-          </a:prstGeom>
-          <a:noFill/>
-        </p:spPr>
-        <p:txBody>
-          <a:bodyPr wrap="square" rtlCol="0">
-            <a:spAutoFit/>
-          </a:bodyPr>
-          <a:lstStyle/>
-          <a:p>
-            <a:r>
-              <a:rPr lang="en-US" altLang="zh-CN" sz="1400" dirty="0" smtClean="0">
-                <a:solidFill>
-                  <a:schemeClr val="bg1"/>
-                </a:solidFill>
-                <a:latin typeface="+mj-lt"/>
-                <a:cs typeface="Arial" pitchFamily="34" charset="0"/>
-              </a:rPr>
-              <a:t>Testing</a:t>
-            </a:r>
-            <a:endParaRPr lang="zh-CN" altLang="en-US" sz="1400" dirty="0">
-              <a:solidFill>
-                <a:schemeClr val="bg1"/>
-              </a:solidFill>
-              <a:latin typeface="+mj-lt"/>
-              <a:cs typeface="Arial" pitchFamily="34" charset="0"/>
-            </a:endParaRPr>
-          </a:p>
-        </p:txBody>
-      </p:sp>
-      <p:sp>
-        <p:nvSpPr>
-          <p:cNvPr id="7" name="矩形 6"/>
-          <p:cNvSpPr/>
-          <p:nvPr/>
-        </p:nvSpPr>
-        <p:spPr>
-          <a:xfrm>
-            <a:off x="-772590" y="212812"/>
-            <a:ext cx="9164230" cy="174049"/>
-          </a:xfrm>
-          <a:prstGeom prst="rect">
-            <a:avLst/>
-          </a:prstGeom>
-          <a:solidFill>
-            <a:schemeClr val="bg1">
-              <a:alpha val="10000"/>
-            </a:schemeClr>
-          </a:solidFill>
-          <a:ln>
-            <a:noFill/>
-          </a:ln>
-        </p:spPr>
-        <p:style>
-          <a:lnRef idx="2">
-            <a:schemeClr val="accent1">
-              <a:shade val="50000"/>
-            </a:schemeClr>
-          </a:lnRef>
-          <a:fillRef idx="1">
-            <a:schemeClr val="accent1"/>
-          </a:fillRef>
-          <a:effectRef idx="0">
-            <a:schemeClr val="accent1"/>
-          </a:effectRef>
-          <a:fontRef idx="minor">
-            <a:schemeClr val="lt1"/>
-          </a:fontRef>
-        </p:style>
-        <p:txBody>
-          <a:bodyPr rtlCol="0" anchor="ctr"/>
-          <a:lstStyle/>
-          <a:p>
-            <a:pPr algn="ctr"/>
-            <a:endParaRPr lang="zh-CN" altLang="en-US" sz="1400"/>
-          </a:p>
-        </p:txBody>
-      </p:sp>
-      <p:sp>
-        <p:nvSpPr>
-          <p:cNvPr id="37" name="TextBox 22"/>
-          <p:cNvSpPr txBox="1"/>
-          <p:nvPr/>
-        </p:nvSpPr>
-        <p:spPr>
-          <a:xfrm>
-            <a:off x="5285036" y="225282"/>
-            <a:ext cx="1142920" cy="307777"/>
-          </a:xfrm>
-          <a:prstGeom prst="rect">
-            <a:avLst/>
-          </a:prstGeom>
-          <a:noFill/>
-        </p:spPr>
-        <p:txBody>
-          <a:bodyPr wrap="square" rtlCol="0">
-            <a:spAutoFit/>
-          </a:bodyPr>
-          <a:lstStyle/>
-          <a:p>
-            <a:r>
-              <a:rPr lang="en-US" altLang="zh-CN" sz="1400" dirty="0" smtClean="0">
-                <a:solidFill>
-                  <a:schemeClr val="bg1"/>
-                </a:solidFill>
-                <a:cs typeface="Arial" pitchFamily="34" charset="0"/>
-              </a:rPr>
-              <a:t>Future</a:t>
-            </a:r>
-            <a:r>
-              <a:rPr lang="zh-CN" altLang="en-US" sz="1400" dirty="0" smtClean="0">
-                <a:solidFill>
-                  <a:schemeClr val="bg1"/>
-                </a:solidFill>
-                <a:cs typeface="Arial" pitchFamily="34" charset="0"/>
-              </a:rPr>
-              <a:t> </a:t>
-            </a:r>
-            <a:r>
-              <a:rPr lang="en-US" altLang="zh-CN" sz="1400" dirty="0" smtClean="0">
-                <a:solidFill>
-                  <a:schemeClr val="bg1"/>
-                </a:solidFill>
-                <a:cs typeface="Arial" pitchFamily="34" charset="0"/>
-              </a:rPr>
-              <a:t>Work</a:t>
-            </a:r>
-            <a:endParaRPr lang="zh-CN" altLang="en-US" sz="1400" dirty="0">
-              <a:solidFill>
-                <a:schemeClr val="bg1"/>
-              </a:solidFill>
-              <a:cs typeface="Arial" pitchFamily="34" charset="0"/>
-            </a:endParaRPr>
-          </a:p>
-        </p:txBody>
-      </p:sp>
-      <p:sp>
-        <p:nvSpPr>
-          <p:cNvPr id="28" name="Rectangle 27"/>
-          <p:cNvSpPr/>
-          <p:nvPr/>
-        </p:nvSpPr>
-        <p:spPr>
-          <a:xfrm>
-            <a:off x="1151149" y="610771"/>
-            <a:ext cx="5237781" cy="646331"/>
-          </a:xfrm>
-          <a:prstGeom prst="rect">
-            <a:avLst/>
-          </a:prstGeom>
-        </p:spPr>
-        <p:txBody>
-          <a:bodyPr wrap="none">
-            <a:spAutoFit/>
-          </a:bodyPr>
-          <a:lstStyle/>
-          <a:p>
-            <a:r>
-              <a:rPr lang="en-US" b="1" dirty="0" err="1"/>
-              <a:t>unordered_map</a:t>
-            </a:r>
-            <a:r>
-              <a:rPr lang="en-US" b="1" dirty="0"/>
-              <a:t>&lt;string, </a:t>
-            </a:r>
-            <a:r>
-              <a:rPr lang="en-US" b="1" dirty="0" err="1"/>
-              <a:t>int</a:t>
-            </a:r>
-            <a:r>
-              <a:rPr lang="en-US" b="1" dirty="0"/>
-              <a:t>&gt;</a:t>
-            </a:r>
-            <a:r>
-              <a:rPr lang="zh-CN" altLang="en-US" b="1" dirty="0"/>
-              <a:t> </a:t>
-            </a:r>
-            <a:r>
-              <a:rPr lang="en-US" altLang="zh-CN" b="1" dirty="0"/>
-              <a:t>table</a:t>
-            </a:r>
-            <a:r>
-              <a:rPr lang="en-US" altLang="zh-CN" b="1" dirty="0" smtClean="0"/>
-              <a:t>;</a:t>
-            </a:r>
-            <a:endParaRPr lang="zh-CN" altLang="en-US" b="1" dirty="0" smtClean="0"/>
-          </a:p>
-          <a:p>
-            <a:r>
-              <a:rPr lang="en-US" b="1" dirty="0" smtClean="0"/>
-              <a:t>vector&lt; </a:t>
-            </a:r>
-            <a:r>
-              <a:rPr lang="en-US" b="1" dirty="0" err="1" smtClean="0"/>
-              <a:t>unordered_map</a:t>
-            </a:r>
-            <a:r>
-              <a:rPr lang="en-US" b="1" dirty="0" smtClean="0"/>
-              <a:t>&lt;string, </a:t>
-            </a:r>
-            <a:r>
-              <a:rPr lang="en-US" b="1" dirty="0" err="1" smtClean="0"/>
-              <a:t>int</a:t>
-            </a:r>
-            <a:r>
-              <a:rPr lang="en-US" b="1" dirty="0" smtClean="0"/>
-              <a:t>&gt;* &gt; </a:t>
-            </a:r>
-            <a:r>
-              <a:rPr lang="en-US" b="1" dirty="0" err="1" smtClean="0"/>
-              <a:t>symbolTable</a:t>
-            </a:r>
-            <a:r>
-              <a:rPr lang="en-US" b="1" dirty="0" smtClean="0"/>
-              <a:t>;</a:t>
-            </a:r>
-          </a:p>
-        </p:txBody>
-      </p:sp>
-      <p:pic>
-        <p:nvPicPr>
-          <p:cNvPr id="29" name="Picture 28"/>
-          <p:cNvPicPr>
-            <a:picLocks noChangeAspect="1"/>
-          </p:cNvPicPr>
-          <p:nvPr/>
-        </p:nvPicPr>
-        <p:blipFill>
-          <a:blip r:embed="rId3"/>
-          <a:stretch>
-            <a:fillRect/>
-          </a:stretch>
-        </p:blipFill>
-        <p:spPr>
-          <a:xfrm>
-            <a:off x="569640" y="1461814"/>
-            <a:ext cx="6400800" cy="4038600"/>
-          </a:xfrm>
-          <a:prstGeom prst="rect">
-            <a:avLst/>
-          </a:prstGeom>
-        </p:spPr>
-      </p:pic>
-      <p:pic>
-        <p:nvPicPr>
-          <p:cNvPr id="30" name="Picture 29"/>
-          <p:cNvPicPr>
-            <a:picLocks noChangeAspect="1"/>
-          </p:cNvPicPr>
-          <p:nvPr/>
-        </p:nvPicPr>
-        <p:blipFill>
-          <a:blip r:embed="rId4"/>
-          <a:stretch>
-            <a:fillRect/>
-          </a:stretch>
-        </p:blipFill>
-        <p:spPr>
-          <a:xfrm>
-            <a:off x="1106302" y="1576114"/>
-            <a:ext cx="5473700" cy="3810000"/>
-          </a:xfrm>
-          <a:prstGeom prst="rect">
-            <a:avLst/>
-          </a:prstGeom>
-        </p:spPr>
-      </p:pic>
-      <p:pic>
-        <p:nvPicPr>
-          <p:cNvPr id="31" name="Picture 30"/>
-          <p:cNvPicPr>
-            <a:picLocks noChangeAspect="1"/>
-          </p:cNvPicPr>
-          <p:nvPr/>
-        </p:nvPicPr>
-        <p:blipFill>
-          <a:blip r:embed="rId5"/>
-          <a:stretch>
-            <a:fillRect/>
-          </a:stretch>
-        </p:blipFill>
-        <p:spPr>
-          <a:xfrm>
-            <a:off x="54744" y="1774071"/>
-            <a:ext cx="3251200" cy="2832100"/>
-          </a:xfrm>
-          <a:prstGeom prst="rect">
-            <a:avLst/>
-          </a:prstGeom>
-        </p:spPr>
-      </p:pic>
-      <p:pic>
-        <p:nvPicPr>
-          <p:cNvPr id="32" name="Picture 31"/>
-          <p:cNvPicPr>
-            <a:picLocks noChangeAspect="1"/>
-          </p:cNvPicPr>
-          <p:nvPr/>
-        </p:nvPicPr>
-        <p:blipFill>
-          <a:blip r:embed="rId6"/>
-          <a:stretch>
-            <a:fillRect/>
-          </a:stretch>
-        </p:blipFill>
-        <p:spPr>
-          <a:xfrm>
-            <a:off x="3573092" y="1562914"/>
-            <a:ext cx="3708400" cy="3657600"/>
-          </a:xfrm>
-          <a:prstGeom prst="rect">
-            <a:avLst/>
-          </a:prstGeom>
-        </p:spPr>
-      </p:pic>
-    </p:spTree>
-    <p:extLst>
-      <p:ext uri="{BB962C8B-B14F-4D97-AF65-F5344CB8AC3E}">
-        <p14:creationId xmlns:p14="http://schemas.microsoft.com/office/powerpoint/2010/main" val="1297594711"/>
-      </p:ext>
-    </p:extLst>
-  </p:cSld>
-  <p:clrMapOvr>
-    <a:masterClrMapping/>
-  </p:clrMapOvr>
-  <mc:AlternateContent xmlns:mc="http://schemas.openxmlformats.org/markup-compatibility/2006" xmlns:p14="http://schemas.microsoft.com/office/powerpoint/2010/main">
-    <mc:Choice Requires="p14">
-      <p:transition spd="slow" p14:dur="2000" advTm="348"/>
-    </mc:Choice>
-    <mc:Fallback xmlns="">
-      <p:transition spd="slow" advTm="348"/>
-    </mc:Fallback>
-  </mc:AlternateContent>
-  <p:timing>
-    <p:tnLst>
-      <p:par>
-        <p:cTn id="1" dur="indefinite" restart="never" nodeType="tmRoot">
-          <p:childTnLst>
-            <p:seq concurrent="1" nextAc="seek">
-              <p:cTn id="2" dur="indefinite" nodeType="mainSeq">
-                <p:childTnLst>
-                  <p:par>
-                    <p:cTn id="3" fill="hold">
-                      <p:stCondLst>
-                        <p:cond delay="indefinite"/>
-                      </p:stCondLst>
-                      <p:childTnLst>
-                        <p:par>
-                          <p:cTn id="4" fill="hold">
-                            <p:stCondLst>
-                              <p:cond delay="0"/>
-                            </p:stCondLst>
-                            <p:childTnLst>
-                              <p:par>
-                                <p:cTn id="5" presetID="42" presetClass="path" presetSubtype="0" accel="52000" decel="48000" fill="hold" grpId="0" nodeType="clickEffect">
-                                  <p:stCondLst>
-                                    <p:cond delay="0"/>
-                                  </p:stCondLst>
-                                  <p:childTnLst>
-                                    <p:animMotion origin="layout" path="M 0.00396 3.33333E-6 L 0.13646 0.00111 " pathEditMode="relative" rAng="0" ptsTypes="AA">
-                                      <p:cBhvr>
-                                        <p:cTn id="6" dur="250" fill="hold"/>
-                                        <p:tgtEl>
-                                          <p:spTgt spid="20"/>
-                                        </p:tgtEl>
-                                        <p:attrNameLst>
-                                          <p:attrName>ppt_x</p:attrName>
-                                          <p:attrName>ppt_y</p:attrName>
-                                        </p:attrNameLst>
-                                      </p:cBhvr>
-                                      <p:rCtr x="6625" y="56"/>
-                                    </p:animMotion>
-                                  </p:childTnLst>
-                                </p:cTn>
-                              </p:par>
-                            </p:childTnLst>
-                          </p:cTn>
-                        </p:par>
-                        <p:par>
-                          <p:cTn id="7" fill="hold">
-                            <p:stCondLst>
-                              <p:cond delay="250"/>
-                            </p:stCondLst>
-                            <p:childTnLst>
-                              <p:par>
-                                <p:cTn id="8" presetID="26" presetClass="emph" presetSubtype="0" repeatCount="2000" fill="hold" grpId="1" nodeType="afterEffect">
-                                  <p:stCondLst>
-                                    <p:cond delay="0"/>
-                                  </p:stCondLst>
-                                  <p:childTnLst>
-                                    <p:animEffect transition="out" filter="fade">
-                                      <p:cBhvr>
-                                        <p:cTn id="9" dur="250" tmFilter="0, 0; .2, .5; .8, .5; 1, 0"/>
-                                        <p:tgtEl>
-                                          <p:spTgt spid="20"/>
-                                        </p:tgtEl>
-                                      </p:cBhvr>
-                                    </p:animEffect>
-                                    <p:animScale>
-                                      <p:cBhvr>
-                                        <p:cTn id="10" dur="125" autoRev="1" fill="hold"/>
-                                        <p:tgtEl>
-                                          <p:spTgt spid="20"/>
-                                        </p:tgtEl>
-                                      </p:cBhvr>
-                                      <p:by x="105000" y="105000"/>
-                                    </p:animScale>
-                                  </p:childTnLst>
-                                </p:cTn>
-                              </p:par>
-                            </p:childTnLst>
-                          </p:cTn>
-                        </p:par>
-                      </p:childTnLst>
-                    </p:cTn>
-                  </p:par>
-                  <p:par>
-                    <p:cTn id="11" fill="hold">
-                      <p:stCondLst>
-                        <p:cond delay="indefinite"/>
-                      </p:stCondLst>
-                      <p:childTnLst>
-                        <p:par>
-                          <p:cTn id="12" fill="hold">
-                            <p:stCondLst>
-                              <p:cond delay="0"/>
-                            </p:stCondLst>
-                            <p:childTnLst>
-                              <p:par>
-                                <p:cTn id="13" presetID="9" presetClass="entr" presetSubtype="0" fill="hold" grpId="0" nodeType="clickEffect">
-                                  <p:stCondLst>
-                                    <p:cond delay="0"/>
-                                  </p:stCondLst>
-                                  <p:childTnLst>
-                                    <p:set>
-                                      <p:cBhvr>
-                                        <p:cTn id="14" dur="1" fill="hold">
-                                          <p:stCondLst>
-                                            <p:cond delay="0"/>
-                                          </p:stCondLst>
-                                        </p:cTn>
-                                        <p:tgtEl>
-                                          <p:spTgt spid="28"/>
-                                        </p:tgtEl>
-                                        <p:attrNameLst>
-                                          <p:attrName>style.visibility</p:attrName>
-                                        </p:attrNameLst>
-                                      </p:cBhvr>
-                                      <p:to>
-                                        <p:strVal val="visible"/>
-                                      </p:to>
-                                    </p:set>
-                                    <p:animEffect transition="in" filter="dissolve">
-                                      <p:cBhvr>
-                                        <p:cTn id="15" dur="500"/>
-                                        <p:tgtEl>
-                                          <p:spTgt spid="28"/>
-                                        </p:tgtEl>
-                                      </p:cBhvr>
-                                    </p:animEffect>
-                                  </p:childTnLst>
-                                </p:cTn>
-                              </p:par>
-                            </p:childTnLst>
-                          </p:cTn>
-                        </p:par>
-                      </p:childTnLst>
-                    </p:cTn>
-                  </p:par>
-                  <p:par>
-                    <p:cTn id="16" fill="hold">
-                      <p:stCondLst>
-                        <p:cond delay="indefinite"/>
-                      </p:stCondLst>
-                      <p:childTnLst>
-                        <p:par>
-                          <p:cTn id="17" fill="hold">
-                            <p:stCondLst>
-                              <p:cond delay="0"/>
-                            </p:stCondLst>
-                            <p:childTnLst>
-                              <p:par>
-                                <p:cTn id="18" presetID="10" presetClass="entr" presetSubtype="0" fill="hold" nodeType="clickEffect">
-                                  <p:stCondLst>
-                                    <p:cond delay="0"/>
-                                  </p:stCondLst>
-                                  <p:childTnLst>
-                                    <p:set>
-                                      <p:cBhvr>
-                                        <p:cTn id="19" dur="1" fill="hold">
-                                          <p:stCondLst>
-                                            <p:cond delay="0"/>
-                                          </p:stCondLst>
-                                        </p:cTn>
-                                        <p:tgtEl>
-                                          <p:spTgt spid="29"/>
-                                        </p:tgtEl>
-                                        <p:attrNameLst>
-                                          <p:attrName>style.visibility</p:attrName>
-                                        </p:attrNameLst>
-                                      </p:cBhvr>
-                                      <p:to>
-                                        <p:strVal val="visible"/>
-                                      </p:to>
-                                    </p:set>
-                                    <p:animEffect transition="in" filter="fade">
-                                      <p:cBhvr>
-                                        <p:cTn id="20" dur="1000"/>
-                                        <p:tgtEl>
-                                          <p:spTgt spid="29"/>
-                                        </p:tgtEl>
-                                      </p:cBhvr>
-                                    </p:animEffect>
-                                  </p:childTnLst>
-                                </p:cTn>
-                              </p:par>
-                              <p:par>
-                                <p:cTn id="21" presetID="42" presetClass="path" presetSubtype="0" accel="50000" decel="50000" fill="hold" nodeType="withEffect">
-                                  <p:stCondLst>
-                                    <p:cond delay="0"/>
-                                  </p:stCondLst>
-                                  <p:childTnLst>
-                                    <p:animMotion origin="layout" path="M -1.11022E-16 -0.05556 L -1.11022E-16 0.5 " pathEditMode="relative" rAng="0" ptsTypes="AA">
-                                      <p:cBhvr>
-                                        <p:cTn id="22" dur="1000" spd="-100000" fill="hold"/>
-                                        <p:tgtEl>
-                                          <p:spTgt spid="29"/>
-                                        </p:tgtEl>
-                                        <p:attrNameLst>
-                                          <p:attrName>ppt_x</p:attrName>
-                                          <p:attrName>ppt_y</p:attrName>
-                                        </p:attrNameLst>
-                                      </p:cBhvr>
-                                      <p:rCtr x="0" y="27778"/>
-                                    </p:animMotion>
-                                  </p:childTnLst>
-                                </p:cTn>
-                              </p:par>
-                            </p:childTnLst>
-                          </p:cTn>
-                        </p:par>
-                        <p:par>
-                          <p:cTn id="23" fill="hold">
-                            <p:stCondLst>
-                              <p:cond delay="1000"/>
-                            </p:stCondLst>
-                            <p:childTnLst>
-                              <p:par>
-                                <p:cTn id="24" presetID="64" presetClass="path" presetSubtype="0" accel="50000" decel="50000" fill="hold" nodeType="afterEffect">
-                                  <p:stCondLst>
-                                    <p:cond delay="0"/>
-                                  </p:stCondLst>
-                                  <p:childTnLst>
-                                    <p:animMotion origin="layout" path="M -1.11022E-16 -0.05556 L -1.11022E-16 0 " pathEditMode="relative" rAng="0" ptsTypes="AA">
-                                      <p:cBhvr>
-                                        <p:cTn id="25" dur="1000" fill="hold"/>
-                                        <p:tgtEl>
-                                          <p:spTgt spid="29"/>
-                                        </p:tgtEl>
-                                        <p:attrNameLst>
-                                          <p:attrName>ppt_x</p:attrName>
-                                          <p:attrName>ppt_y</p:attrName>
-                                        </p:attrNameLst>
-                                      </p:cBhvr>
-                                      <p:rCtr x="0" y="2778"/>
-                                    </p:animMotion>
-                                  </p:childTnLst>
-                                </p:cTn>
-                              </p:par>
-                            </p:childTnLst>
-                          </p:cTn>
-                        </p:par>
-                      </p:childTnLst>
-                    </p:cTn>
-                  </p:par>
-                  <p:par>
-                    <p:cTn id="26" fill="hold">
-                      <p:stCondLst>
-                        <p:cond delay="indefinite"/>
-                      </p:stCondLst>
-                      <p:childTnLst>
-                        <p:par>
-                          <p:cTn id="27" fill="hold">
-                            <p:stCondLst>
-                              <p:cond delay="0"/>
-                            </p:stCondLst>
-                            <p:childTnLst>
-                              <p:par>
-                                <p:cTn id="28" presetID="10" presetClass="exit" presetSubtype="0" fill="hold" nodeType="clickEffect">
-                                  <p:stCondLst>
-                                    <p:cond delay="0"/>
-                                  </p:stCondLst>
-                                  <p:childTnLst>
-                                    <p:animEffect transition="out" filter="fade">
-                                      <p:cBhvr>
-                                        <p:cTn id="29" dur="500"/>
-                                        <p:tgtEl>
-                                          <p:spTgt spid="29"/>
-                                        </p:tgtEl>
-                                      </p:cBhvr>
-                                    </p:animEffect>
-                                    <p:set>
-                                      <p:cBhvr>
-                                        <p:cTn id="30" dur="1" fill="hold">
-                                          <p:stCondLst>
-                                            <p:cond delay="499"/>
-                                          </p:stCondLst>
-                                        </p:cTn>
-                                        <p:tgtEl>
-                                          <p:spTgt spid="29"/>
-                                        </p:tgtEl>
-                                        <p:attrNameLst>
-                                          <p:attrName>style.visibility</p:attrName>
-                                        </p:attrNameLst>
-                                      </p:cBhvr>
-                                      <p:to>
-                                        <p:strVal val="hidden"/>
-                                      </p:to>
-                                    </p:set>
-                                  </p:childTnLst>
-                                </p:cTn>
-                              </p:par>
-                            </p:childTnLst>
-                          </p:cTn>
-                        </p:par>
-                      </p:childTnLst>
-                    </p:cTn>
-                  </p:par>
-                  <p:par>
-                    <p:cTn id="31" fill="hold">
-                      <p:stCondLst>
-                        <p:cond delay="indefinite"/>
-                      </p:stCondLst>
-                      <p:childTnLst>
-                        <p:par>
-                          <p:cTn id="32" fill="hold">
-                            <p:stCondLst>
-                              <p:cond delay="0"/>
-                            </p:stCondLst>
-                            <p:childTnLst>
-                              <p:par>
-                                <p:cTn id="33" presetID="10" presetClass="entr" presetSubtype="0" fill="hold" nodeType="clickEffect">
-                                  <p:stCondLst>
-                                    <p:cond delay="0"/>
-                                  </p:stCondLst>
-                                  <p:childTnLst>
-                                    <p:set>
-                                      <p:cBhvr>
-                                        <p:cTn id="34" dur="1" fill="hold">
-                                          <p:stCondLst>
-                                            <p:cond delay="0"/>
-                                          </p:stCondLst>
-                                        </p:cTn>
-                                        <p:tgtEl>
-                                          <p:spTgt spid="30"/>
-                                        </p:tgtEl>
-                                        <p:attrNameLst>
-                                          <p:attrName>style.visibility</p:attrName>
-                                        </p:attrNameLst>
-                                      </p:cBhvr>
-                                      <p:to>
-                                        <p:strVal val="visible"/>
-                                      </p:to>
-                                    </p:set>
-                                    <p:animEffect transition="in" filter="fade">
-                                      <p:cBhvr>
-                                        <p:cTn id="35" dur="1000"/>
-                                        <p:tgtEl>
-                                          <p:spTgt spid="30"/>
-                                        </p:tgtEl>
-                                      </p:cBhvr>
-                                    </p:animEffect>
-                                  </p:childTnLst>
-                                </p:cTn>
-                              </p:par>
-                              <p:par>
-                                <p:cTn id="36" presetID="42" presetClass="path" presetSubtype="0" accel="50000" decel="50000" fill="hold" nodeType="withEffect">
-                                  <p:stCondLst>
-                                    <p:cond delay="0"/>
-                                  </p:stCondLst>
-                                  <p:childTnLst>
-                                    <p:animMotion origin="layout" path="M 5E-6 -0.05556 L 5E-6 0.5 " pathEditMode="relative" rAng="0" ptsTypes="AA">
-                                      <p:cBhvr>
-                                        <p:cTn id="37" dur="1000" spd="-100000" fill="hold"/>
-                                        <p:tgtEl>
-                                          <p:spTgt spid="30"/>
-                                        </p:tgtEl>
-                                        <p:attrNameLst>
-                                          <p:attrName>ppt_x</p:attrName>
-                                          <p:attrName>ppt_y</p:attrName>
-                                        </p:attrNameLst>
-                                      </p:cBhvr>
-                                      <p:rCtr x="0" y="27778"/>
-                                    </p:animMotion>
-                                  </p:childTnLst>
-                                </p:cTn>
-                              </p:par>
-                            </p:childTnLst>
-                          </p:cTn>
-                        </p:par>
-                        <p:par>
-                          <p:cTn id="38" fill="hold">
-                            <p:stCondLst>
-                              <p:cond delay="1000"/>
-                            </p:stCondLst>
-                            <p:childTnLst>
-                              <p:par>
-                                <p:cTn id="39" presetID="64" presetClass="path" presetSubtype="0" accel="50000" decel="50000" fill="hold" nodeType="afterEffect">
-                                  <p:stCondLst>
-                                    <p:cond delay="0"/>
-                                  </p:stCondLst>
-                                  <p:childTnLst>
-                                    <p:animMotion origin="layout" path="M 5E-6 -0.05556 L 5E-6 3.33333E-6 " pathEditMode="relative" rAng="0" ptsTypes="AA">
-                                      <p:cBhvr>
-                                        <p:cTn id="40" dur="1000" fill="hold"/>
-                                        <p:tgtEl>
-                                          <p:spTgt spid="30"/>
-                                        </p:tgtEl>
-                                        <p:attrNameLst>
-                                          <p:attrName>ppt_x</p:attrName>
-                                          <p:attrName>ppt_y</p:attrName>
-                                        </p:attrNameLst>
-                                      </p:cBhvr>
-                                      <p:rCtr x="0" y="2778"/>
-                                    </p:animMotion>
-                                  </p:childTnLst>
-                                </p:cTn>
-                              </p:par>
-                            </p:childTnLst>
-                          </p:cTn>
-                        </p:par>
-                      </p:childTnLst>
-                    </p:cTn>
-                  </p:par>
-                  <p:par>
-                    <p:cTn id="41" fill="hold">
-                      <p:stCondLst>
-                        <p:cond delay="indefinite"/>
-                      </p:stCondLst>
-                      <p:childTnLst>
-                        <p:par>
-                          <p:cTn id="42" fill="hold">
-                            <p:stCondLst>
-                              <p:cond delay="0"/>
-                            </p:stCondLst>
-                            <p:childTnLst>
-                              <p:par>
-                                <p:cTn id="43" presetID="10" presetClass="exit" presetSubtype="0" fill="hold" nodeType="clickEffect">
-                                  <p:stCondLst>
-                                    <p:cond delay="0"/>
-                                  </p:stCondLst>
-                                  <p:childTnLst>
-                                    <p:animEffect transition="out" filter="fade">
-                                      <p:cBhvr>
-                                        <p:cTn id="44" dur="500"/>
-                                        <p:tgtEl>
-                                          <p:spTgt spid="30"/>
-                                        </p:tgtEl>
-                                      </p:cBhvr>
-                                    </p:animEffect>
-                                    <p:set>
-                                      <p:cBhvr>
-                                        <p:cTn id="45" dur="1" fill="hold">
-                                          <p:stCondLst>
-                                            <p:cond delay="499"/>
-                                          </p:stCondLst>
-                                        </p:cTn>
-                                        <p:tgtEl>
-                                          <p:spTgt spid="30"/>
-                                        </p:tgtEl>
-                                        <p:attrNameLst>
-                                          <p:attrName>style.visibility</p:attrName>
-                                        </p:attrNameLst>
-                                      </p:cBhvr>
-                                      <p:to>
-                                        <p:strVal val="hidden"/>
-                                      </p:to>
-                                    </p:set>
-                                  </p:childTnLst>
-                                </p:cTn>
-                              </p:par>
-                            </p:childTnLst>
-                          </p:cTn>
-                        </p:par>
-                      </p:childTnLst>
-                    </p:cTn>
-                  </p:par>
-                  <p:par>
-                    <p:cTn id="46" fill="hold">
-                      <p:stCondLst>
-                        <p:cond delay="indefinite"/>
-                      </p:stCondLst>
-                      <p:childTnLst>
-                        <p:par>
-                          <p:cTn id="47" fill="hold">
-                            <p:stCondLst>
-                              <p:cond delay="0"/>
-                            </p:stCondLst>
-                            <p:childTnLst>
-                              <p:par>
-                                <p:cTn id="48" presetID="10" presetClass="entr" presetSubtype="0" fill="hold" nodeType="clickEffect">
-                                  <p:stCondLst>
-                                    <p:cond delay="0"/>
-                                  </p:stCondLst>
-                                  <p:childTnLst>
-                                    <p:set>
-                                      <p:cBhvr>
-                                        <p:cTn id="49" dur="1" fill="hold">
-                                          <p:stCondLst>
-                                            <p:cond delay="0"/>
-                                          </p:stCondLst>
-                                        </p:cTn>
-                                        <p:tgtEl>
-                                          <p:spTgt spid="31"/>
-                                        </p:tgtEl>
-                                        <p:attrNameLst>
-                                          <p:attrName>style.visibility</p:attrName>
-                                        </p:attrNameLst>
-                                      </p:cBhvr>
-                                      <p:to>
-                                        <p:strVal val="visible"/>
-                                      </p:to>
-                                    </p:set>
-                                    <p:animEffect transition="in" filter="fade">
-                                      <p:cBhvr>
-                                        <p:cTn id="50" dur="1000"/>
-                                        <p:tgtEl>
-                                          <p:spTgt spid="31"/>
-                                        </p:tgtEl>
-                                      </p:cBhvr>
-                                    </p:animEffect>
-                                  </p:childTnLst>
-                                </p:cTn>
-                              </p:par>
-                              <p:par>
-                                <p:cTn id="51" presetID="42" presetClass="path" presetSubtype="0" accel="50000" decel="50000" fill="hold" nodeType="withEffect">
-                                  <p:stCondLst>
-                                    <p:cond delay="0"/>
-                                  </p:stCondLst>
-                                  <p:childTnLst>
-                                    <p:animMotion origin="layout" path="M 5E-6 -0.05556 L 5E-6 0.5 " pathEditMode="relative" rAng="0" ptsTypes="AA">
-                                      <p:cBhvr>
-                                        <p:cTn id="52" dur="1000" spd="-100000" fill="hold"/>
-                                        <p:tgtEl>
-                                          <p:spTgt spid="31"/>
-                                        </p:tgtEl>
-                                        <p:attrNameLst>
-                                          <p:attrName>ppt_x</p:attrName>
-                                          <p:attrName>ppt_y</p:attrName>
-                                        </p:attrNameLst>
-                                      </p:cBhvr>
-                                      <p:rCtr x="0" y="27778"/>
-                                    </p:animMotion>
-                                  </p:childTnLst>
-                                </p:cTn>
-                              </p:par>
-                            </p:childTnLst>
-                          </p:cTn>
-                        </p:par>
-                        <p:par>
-                          <p:cTn id="53" fill="hold">
-                            <p:stCondLst>
-                              <p:cond delay="1000"/>
-                            </p:stCondLst>
-                            <p:childTnLst>
-                              <p:par>
-                                <p:cTn id="54" presetID="64" presetClass="path" presetSubtype="0" accel="50000" decel="50000" fill="hold" nodeType="afterEffect">
-                                  <p:stCondLst>
-                                    <p:cond delay="0"/>
-                                  </p:stCondLst>
-                                  <p:childTnLst>
-                                    <p:animMotion origin="layout" path="M 5E-6 -0.05556 L 5E-6 3.33333E-6 " pathEditMode="relative" rAng="0" ptsTypes="AA">
-                                      <p:cBhvr>
-                                        <p:cTn id="55" dur="1000" fill="hold"/>
-                                        <p:tgtEl>
-                                          <p:spTgt spid="31"/>
-                                        </p:tgtEl>
-                                        <p:attrNameLst>
-                                          <p:attrName>ppt_x</p:attrName>
-                                          <p:attrName>ppt_y</p:attrName>
-                                        </p:attrNameLst>
-                                      </p:cBhvr>
-                                      <p:rCtr x="0" y="2778"/>
-                                    </p:animMotion>
-                                  </p:childTnLst>
-                                </p:cTn>
-                              </p:par>
-                            </p:childTnLst>
-                          </p:cTn>
-                        </p:par>
-                      </p:childTnLst>
-                    </p:cTn>
-                  </p:par>
-                  <p:par>
-                    <p:cTn id="56" fill="hold">
-                      <p:stCondLst>
-                        <p:cond delay="indefinite"/>
-                      </p:stCondLst>
-                      <p:childTnLst>
-                        <p:par>
-                          <p:cTn id="57" fill="hold">
-                            <p:stCondLst>
-                              <p:cond delay="0"/>
-                            </p:stCondLst>
-                            <p:childTnLst>
-                              <p:par>
-                                <p:cTn id="58" presetID="10" presetClass="entr" presetSubtype="0" fill="hold" nodeType="clickEffect">
-                                  <p:stCondLst>
-                                    <p:cond delay="0"/>
-                                  </p:stCondLst>
-                                  <p:childTnLst>
-                                    <p:set>
-                                      <p:cBhvr>
-                                        <p:cTn id="59" dur="1" fill="hold">
-                                          <p:stCondLst>
-                                            <p:cond delay="0"/>
-                                          </p:stCondLst>
-                                        </p:cTn>
-                                        <p:tgtEl>
-                                          <p:spTgt spid="32"/>
-                                        </p:tgtEl>
-                                        <p:attrNameLst>
-                                          <p:attrName>style.visibility</p:attrName>
-                                        </p:attrNameLst>
-                                      </p:cBhvr>
-                                      <p:to>
-                                        <p:strVal val="visible"/>
-                                      </p:to>
-                                    </p:set>
-                                    <p:animEffect transition="in" filter="fade">
-                                      <p:cBhvr>
-                                        <p:cTn id="60" dur="1000"/>
-                                        <p:tgtEl>
-                                          <p:spTgt spid="32"/>
-                                        </p:tgtEl>
-                                      </p:cBhvr>
-                                    </p:animEffect>
-                                  </p:childTnLst>
-                                </p:cTn>
-                              </p:par>
-                              <p:par>
-                                <p:cTn id="61" presetID="42" presetClass="path" presetSubtype="0" accel="50000" decel="50000" fill="hold" nodeType="withEffect">
-                                  <p:stCondLst>
-                                    <p:cond delay="0"/>
-                                  </p:stCondLst>
-                                  <p:childTnLst>
-                                    <p:animMotion origin="layout" path="M 5E-6 -0.05556 L 5E-6 0.5 " pathEditMode="relative" rAng="0" ptsTypes="AA">
-                                      <p:cBhvr>
-                                        <p:cTn id="62" dur="1000" spd="-100000" fill="hold"/>
-                                        <p:tgtEl>
-                                          <p:spTgt spid="32"/>
-                                        </p:tgtEl>
-                                        <p:attrNameLst>
-                                          <p:attrName>ppt_x</p:attrName>
-                                          <p:attrName>ppt_y</p:attrName>
-                                        </p:attrNameLst>
-                                      </p:cBhvr>
-                                      <p:rCtr x="0" y="27778"/>
-                                    </p:animMotion>
-                                  </p:childTnLst>
-                                </p:cTn>
-                              </p:par>
-                            </p:childTnLst>
-                          </p:cTn>
-                        </p:par>
-                        <p:par>
-                          <p:cTn id="63" fill="hold">
-                            <p:stCondLst>
-                              <p:cond delay="1000"/>
-                            </p:stCondLst>
-                            <p:childTnLst>
-                              <p:par>
-                                <p:cTn id="64" presetID="64" presetClass="path" presetSubtype="0" accel="50000" decel="50000" fill="hold" nodeType="afterEffect">
-                                  <p:stCondLst>
-                                    <p:cond delay="0"/>
-                                  </p:stCondLst>
-                                  <p:childTnLst>
-                                    <p:animMotion origin="layout" path="M 5E-6 -0.05556 L 5E-6 3.33333E-6 " pathEditMode="relative" rAng="0" ptsTypes="AA">
-                                      <p:cBhvr>
-                                        <p:cTn id="65" dur="1000" fill="hold"/>
-                                        <p:tgtEl>
-                                          <p:spTgt spid="32"/>
-                                        </p:tgtEl>
-                                        <p:attrNameLst>
-                                          <p:attrName>ppt_x</p:attrName>
-                                          <p:attrName>ppt_y</p:attrName>
-                                        </p:attrNameLst>
-                                      </p:cBhvr>
-                                      <p:rCtr x="0" y="2778"/>
-                                    </p:animMotion>
-                                  </p:childTnLst>
-                                </p:cTn>
-                              </p:par>
-                            </p:childTnLst>
-                          </p:cTn>
-                        </p:par>
-                      </p:childTnLst>
-                    </p:cTn>
-                  </p:par>
-                </p:childTnLst>
-              </p:cTn>
-              <p:prevCondLst>
-                <p:cond evt="onPrev" delay="0">
-                  <p:tgtEl>
-                    <p:sldTgt/>
-                  </p:tgtEl>
-                </p:cond>
-              </p:prevCondLst>
-              <p:nextCondLst>
-                <p:cond evt="onNext" delay="0">
-                  <p:tgtEl>
-                    <p:sldTgt/>
-                  </p:tgtEl>
-                </p:cond>
-              </p:nextCondLst>
-            </p:seq>
-          </p:childTnLst>
-        </p:cTn>
-      </p:par>
-    </p:tnLst>
-    <p:bldLst>
-      <p:bldP spid="20" grpId="0" animBg="1"/>
-      <p:bldP spid="20" grpId="1" animBg="1"/>
-      <p:bldP spid="28" grpId="0"/>
-    </p:bldLst>
-  </p:timing>
-</p:sld>
-</file>
-
-<file path=ppt/slides/slide7.xml><?xml version="1.0" encoding="utf-8"?>
 <p:sld xmlns:a="http://schemas.openxmlformats.org/drawingml/2006/main" xmlns:r="http://schemas.openxmlformats.org/officeDocument/2006/relationships" xmlns:p="http://schemas.openxmlformats.org/presentationml/2006/main">
   <p:cSld>
     <p:spTree>
@@ -17820,7 +13112,7 @@
 </p:sld>
 </file>
 
-<file path=ppt/slides/slide8.xml><?xml version="1.0" encoding="utf-8"?>
+<file path=ppt/slides/slide7.xml><?xml version="1.0" encoding="utf-8"?>
 <p:sld xmlns:a="http://schemas.openxmlformats.org/drawingml/2006/main" xmlns:r="http://schemas.openxmlformats.org/officeDocument/2006/relationships" xmlns:p="http://schemas.openxmlformats.org/presentationml/2006/main">
   <p:cSld>
     <p:spTree>
@@ -19127,7 +14419,7 @@
 </p:sld>
 </file>
 
-<file path=ppt/slides/slide9.xml><?xml version="1.0" encoding="utf-8"?>
+<file path=ppt/slides/slide8.xml><?xml version="1.0" encoding="utf-8"?>
 <p:sld xmlns:a="http://schemas.openxmlformats.org/drawingml/2006/main" xmlns:r="http://schemas.openxmlformats.org/officeDocument/2006/relationships" xmlns:p="http://schemas.openxmlformats.org/presentationml/2006/main">
   <p:cSld>
     <p:spTree>
@@ -20417,6 +15709,3448 @@
       <p:bldP spid="20" grpId="0" animBg="1"/>
       <p:bldP spid="20" grpId="1" animBg="1"/>
       <p:bldP spid="28" grpId="0"/>
+    </p:bldLst>
+  </p:timing>
+</p:sld>
+</file>
+
+<file path=ppt/slides/slide9.xml><?xml version="1.0" encoding="utf-8"?>
+<p:sld xmlns:a="http://schemas.openxmlformats.org/drawingml/2006/main" xmlns:r="http://schemas.openxmlformats.org/officeDocument/2006/relationships" xmlns:p="http://schemas.openxmlformats.org/presentationml/2006/main">
+  <p:cSld>
+    <p:spTree>
+      <p:nvGrpSpPr>
+        <p:cNvPr id="1" name=""/>
+        <p:cNvGrpSpPr/>
+        <p:nvPr/>
+      </p:nvGrpSpPr>
+      <p:grpSpPr>
+        <a:xfrm>
+          <a:off x="0" y="0"/>
+          <a:ext cx="0" cy="0"/>
+          <a:chOff x="0" y="0"/>
+          <a:chExt cx="0" cy="0"/>
+        </a:xfrm>
+      </p:grpSpPr>
+      <p:sp>
+        <p:nvSpPr>
+          <p:cNvPr id="4" name="圆角矩形 3"/>
+          <p:cNvSpPr/>
+          <p:nvPr/>
+        </p:nvSpPr>
+        <p:spPr>
+          <a:xfrm>
+            <a:off x="3161928" y="1777380"/>
+            <a:ext cx="3744416" cy="1224136"/>
+          </a:xfrm>
+          <a:prstGeom prst="roundRect">
+            <a:avLst>
+              <a:gd name="adj" fmla="val 0"/>
+            </a:avLst>
+          </a:prstGeom>
+          <a:gradFill>
+            <a:gsLst>
+              <a:gs pos="0">
+                <a:srgbClr val="717171"/>
+              </a:gs>
+              <a:gs pos="50000">
+                <a:srgbClr val="5B5B5B"/>
+              </a:gs>
+              <a:gs pos="100000">
+                <a:srgbClr val="717171"/>
+              </a:gs>
+            </a:gsLst>
+            <a:lin ang="5400000" scaled="0"/>
+          </a:gradFill>
+          <a:ln w="3175">
+            <a:solidFill>
+              <a:srgbClr val="5B5B5B"/>
+            </a:solidFill>
+          </a:ln>
+          <a:effectLst>
+            <a:reflection blurRad="6350" stA="52000" endA="300" endPos="35000" dir="5400000" sy="-100000" algn="bl" rotWithShape="0"/>
+          </a:effectLst>
+        </p:spPr>
+        <p:style>
+          <a:lnRef idx="2">
+            <a:schemeClr val="accent1">
+              <a:shade val="50000"/>
+            </a:schemeClr>
+          </a:lnRef>
+          <a:fillRef idx="1">
+            <a:schemeClr val="accent1"/>
+          </a:fillRef>
+          <a:effectRef idx="0">
+            <a:schemeClr val="accent1"/>
+          </a:effectRef>
+          <a:fontRef idx="minor">
+            <a:schemeClr val="lt1"/>
+          </a:fontRef>
+        </p:style>
+        <p:txBody>
+          <a:bodyPr rtlCol="0" anchor="ctr"/>
+          <a:lstStyle/>
+          <a:p>
+            <a:pPr algn="ctr"/>
+            <a:r>
+              <a:rPr lang="en-US" altLang="zh-CN" sz="2400" spc="200" dirty="0" smtClean="0">
+                <a:latin typeface="微软雅黑" pitchFamily="34" charset="-122"/>
+                <a:ea typeface="微软雅黑" pitchFamily="34" charset="-122"/>
+              </a:rPr>
+              <a:t>51300</a:t>
+            </a:r>
+            <a:endParaRPr lang="zh-CN" altLang="en-US" sz="2400" spc="200" dirty="0" smtClean="0">
+              <a:latin typeface="微软雅黑" pitchFamily="34" charset="-122"/>
+              <a:ea typeface="微软雅黑" pitchFamily="34" charset="-122"/>
+            </a:endParaRPr>
+          </a:p>
+          <a:p>
+            <a:pPr algn="ctr"/>
+            <a:r>
+              <a:rPr lang="en-US" altLang="zh-CN" sz="2400" spc="200" dirty="0" smtClean="0">
+                <a:latin typeface="微软雅黑" pitchFamily="34" charset="-122"/>
+                <a:ea typeface="微软雅黑" pitchFamily="34" charset="-122"/>
+              </a:rPr>
+              <a:t>Compiler</a:t>
+            </a:r>
+            <a:r>
+              <a:rPr lang="zh-CN" altLang="en-US" sz="2400" spc="200" dirty="0" smtClean="0">
+                <a:latin typeface="微软雅黑" pitchFamily="34" charset="-122"/>
+                <a:ea typeface="微软雅黑" pitchFamily="34" charset="-122"/>
+              </a:rPr>
+              <a:t> </a:t>
+            </a:r>
+            <a:r>
+              <a:rPr lang="en-US" altLang="zh-CN" sz="2400" spc="200" dirty="0">
+                <a:latin typeface="微软雅黑" pitchFamily="34" charset="-122"/>
+                <a:ea typeface="微软雅黑" pitchFamily="34" charset="-122"/>
+              </a:rPr>
+              <a:t>Project</a:t>
+            </a:r>
+            <a:endParaRPr lang="zh-CN" altLang="en-US" sz="2400" spc="200" dirty="0">
+              <a:latin typeface="微软雅黑" pitchFamily="34" charset="-122"/>
+              <a:ea typeface="微软雅黑" pitchFamily="34" charset="-122"/>
+            </a:endParaRPr>
+          </a:p>
+        </p:txBody>
+      </p:sp>
+      <p:sp>
+        <p:nvSpPr>
+          <p:cNvPr id="5" name="矩形 4"/>
+          <p:cNvSpPr/>
+          <p:nvPr/>
+        </p:nvSpPr>
+        <p:spPr>
+          <a:xfrm>
+            <a:off x="1280030" y="-740618"/>
+            <a:ext cx="285752" cy="6858002"/>
+          </a:xfrm>
+          <a:prstGeom prst="rect">
+            <a:avLst/>
+          </a:prstGeom>
+          <a:solidFill>
+            <a:schemeClr val="bg1"/>
+          </a:solidFill>
+          <a:ln>
+            <a:noFill/>
+          </a:ln>
+        </p:spPr>
+        <p:style>
+          <a:lnRef idx="2">
+            <a:schemeClr val="accent1">
+              <a:shade val="50000"/>
+            </a:schemeClr>
+          </a:lnRef>
+          <a:fillRef idx="1">
+            <a:schemeClr val="accent1"/>
+          </a:fillRef>
+          <a:effectRef idx="0">
+            <a:schemeClr val="accent1"/>
+          </a:effectRef>
+          <a:fontRef idx="minor">
+            <a:schemeClr val="lt1"/>
+          </a:fontRef>
+        </p:style>
+        <p:txBody>
+          <a:bodyPr rtlCol="0" anchor="ctr"/>
+          <a:lstStyle/>
+          <a:p>
+            <a:pPr algn="ctr"/>
+            <a:endParaRPr lang="zh-CN" altLang="en-US"/>
+          </a:p>
+        </p:txBody>
+      </p:sp>
+      <p:sp>
+        <p:nvSpPr>
+          <p:cNvPr id="6" name="矩形 5"/>
+          <p:cNvSpPr/>
+          <p:nvPr/>
+        </p:nvSpPr>
+        <p:spPr>
+          <a:xfrm>
+            <a:off x="1637220" y="-740618"/>
+            <a:ext cx="71438" cy="6858002"/>
+          </a:xfrm>
+          <a:prstGeom prst="rect">
+            <a:avLst/>
+          </a:prstGeom>
+          <a:solidFill>
+            <a:schemeClr val="bg1"/>
+          </a:solidFill>
+          <a:ln>
+            <a:noFill/>
+          </a:ln>
+        </p:spPr>
+        <p:style>
+          <a:lnRef idx="2">
+            <a:schemeClr val="accent1">
+              <a:shade val="50000"/>
+            </a:schemeClr>
+          </a:lnRef>
+          <a:fillRef idx="1">
+            <a:schemeClr val="accent1"/>
+          </a:fillRef>
+          <a:effectRef idx="0">
+            <a:schemeClr val="accent1"/>
+          </a:effectRef>
+          <a:fontRef idx="minor">
+            <a:schemeClr val="lt1"/>
+          </a:fontRef>
+        </p:style>
+        <p:txBody>
+          <a:bodyPr rtlCol="0" anchor="ctr"/>
+          <a:lstStyle/>
+          <a:p>
+            <a:pPr algn="ctr"/>
+            <a:endParaRPr lang="zh-CN" altLang="en-US"/>
+          </a:p>
+        </p:txBody>
+      </p:sp>
+      <p:sp>
+        <p:nvSpPr>
+          <p:cNvPr id="7" name="矩形 6"/>
+          <p:cNvSpPr/>
+          <p:nvPr/>
+        </p:nvSpPr>
+        <p:spPr>
+          <a:xfrm>
+            <a:off x="1935672" y="-740616"/>
+            <a:ext cx="142876" cy="6858000"/>
+          </a:xfrm>
+          <a:prstGeom prst="rect">
+            <a:avLst/>
+          </a:prstGeom>
+          <a:solidFill>
+            <a:schemeClr val="bg1"/>
+          </a:solidFill>
+          <a:ln>
+            <a:noFill/>
+          </a:ln>
+        </p:spPr>
+        <p:style>
+          <a:lnRef idx="2">
+            <a:schemeClr val="accent1">
+              <a:shade val="50000"/>
+            </a:schemeClr>
+          </a:lnRef>
+          <a:fillRef idx="1">
+            <a:schemeClr val="accent1"/>
+          </a:fillRef>
+          <a:effectRef idx="0">
+            <a:schemeClr val="accent1"/>
+          </a:effectRef>
+          <a:fontRef idx="minor">
+            <a:schemeClr val="lt1"/>
+          </a:fontRef>
+        </p:style>
+        <p:txBody>
+          <a:bodyPr rtlCol="0" anchor="ctr"/>
+          <a:lstStyle/>
+          <a:p>
+            <a:pPr algn="ctr"/>
+            <a:endParaRPr lang="zh-CN" altLang="en-US"/>
+          </a:p>
+        </p:txBody>
+      </p:sp>
+      <p:sp>
+        <p:nvSpPr>
+          <p:cNvPr id="8" name="矩形 7"/>
+          <p:cNvSpPr/>
+          <p:nvPr/>
+        </p:nvSpPr>
+        <p:spPr>
+          <a:xfrm>
+            <a:off x="2149986" y="-740616"/>
+            <a:ext cx="214314" cy="6858000"/>
+          </a:xfrm>
+          <a:prstGeom prst="rect">
+            <a:avLst/>
+          </a:prstGeom>
+          <a:solidFill>
+            <a:schemeClr val="bg1"/>
+          </a:solidFill>
+          <a:ln>
+            <a:noFill/>
+          </a:ln>
+        </p:spPr>
+        <p:style>
+          <a:lnRef idx="2">
+            <a:schemeClr val="accent1">
+              <a:shade val="50000"/>
+            </a:schemeClr>
+          </a:lnRef>
+          <a:fillRef idx="1">
+            <a:schemeClr val="accent1"/>
+          </a:fillRef>
+          <a:effectRef idx="0">
+            <a:schemeClr val="accent1"/>
+          </a:effectRef>
+          <a:fontRef idx="minor">
+            <a:schemeClr val="lt1"/>
+          </a:fontRef>
+        </p:style>
+        <p:txBody>
+          <a:bodyPr rtlCol="0" anchor="ctr"/>
+          <a:lstStyle/>
+          <a:p>
+            <a:pPr algn="ctr"/>
+            <a:endParaRPr lang="zh-CN" altLang="en-US"/>
+          </a:p>
+        </p:txBody>
+      </p:sp>
+      <p:sp>
+        <p:nvSpPr>
+          <p:cNvPr id="9" name="矩形 8"/>
+          <p:cNvSpPr/>
+          <p:nvPr/>
+        </p:nvSpPr>
+        <p:spPr>
+          <a:xfrm>
+            <a:off x="2494476" y="-740616"/>
+            <a:ext cx="71438" cy="6858000"/>
+          </a:xfrm>
+          <a:prstGeom prst="rect">
+            <a:avLst/>
+          </a:prstGeom>
+          <a:solidFill>
+            <a:schemeClr val="bg1"/>
+          </a:solidFill>
+          <a:ln>
+            <a:noFill/>
+          </a:ln>
+        </p:spPr>
+        <p:style>
+          <a:lnRef idx="2">
+            <a:schemeClr val="accent1">
+              <a:shade val="50000"/>
+            </a:schemeClr>
+          </a:lnRef>
+          <a:fillRef idx="1">
+            <a:schemeClr val="accent1"/>
+          </a:fillRef>
+          <a:effectRef idx="0">
+            <a:schemeClr val="accent1"/>
+          </a:effectRef>
+          <a:fontRef idx="minor">
+            <a:schemeClr val="lt1"/>
+          </a:fontRef>
+        </p:style>
+        <p:txBody>
+          <a:bodyPr rtlCol="0" anchor="ctr"/>
+          <a:lstStyle/>
+          <a:p>
+            <a:pPr algn="ctr"/>
+            <a:endParaRPr lang="zh-CN" altLang="en-US"/>
+          </a:p>
+        </p:txBody>
+      </p:sp>
+      <p:sp>
+        <p:nvSpPr>
+          <p:cNvPr id="10" name="矩形 9"/>
+          <p:cNvSpPr/>
+          <p:nvPr/>
+        </p:nvSpPr>
+        <p:spPr>
+          <a:xfrm>
+            <a:off x="1280030" y="2259756"/>
+            <a:ext cx="285752" cy="366690"/>
+          </a:xfrm>
+          <a:prstGeom prst="rect">
+            <a:avLst/>
+          </a:prstGeom>
+          <a:solidFill>
+            <a:srgbClr val="FFC000"/>
+          </a:solidFill>
+          <a:ln>
+            <a:noFill/>
+          </a:ln>
+        </p:spPr>
+        <p:style>
+          <a:lnRef idx="2">
+            <a:schemeClr val="accent1">
+              <a:shade val="50000"/>
+            </a:schemeClr>
+          </a:lnRef>
+          <a:fillRef idx="1">
+            <a:schemeClr val="accent1"/>
+          </a:fillRef>
+          <a:effectRef idx="0">
+            <a:schemeClr val="accent1"/>
+          </a:effectRef>
+          <a:fontRef idx="minor">
+            <a:schemeClr val="lt1"/>
+          </a:fontRef>
+        </p:style>
+        <p:txBody>
+          <a:bodyPr rtlCol="0" anchor="ctr"/>
+          <a:lstStyle/>
+          <a:p>
+            <a:pPr algn="ctr"/>
+            <a:endParaRPr lang="zh-CN" altLang="en-US">
+              <a:solidFill>
+                <a:schemeClr val="tx1"/>
+              </a:solidFill>
+            </a:endParaRPr>
+          </a:p>
+        </p:txBody>
+      </p:sp>
+      <p:sp>
+        <p:nvSpPr>
+          <p:cNvPr id="11" name="矩形 10"/>
+          <p:cNvSpPr/>
+          <p:nvPr/>
+        </p:nvSpPr>
+        <p:spPr>
+          <a:xfrm>
+            <a:off x="1639125" y="2259756"/>
+            <a:ext cx="71438" cy="366690"/>
+          </a:xfrm>
+          <a:prstGeom prst="rect">
+            <a:avLst/>
+          </a:prstGeom>
+          <a:solidFill>
+            <a:srgbClr val="FFC000"/>
+          </a:solidFill>
+          <a:ln>
+            <a:noFill/>
+          </a:ln>
+        </p:spPr>
+        <p:style>
+          <a:lnRef idx="2">
+            <a:schemeClr val="accent1">
+              <a:shade val="50000"/>
+            </a:schemeClr>
+          </a:lnRef>
+          <a:fillRef idx="1">
+            <a:schemeClr val="accent1"/>
+          </a:fillRef>
+          <a:effectRef idx="0">
+            <a:schemeClr val="accent1"/>
+          </a:effectRef>
+          <a:fontRef idx="minor">
+            <a:schemeClr val="lt1"/>
+          </a:fontRef>
+        </p:style>
+        <p:txBody>
+          <a:bodyPr rtlCol="0" anchor="ctr"/>
+          <a:lstStyle/>
+          <a:p>
+            <a:pPr algn="ctr"/>
+            <a:endParaRPr lang="zh-CN" altLang="en-US">
+              <a:solidFill>
+                <a:schemeClr val="tx1"/>
+              </a:solidFill>
+            </a:endParaRPr>
+          </a:p>
+        </p:txBody>
+      </p:sp>
+      <p:sp>
+        <p:nvSpPr>
+          <p:cNvPr id="12" name="矩形 11"/>
+          <p:cNvSpPr/>
+          <p:nvPr/>
+        </p:nvSpPr>
+        <p:spPr>
+          <a:xfrm>
+            <a:off x="1936942" y="2259756"/>
+            <a:ext cx="142876" cy="366690"/>
+          </a:xfrm>
+          <a:prstGeom prst="rect">
+            <a:avLst/>
+          </a:prstGeom>
+          <a:solidFill>
+            <a:srgbClr val="FFC000"/>
+          </a:solidFill>
+          <a:ln>
+            <a:noFill/>
+          </a:ln>
+        </p:spPr>
+        <p:style>
+          <a:lnRef idx="2">
+            <a:schemeClr val="accent1">
+              <a:shade val="50000"/>
+            </a:schemeClr>
+          </a:lnRef>
+          <a:fillRef idx="1">
+            <a:schemeClr val="accent1"/>
+          </a:fillRef>
+          <a:effectRef idx="0">
+            <a:schemeClr val="accent1"/>
+          </a:effectRef>
+          <a:fontRef idx="minor">
+            <a:schemeClr val="lt1"/>
+          </a:fontRef>
+        </p:style>
+        <p:txBody>
+          <a:bodyPr rtlCol="0" anchor="ctr"/>
+          <a:lstStyle/>
+          <a:p>
+            <a:pPr algn="ctr"/>
+            <a:endParaRPr lang="zh-CN" altLang="en-US">
+              <a:solidFill>
+                <a:schemeClr val="tx1"/>
+              </a:solidFill>
+            </a:endParaRPr>
+          </a:p>
+        </p:txBody>
+      </p:sp>
+      <p:sp>
+        <p:nvSpPr>
+          <p:cNvPr id="13" name="矩形 12"/>
+          <p:cNvSpPr/>
+          <p:nvPr/>
+        </p:nvSpPr>
+        <p:spPr>
+          <a:xfrm>
+            <a:off x="2150621" y="2259756"/>
+            <a:ext cx="214314" cy="366690"/>
+          </a:xfrm>
+          <a:prstGeom prst="rect">
+            <a:avLst/>
+          </a:prstGeom>
+          <a:solidFill>
+            <a:srgbClr val="FFC000"/>
+          </a:solidFill>
+          <a:ln>
+            <a:noFill/>
+          </a:ln>
+        </p:spPr>
+        <p:style>
+          <a:lnRef idx="2">
+            <a:schemeClr val="accent1">
+              <a:shade val="50000"/>
+            </a:schemeClr>
+          </a:lnRef>
+          <a:fillRef idx="1">
+            <a:schemeClr val="accent1"/>
+          </a:fillRef>
+          <a:effectRef idx="0">
+            <a:schemeClr val="accent1"/>
+          </a:effectRef>
+          <a:fontRef idx="minor">
+            <a:schemeClr val="lt1"/>
+          </a:fontRef>
+        </p:style>
+        <p:txBody>
+          <a:bodyPr rtlCol="0" anchor="ctr"/>
+          <a:lstStyle/>
+          <a:p>
+            <a:pPr algn="ctr"/>
+            <a:endParaRPr lang="zh-CN" altLang="en-US">
+              <a:solidFill>
+                <a:schemeClr val="tx1"/>
+              </a:solidFill>
+            </a:endParaRPr>
+          </a:p>
+        </p:txBody>
+      </p:sp>
+      <p:sp>
+        <p:nvSpPr>
+          <p:cNvPr id="14" name="矩形 13"/>
+          <p:cNvSpPr/>
+          <p:nvPr/>
+        </p:nvSpPr>
+        <p:spPr>
+          <a:xfrm>
+            <a:off x="2496381" y="2259756"/>
+            <a:ext cx="71438" cy="366690"/>
+          </a:xfrm>
+          <a:prstGeom prst="rect">
+            <a:avLst/>
+          </a:prstGeom>
+          <a:solidFill>
+            <a:srgbClr val="FFC000"/>
+          </a:solidFill>
+          <a:ln>
+            <a:noFill/>
+          </a:ln>
+        </p:spPr>
+        <p:style>
+          <a:lnRef idx="2">
+            <a:schemeClr val="accent1">
+              <a:shade val="50000"/>
+            </a:schemeClr>
+          </a:lnRef>
+          <a:fillRef idx="1">
+            <a:schemeClr val="accent1"/>
+          </a:fillRef>
+          <a:effectRef idx="0">
+            <a:schemeClr val="accent1"/>
+          </a:effectRef>
+          <a:fontRef idx="minor">
+            <a:schemeClr val="lt1"/>
+          </a:fontRef>
+        </p:style>
+        <p:txBody>
+          <a:bodyPr rtlCol="0" anchor="ctr"/>
+          <a:lstStyle/>
+          <a:p>
+            <a:pPr algn="ctr"/>
+            <a:endParaRPr lang="zh-CN" altLang="en-US">
+              <a:solidFill>
+                <a:schemeClr val="tx1"/>
+              </a:solidFill>
+            </a:endParaRPr>
+          </a:p>
+        </p:txBody>
+      </p:sp>
+      <p:sp>
+        <p:nvSpPr>
+          <p:cNvPr id="15" name="TextBox 14"/>
+          <p:cNvSpPr txBox="1"/>
+          <p:nvPr/>
+        </p:nvSpPr>
+        <p:spPr>
+          <a:xfrm>
+            <a:off x="1001688" y="2077025"/>
+            <a:ext cx="1018757" cy="492443"/>
+          </a:xfrm>
+          <a:prstGeom prst="rect">
+            <a:avLst/>
+          </a:prstGeom>
+          <a:noFill/>
+        </p:spPr>
+        <p:txBody>
+          <a:bodyPr wrap="square" rtlCol="0">
+            <a:spAutoFit/>
+          </a:bodyPr>
+          <a:lstStyle/>
+          <a:p>
+            <a:r>
+              <a:rPr lang="en-US" altLang="zh-CN" sz="2600" dirty="0" smtClean="0">
+                <a:solidFill>
+                  <a:srgbClr val="FFC000"/>
+                </a:solidFill>
+                <a:latin typeface="黑体" pitchFamily="49" charset="-122"/>
+                <a:ea typeface="黑体" pitchFamily="49" charset="-122"/>
+              </a:rPr>
+              <a:t>Thank</a:t>
+            </a:r>
+            <a:endParaRPr lang="zh-CN" altLang="en-US" sz="2600" dirty="0">
+              <a:solidFill>
+                <a:srgbClr val="FFC000"/>
+              </a:solidFill>
+              <a:latin typeface="黑体" pitchFamily="49" charset="-122"/>
+              <a:ea typeface="黑体" pitchFamily="49" charset="-122"/>
+            </a:endParaRPr>
+          </a:p>
+        </p:txBody>
+      </p:sp>
+      <p:sp>
+        <p:nvSpPr>
+          <p:cNvPr id="16" name="TextBox 15"/>
+          <p:cNvSpPr txBox="1"/>
+          <p:nvPr/>
+        </p:nvSpPr>
+        <p:spPr>
+          <a:xfrm>
+            <a:off x="1863789" y="2387963"/>
+            <a:ext cx="1000132" cy="584775"/>
+          </a:xfrm>
+          <a:prstGeom prst="rect">
+            <a:avLst/>
+          </a:prstGeom>
+          <a:noFill/>
+        </p:spPr>
+        <p:txBody>
+          <a:bodyPr wrap="square" rtlCol="0">
+            <a:spAutoFit/>
+          </a:bodyPr>
+          <a:lstStyle/>
+          <a:p>
+            <a:r>
+              <a:rPr lang="en-US" altLang="zh-CN" sz="3200" dirty="0" smtClean="0">
+                <a:solidFill>
+                  <a:srgbClr val="FFC000"/>
+                </a:solidFill>
+                <a:latin typeface="黑体" pitchFamily="49" charset="-122"/>
+                <a:ea typeface="黑体" pitchFamily="49" charset="-122"/>
+              </a:rPr>
+              <a:t>YOU</a:t>
+            </a:r>
+            <a:endParaRPr lang="zh-CN" altLang="en-US" sz="3200" dirty="0">
+              <a:solidFill>
+                <a:srgbClr val="FFC000"/>
+              </a:solidFill>
+              <a:latin typeface="黑体" pitchFamily="49" charset="-122"/>
+              <a:ea typeface="黑体" pitchFamily="49" charset="-122"/>
+            </a:endParaRPr>
+          </a:p>
+        </p:txBody>
+      </p:sp>
+      <p:sp>
+        <p:nvSpPr>
+          <p:cNvPr id="17" name="矩形 16"/>
+          <p:cNvSpPr/>
+          <p:nvPr/>
+        </p:nvSpPr>
+        <p:spPr>
+          <a:xfrm>
+            <a:off x="1280030" y="-740617"/>
+            <a:ext cx="285752" cy="2643182"/>
+          </a:xfrm>
+          <a:prstGeom prst="rect">
+            <a:avLst/>
+          </a:prstGeom>
+          <a:solidFill>
+            <a:schemeClr val="bg1"/>
+          </a:solidFill>
+          <a:ln>
+            <a:noFill/>
+          </a:ln>
+        </p:spPr>
+        <p:style>
+          <a:lnRef idx="2">
+            <a:schemeClr val="accent1">
+              <a:shade val="50000"/>
+            </a:schemeClr>
+          </a:lnRef>
+          <a:fillRef idx="1">
+            <a:schemeClr val="accent1"/>
+          </a:fillRef>
+          <a:effectRef idx="0">
+            <a:schemeClr val="accent1"/>
+          </a:effectRef>
+          <a:fontRef idx="minor">
+            <a:schemeClr val="lt1"/>
+          </a:fontRef>
+        </p:style>
+        <p:txBody>
+          <a:bodyPr rtlCol="0" anchor="ctr"/>
+          <a:lstStyle/>
+          <a:p>
+            <a:pPr algn="ctr"/>
+            <a:endParaRPr lang="zh-CN" altLang="en-US"/>
+          </a:p>
+        </p:txBody>
+      </p:sp>
+      <p:sp>
+        <p:nvSpPr>
+          <p:cNvPr id="18" name="矩形 17"/>
+          <p:cNvSpPr/>
+          <p:nvPr/>
+        </p:nvSpPr>
+        <p:spPr>
+          <a:xfrm>
+            <a:off x="1637220" y="-740617"/>
+            <a:ext cx="71438" cy="2643182"/>
+          </a:xfrm>
+          <a:prstGeom prst="rect">
+            <a:avLst/>
+          </a:prstGeom>
+          <a:solidFill>
+            <a:schemeClr val="bg1"/>
+          </a:solidFill>
+          <a:ln>
+            <a:noFill/>
+          </a:ln>
+        </p:spPr>
+        <p:style>
+          <a:lnRef idx="2">
+            <a:schemeClr val="accent1">
+              <a:shade val="50000"/>
+            </a:schemeClr>
+          </a:lnRef>
+          <a:fillRef idx="1">
+            <a:schemeClr val="accent1"/>
+          </a:fillRef>
+          <a:effectRef idx="0">
+            <a:schemeClr val="accent1"/>
+          </a:effectRef>
+          <a:fontRef idx="minor">
+            <a:schemeClr val="lt1"/>
+          </a:fontRef>
+        </p:style>
+        <p:txBody>
+          <a:bodyPr rtlCol="0" anchor="ctr"/>
+          <a:lstStyle/>
+          <a:p>
+            <a:pPr algn="ctr"/>
+            <a:endParaRPr lang="zh-CN" altLang="en-US"/>
+          </a:p>
+        </p:txBody>
+      </p:sp>
+      <p:sp>
+        <p:nvSpPr>
+          <p:cNvPr id="19" name="矩形 18"/>
+          <p:cNvSpPr/>
+          <p:nvPr/>
+        </p:nvSpPr>
+        <p:spPr>
+          <a:xfrm>
+            <a:off x="1935672" y="-740616"/>
+            <a:ext cx="142876" cy="2786058"/>
+          </a:xfrm>
+          <a:prstGeom prst="rect">
+            <a:avLst/>
+          </a:prstGeom>
+          <a:solidFill>
+            <a:schemeClr val="bg1"/>
+          </a:solidFill>
+          <a:ln>
+            <a:noFill/>
+          </a:ln>
+        </p:spPr>
+        <p:style>
+          <a:lnRef idx="2">
+            <a:schemeClr val="accent1">
+              <a:shade val="50000"/>
+            </a:schemeClr>
+          </a:lnRef>
+          <a:fillRef idx="1">
+            <a:schemeClr val="accent1"/>
+          </a:fillRef>
+          <a:effectRef idx="0">
+            <a:schemeClr val="accent1"/>
+          </a:effectRef>
+          <a:fontRef idx="minor">
+            <a:schemeClr val="lt1"/>
+          </a:fontRef>
+        </p:style>
+        <p:txBody>
+          <a:bodyPr rtlCol="0" anchor="ctr"/>
+          <a:lstStyle/>
+          <a:p>
+            <a:pPr algn="ctr"/>
+            <a:endParaRPr lang="zh-CN" altLang="en-US"/>
+          </a:p>
+        </p:txBody>
+      </p:sp>
+      <p:sp>
+        <p:nvSpPr>
+          <p:cNvPr id="20" name="矩形 19"/>
+          <p:cNvSpPr/>
+          <p:nvPr/>
+        </p:nvSpPr>
+        <p:spPr>
+          <a:xfrm>
+            <a:off x="2149986" y="-740616"/>
+            <a:ext cx="214314" cy="2786058"/>
+          </a:xfrm>
+          <a:prstGeom prst="rect">
+            <a:avLst/>
+          </a:prstGeom>
+          <a:solidFill>
+            <a:schemeClr val="bg1"/>
+          </a:solidFill>
+          <a:ln>
+            <a:noFill/>
+          </a:ln>
+        </p:spPr>
+        <p:style>
+          <a:lnRef idx="2">
+            <a:schemeClr val="accent1">
+              <a:shade val="50000"/>
+            </a:schemeClr>
+          </a:lnRef>
+          <a:fillRef idx="1">
+            <a:schemeClr val="accent1"/>
+          </a:fillRef>
+          <a:effectRef idx="0">
+            <a:schemeClr val="accent1"/>
+          </a:effectRef>
+          <a:fontRef idx="minor">
+            <a:schemeClr val="lt1"/>
+          </a:fontRef>
+        </p:style>
+        <p:txBody>
+          <a:bodyPr rtlCol="0" anchor="ctr"/>
+          <a:lstStyle/>
+          <a:p>
+            <a:pPr algn="ctr"/>
+            <a:endParaRPr lang="zh-CN" altLang="en-US"/>
+          </a:p>
+        </p:txBody>
+      </p:sp>
+      <p:sp>
+        <p:nvSpPr>
+          <p:cNvPr id="21" name="矩形 20"/>
+          <p:cNvSpPr/>
+          <p:nvPr/>
+        </p:nvSpPr>
+        <p:spPr>
+          <a:xfrm>
+            <a:off x="2494476" y="-740616"/>
+            <a:ext cx="71438" cy="2786058"/>
+          </a:xfrm>
+          <a:prstGeom prst="rect">
+            <a:avLst/>
+          </a:prstGeom>
+          <a:solidFill>
+            <a:schemeClr val="bg1"/>
+          </a:solidFill>
+          <a:ln>
+            <a:noFill/>
+          </a:ln>
+        </p:spPr>
+        <p:style>
+          <a:lnRef idx="2">
+            <a:schemeClr val="accent1">
+              <a:shade val="50000"/>
+            </a:schemeClr>
+          </a:lnRef>
+          <a:fillRef idx="1">
+            <a:schemeClr val="accent1"/>
+          </a:fillRef>
+          <a:effectRef idx="0">
+            <a:schemeClr val="accent1"/>
+          </a:effectRef>
+          <a:fontRef idx="minor">
+            <a:schemeClr val="lt1"/>
+          </a:fontRef>
+        </p:style>
+        <p:txBody>
+          <a:bodyPr rtlCol="0" anchor="ctr"/>
+          <a:lstStyle/>
+          <a:p>
+            <a:pPr algn="ctr"/>
+            <a:endParaRPr lang="zh-CN" altLang="en-US"/>
+          </a:p>
+        </p:txBody>
+      </p:sp>
+      <p:sp>
+        <p:nvSpPr>
+          <p:cNvPr id="23" name="文本框 22"/>
+          <p:cNvSpPr txBox="1"/>
+          <p:nvPr/>
+        </p:nvSpPr>
+        <p:spPr>
+          <a:xfrm>
+            <a:off x="2981908" y="3721596"/>
+            <a:ext cx="4104456" cy="707886"/>
+          </a:xfrm>
+          <a:prstGeom prst="rect">
+            <a:avLst/>
+          </a:prstGeom>
+          <a:noFill/>
+        </p:spPr>
+        <p:txBody>
+          <a:bodyPr wrap="square" rtlCol="0">
+            <a:spAutoFit/>
+          </a:bodyPr>
+          <a:lstStyle/>
+          <a:p>
+            <a:pPr algn="ctr"/>
+            <a:r>
+              <a:rPr lang="en-US" altLang="zh-CN" sz="2000" b="1" spc="200" dirty="0">
+                <a:solidFill>
+                  <a:schemeClr val="tx1">
+                    <a:lumMod val="65000"/>
+                    <a:lumOff val="35000"/>
+                  </a:schemeClr>
+                </a:solidFill>
+                <a:latin typeface="Lucida Calligraphy" panose="03010101010101010101" pitchFamily="66" charset="0"/>
+                <a:ea typeface="微软雅黑" pitchFamily="34" charset="-122"/>
+              </a:rPr>
+              <a:t>Zuoming Li</a:t>
+            </a:r>
+          </a:p>
+          <a:p>
+            <a:pPr algn="ctr"/>
+            <a:r>
+              <a:rPr lang="en-US" altLang="zh-CN" sz="2000" b="1" spc="200" dirty="0" err="1">
+                <a:solidFill>
+                  <a:schemeClr val="tx1">
+                    <a:lumMod val="65000"/>
+                    <a:lumOff val="35000"/>
+                  </a:schemeClr>
+                </a:solidFill>
+                <a:latin typeface="Lucida Calligraphy" panose="03010101010101010101" pitchFamily="66" charset="0"/>
+                <a:ea typeface="微软雅黑" pitchFamily="34" charset="-122"/>
+              </a:rPr>
+              <a:t>Xueyin</a:t>
+            </a:r>
+            <a:r>
+              <a:rPr lang="zh-CN" altLang="en-US" sz="2000" b="1" spc="200" dirty="0">
+                <a:solidFill>
+                  <a:schemeClr val="tx1">
+                    <a:lumMod val="65000"/>
+                    <a:lumOff val="35000"/>
+                  </a:schemeClr>
+                </a:solidFill>
+                <a:latin typeface="Lucida Calligraphy" panose="03010101010101010101" pitchFamily="66" charset="0"/>
+                <a:ea typeface="微软雅黑" pitchFamily="34" charset="-122"/>
+              </a:rPr>
+              <a:t> </a:t>
+            </a:r>
+            <a:r>
+              <a:rPr lang="en-US" altLang="zh-CN" sz="2000" b="1" spc="200" dirty="0">
+                <a:solidFill>
+                  <a:schemeClr val="tx1">
+                    <a:lumMod val="65000"/>
+                    <a:lumOff val="35000"/>
+                  </a:schemeClr>
+                </a:solidFill>
+                <a:latin typeface="Lucida Calligraphy" panose="03010101010101010101" pitchFamily="66" charset="0"/>
+                <a:ea typeface="微软雅黑" pitchFamily="34" charset="-122"/>
+              </a:rPr>
+              <a:t>Wang</a:t>
+            </a:r>
+            <a:endParaRPr lang="en-US" sz="2000" b="1" spc="200" dirty="0">
+              <a:solidFill>
+                <a:schemeClr val="tx1">
+                  <a:lumMod val="65000"/>
+                  <a:lumOff val="35000"/>
+                </a:schemeClr>
+              </a:solidFill>
+              <a:latin typeface="Lucida Calligraphy" panose="03010101010101010101" pitchFamily="66" charset="0"/>
+              <a:ea typeface="微软雅黑" pitchFamily="34" charset="-122"/>
+            </a:endParaRPr>
+          </a:p>
+        </p:txBody>
+      </p:sp>
+      <p:sp>
+        <p:nvSpPr>
+          <p:cNvPr id="22" name="文本框 21"/>
+          <p:cNvSpPr txBox="1"/>
+          <p:nvPr/>
+        </p:nvSpPr>
+        <p:spPr>
+          <a:xfrm>
+            <a:off x="3485964" y="503883"/>
+            <a:ext cx="3096344" cy="769441"/>
+          </a:xfrm>
+          <a:prstGeom prst="rect">
+            <a:avLst/>
+          </a:prstGeom>
+          <a:noFill/>
+        </p:spPr>
+        <p:txBody>
+          <a:bodyPr wrap="square" rtlCol="0">
+            <a:spAutoFit/>
+          </a:bodyPr>
+          <a:lstStyle/>
+          <a:p>
+            <a:pPr algn="ctr"/>
+            <a:r>
+              <a:rPr lang="en-US" altLang="zh-CN" sz="2200" spc="200" dirty="0">
+                <a:solidFill>
+                  <a:schemeClr val="tx1">
+                    <a:lumMod val="65000"/>
+                    <a:lumOff val="35000"/>
+                  </a:schemeClr>
+                </a:solidFill>
+                <a:latin typeface="Segoe Print" panose="02000600000000000000" pitchFamily="2" charset="0"/>
+                <a:ea typeface="微软雅黑" pitchFamily="34" charset="-122"/>
+              </a:rPr>
+              <a:t>Mid-term</a:t>
+            </a:r>
+            <a:r>
+              <a:rPr lang="zh-CN" altLang="en-US" sz="2200" spc="200" dirty="0">
+                <a:solidFill>
+                  <a:schemeClr val="tx1">
+                    <a:lumMod val="65000"/>
+                    <a:lumOff val="35000"/>
+                  </a:schemeClr>
+                </a:solidFill>
+                <a:latin typeface="Segoe Print" panose="02000600000000000000" pitchFamily="2" charset="0"/>
+                <a:ea typeface="微软雅黑" pitchFamily="34" charset="-122"/>
+              </a:rPr>
+              <a:t> </a:t>
+            </a:r>
+            <a:r>
+              <a:rPr lang="en-US" altLang="zh-CN" sz="2200" spc="200" dirty="0">
+                <a:solidFill>
+                  <a:schemeClr val="tx1">
+                    <a:lumMod val="65000"/>
+                    <a:lumOff val="35000"/>
+                  </a:schemeClr>
+                </a:solidFill>
+                <a:latin typeface="Segoe Print" panose="02000600000000000000" pitchFamily="2" charset="0"/>
+                <a:ea typeface="微软雅黑" pitchFamily="34" charset="-122"/>
+              </a:rPr>
+              <a:t>Presentation</a:t>
+            </a:r>
+            <a:endParaRPr lang="en-US" sz="2200" spc="200" dirty="0">
+              <a:solidFill>
+                <a:schemeClr val="tx1">
+                  <a:lumMod val="65000"/>
+                  <a:lumOff val="35000"/>
+                </a:schemeClr>
+              </a:solidFill>
+              <a:latin typeface="Segoe Print" panose="02000600000000000000" pitchFamily="2" charset="0"/>
+              <a:ea typeface="微软雅黑" pitchFamily="34" charset="-122"/>
+            </a:endParaRPr>
+          </a:p>
+        </p:txBody>
+      </p:sp>
+      <p:sp>
+        <p:nvSpPr>
+          <p:cNvPr id="24" name="Rectangle 23"/>
+          <p:cNvSpPr/>
+          <p:nvPr/>
+        </p:nvSpPr>
+        <p:spPr>
+          <a:xfrm>
+            <a:off x="3737992" y="4647247"/>
+            <a:ext cx="2844316" cy="646331"/>
+          </a:xfrm>
+          <a:prstGeom prst="rect">
+            <a:avLst/>
+          </a:prstGeom>
+        </p:spPr>
+        <p:txBody>
+          <a:bodyPr wrap="square">
+            <a:spAutoFit/>
+          </a:bodyPr>
+          <a:lstStyle/>
+          <a:p>
+            <a:r>
+              <a:rPr lang="en-US" dirty="0">
+                <a:solidFill>
+                  <a:schemeClr val="tx1">
+                    <a:lumMod val="65000"/>
+                    <a:lumOff val="35000"/>
+                  </a:schemeClr>
+                </a:solidFill>
+              </a:rPr>
+              <a:t>https://</a:t>
+            </a:r>
+            <a:r>
+              <a:rPr lang="en-US" dirty="0" err="1">
+                <a:solidFill>
+                  <a:schemeClr val="tx1">
+                    <a:lumMod val="65000"/>
+                    <a:lumOff val="35000"/>
+                  </a:schemeClr>
+                </a:solidFill>
+              </a:rPr>
+              <a:t>github.com</a:t>
+            </a:r>
+            <a:r>
+              <a:rPr lang="en-US" dirty="0">
+                <a:solidFill>
+                  <a:schemeClr val="tx1">
+                    <a:lumMod val="65000"/>
+                    <a:lumOff val="35000"/>
+                  </a:schemeClr>
+                </a:solidFill>
+              </a:rPr>
+              <a:t>/</a:t>
+            </a:r>
+            <a:r>
+              <a:rPr lang="en-US" dirty="0" err="1">
+                <a:solidFill>
+                  <a:schemeClr val="tx1">
+                    <a:lumMod val="65000"/>
+                    <a:lumOff val="35000"/>
+                  </a:schemeClr>
+                </a:solidFill>
+              </a:rPr>
+              <a:t>aaaeeeo</a:t>
+            </a:r>
+            <a:r>
+              <a:rPr lang="en-US" dirty="0">
+                <a:solidFill>
+                  <a:schemeClr val="tx1">
+                    <a:lumMod val="65000"/>
+                    <a:lumOff val="35000"/>
+                  </a:schemeClr>
+                </a:solidFill>
+              </a:rPr>
+              <a:t>/51300-compiler</a:t>
+            </a:r>
+          </a:p>
+        </p:txBody>
+      </p:sp>
+    </p:spTree>
+    <p:extLst>
+      <p:ext uri="{BB962C8B-B14F-4D97-AF65-F5344CB8AC3E}">
+        <p14:creationId xmlns:p14="http://schemas.microsoft.com/office/powerpoint/2010/main" val="1554612340"/>
+      </p:ext>
+    </p:extLst>
+  </p:cSld>
+  <p:clrMapOvr>
+    <a:masterClrMapping/>
+  </p:clrMapOvr>
+  <p:timing>
+    <p:tnLst>
+      <p:par>
+        <p:cTn id="1" dur="indefinite" restart="never" nodeType="tmRoot">
+          <p:childTnLst>
+            <p:seq concurrent="1" nextAc="seek">
+              <p:cTn id="2" dur="indefinite" nodeType="mainSeq">
+                <p:childTnLst>
+                  <p:par>
+                    <p:cTn id="3" fill="hold">
+                      <p:stCondLst>
+                        <p:cond delay="indefinite"/>
+                        <p:cond evt="onBegin" delay="0">
+                          <p:tn val="2"/>
+                        </p:cond>
+                      </p:stCondLst>
+                      <p:childTnLst>
+                        <p:par>
+                          <p:cTn id="4" fill="hold">
+                            <p:stCondLst>
+                              <p:cond delay="0"/>
+                            </p:stCondLst>
+                            <p:childTnLst>
+                              <p:par>
+                                <p:cTn id="5" presetID="10" presetClass="entr" presetSubtype="0" fill="hold" grpId="0" nodeType="withEffect">
+                                  <p:stCondLst>
+                                    <p:cond delay="0"/>
+                                  </p:stCondLst>
+                                  <p:childTnLst>
+                                    <p:set>
+                                      <p:cBhvr>
+                                        <p:cTn id="6" dur="1" fill="hold">
+                                          <p:stCondLst>
+                                            <p:cond delay="0"/>
+                                          </p:stCondLst>
+                                        </p:cTn>
+                                        <p:tgtEl>
+                                          <p:spTgt spid="4"/>
+                                        </p:tgtEl>
+                                        <p:attrNameLst>
+                                          <p:attrName>style.visibility</p:attrName>
+                                        </p:attrNameLst>
+                                      </p:cBhvr>
+                                      <p:to>
+                                        <p:strVal val="visible"/>
+                                      </p:to>
+                                    </p:set>
+                                    <p:animEffect transition="in" filter="fade">
+                                      <p:cBhvr>
+                                        <p:cTn id="7" dur="2000"/>
+                                        <p:tgtEl>
+                                          <p:spTgt spid="4"/>
+                                        </p:tgtEl>
+                                      </p:cBhvr>
+                                    </p:animEffect>
+                                  </p:childTnLst>
+                                </p:cTn>
+                              </p:par>
+                              <p:par>
+                                <p:cTn id="8" presetID="10" presetClass="entr" presetSubtype="0" fill="hold" grpId="0" nodeType="withEffect">
+                                  <p:stCondLst>
+                                    <p:cond delay="0"/>
+                                  </p:stCondLst>
+                                  <p:childTnLst>
+                                    <p:set>
+                                      <p:cBhvr>
+                                        <p:cTn id="9" dur="1" fill="hold">
+                                          <p:stCondLst>
+                                            <p:cond delay="0"/>
+                                          </p:stCondLst>
+                                        </p:cTn>
+                                        <p:tgtEl>
+                                          <p:spTgt spid="23"/>
+                                        </p:tgtEl>
+                                        <p:attrNameLst>
+                                          <p:attrName>style.visibility</p:attrName>
+                                        </p:attrNameLst>
+                                      </p:cBhvr>
+                                      <p:to>
+                                        <p:strVal val="visible"/>
+                                      </p:to>
+                                    </p:set>
+                                    <p:animEffect transition="in" filter="fade">
+                                      <p:cBhvr>
+                                        <p:cTn id="10" dur="2000"/>
+                                        <p:tgtEl>
+                                          <p:spTgt spid="23"/>
+                                        </p:tgtEl>
+                                      </p:cBhvr>
+                                    </p:animEffect>
+                                  </p:childTnLst>
+                                </p:cTn>
+                              </p:par>
+                              <p:par>
+                                <p:cTn id="11" presetID="10" presetClass="entr" presetSubtype="0" fill="hold" grpId="0" nodeType="withEffect">
+                                  <p:stCondLst>
+                                    <p:cond delay="0"/>
+                                  </p:stCondLst>
+                                  <p:childTnLst>
+                                    <p:set>
+                                      <p:cBhvr>
+                                        <p:cTn id="12" dur="1" fill="hold">
+                                          <p:stCondLst>
+                                            <p:cond delay="0"/>
+                                          </p:stCondLst>
+                                        </p:cTn>
+                                        <p:tgtEl>
+                                          <p:spTgt spid="22"/>
+                                        </p:tgtEl>
+                                        <p:attrNameLst>
+                                          <p:attrName>style.visibility</p:attrName>
+                                        </p:attrNameLst>
+                                      </p:cBhvr>
+                                      <p:to>
+                                        <p:strVal val="visible"/>
+                                      </p:to>
+                                    </p:set>
+                                    <p:animEffect transition="in" filter="fade">
+                                      <p:cBhvr>
+                                        <p:cTn id="13" dur="500"/>
+                                        <p:tgtEl>
+                                          <p:spTgt spid="22"/>
+                                        </p:tgtEl>
+                                      </p:cBhvr>
+                                    </p:animEffect>
+                                  </p:childTnLst>
+                                </p:cTn>
+                              </p:par>
+                              <p:par>
+                                <p:cTn id="14" presetID="2" presetClass="entr" presetSubtype="4" accel="50000" decel="50000" fill="hold" grpId="0" nodeType="withEffect">
+                                  <p:stCondLst>
+                                    <p:cond delay="0"/>
+                                  </p:stCondLst>
+                                  <p:childTnLst>
+                                    <p:set>
+                                      <p:cBhvr>
+                                        <p:cTn id="15" dur="1" fill="hold">
+                                          <p:stCondLst>
+                                            <p:cond delay="0"/>
+                                          </p:stCondLst>
+                                        </p:cTn>
+                                        <p:tgtEl>
+                                          <p:spTgt spid="5"/>
+                                        </p:tgtEl>
+                                        <p:attrNameLst>
+                                          <p:attrName>style.visibility</p:attrName>
+                                        </p:attrNameLst>
+                                      </p:cBhvr>
+                                      <p:to>
+                                        <p:strVal val="visible"/>
+                                      </p:to>
+                                    </p:set>
+                                    <p:anim calcmode="lin" valueType="num">
+                                      <p:cBhvr additive="base">
+                                        <p:cTn id="16" dur="500" fill="hold"/>
+                                        <p:tgtEl>
+                                          <p:spTgt spid="5"/>
+                                        </p:tgtEl>
+                                        <p:attrNameLst>
+                                          <p:attrName>ppt_x</p:attrName>
+                                        </p:attrNameLst>
+                                      </p:cBhvr>
+                                      <p:tavLst>
+                                        <p:tav tm="0">
+                                          <p:val>
+                                            <p:strVal val="#ppt_x"/>
+                                          </p:val>
+                                        </p:tav>
+                                        <p:tav tm="100000">
+                                          <p:val>
+                                            <p:strVal val="#ppt_x"/>
+                                          </p:val>
+                                        </p:tav>
+                                      </p:tavLst>
+                                    </p:anim>
+                                    <p:anim calcmode="lin" valueType="num">
+                                      <p:cBhvr additive="base">
+                                        <p:cTn id="17" dur="500" fill="hold"/>
+                                        <p:tgtEl>
+                                          <p:spTgt spid="5"/>
+                                        </p:tgtEl>
+                                        <p:attrNameLst>
+                                          <p:attrName>ppt_y</p:attrName>
+                                        </p:attrNameLst>
+                                      </p:cBhvr>
+                                      <p:tavLst>
+                                        <p:tav tm="0">
+                                          <p:val>
+                                            <p:strVal val="1+#ppt_h/2"/>
+                                          </p:val>
+                                        </p:tav>
+                                        <p:tav tm="100000">
+                                          <p:val>
+                                            <p:strVal val="#ppt_y"/>
+                                          </p:val>
+                                        </p:tav>
+                                      </p:tavLst>
+                                    </p:anim>
+                                  </p:childTnLst>
+                                </p:cTn>
+                              </p:par>
+                              <p:par>
+                                <p:cTn id="18" presetID="2" presetClass="entr" presetSubtype="1" accel="50000" decel="50000" fill="hold" grpId="0" nodeType="withEffect">
+                                  <p:stCondLst>
+                                    <p:cond delay="250"/>
+                                  </p:stCondLst>
+                                  <p:childTnLst>
+                                    <p:set>
+                                      <p:cBhvr>
+                                        <p:cTn id="19" dur="1" fill="hold">
+                                          <p:stCondLst>
+                                            <p:cond delay="0"/>
+                                          </p:stCondLst>
+                                        </p:cTn>
+                                        <p:tgtEl>
+                                          <p:spTgt spid="6"/>
+                                        </p:tgtEl>
+                                        <p:attrNameLst>
+                                          <p:attrName>style.visibility</p:attrName>
+                                        </p:attrNameLst>
+                                      </p:cBhvr>
+                                      <p:to>
+                                        <p:strVal val="visible"/>
+                                      </p:to>
+                                    </p:set>
+                                    <p:anim calcmode="lin" valueType="num">
+                                      <p:cBhvr additive="base">
+                                        <p:cTn id="20" dur="500" fill="hold"/>
+                                        <p:tgtEl>
+                                          <p:spTgt spid="6"/>
+                                        </p:tgtEl>
+                                        <p:attrNameLst>
+                                          <p:attrName>ppt_x</p:attrName>
+                                        </p:attrNameLst>
+                                      </p:cBhvr>
+                                      <p:tavLst>
+                                        <p:tav tm="0">
+                                          <p:val>
+                                            <p:strVal val="#ppt_x"/>
+                                          </p:val>
+                                        </p:tav>
+                                        <p:tav tm="100000">
+                                          <p:val>
+                                            <p:strVal val="#ppt_x"/>
+                                          </p:val>
+                                        </p:tav>
+                                      </p:tavLst>
+                                    </p:anim>
+                                    <p:anim calcmode="lin" valueType="num">
+                                      <p:cBhvr additive="base">
+                                        <p:cTn id="21" dur="500" fill="hold"/>
+                                        <p:tgtEl>
+                                          <p:spTgt spid="6"/>
+                                        </p:tgtEl>
+                                        <p:attrNameLst>
+                                          <p:attrName>ppt_y</p:attrName>
+                                        </p:attrNameLst>
+                                      </p:cBhvr>
+                                      <p:tavLst>
+                                        <p:tav tm="0">
+                                          <p:val>
+                                            <p:strVal val="0-#ppt_h/2"/>
+                                          </p:val>
+                                        </p:tav>
+                                        <p:tav tm="100000">
+                                          <p:val>
+                                            <p:strVal val="#ppt_y"/>
+                                          </p:val>
+                                        </p:tav>
+                                      </p:tavLst>
+                                    </p:anim>
+                                  </p:childTnLst>
+                                </p:cTn>
+                              </p:par>
+                              <p:par>
+                                <p:cTn id="22" presetID="2" presetClass="entr" presetSubtype="4" accel="50000" decel="50000" fill="hold" grpId="0" nodeType="withEffect">
+                                  <p:stCondLst>
+                                    <p:cond delay="250"/>
+                                  </p:stCondLst>
+                                  <p:childTnLst>
+                                    <p:set>
+                                      <p:cBhvr>
+                                        <p:cTn id="23" dur="1" fill="hold">
+                                          <p:stCondLst>
+                                            <p:cond delay="0"/>
+                                          </p:stCondLst>
+                                        </p:cTn>
+                                        <p:tgtEl>
+                                          <p:spTgt spid="7"/>
+                                        </p:tgtEl>
+                                        <p:attrNameLst>
+                                          <p:attrName>style.visibility</p:attrName>
+                                        </p:attrNameLst>
+                                      </p:cBhvr>
+                                      <p:to>
+                                        <p:strVal val="visible"/>
+                                      </p:to>
+                                    </p:set>
+                                    <p:anim calcmode="lin" valueType="num">
+                                      <p:cBhvr additive="base">
+                                        <p:cTn id="24" dur="500" fill="hold"/>
+                                        <p:tgtEl>
+                                          <p:spTgt spid="7"/>
+                                        </p:tgtEl>
+                                        <p:attrNameLst>
+                                          <p:attrName>ppt_x</p:attrName>
+                                        </p:attrNameLst>
+                                      </p:cBhvr>
+                                      <p:tavLst>
+                                        <p:tav tm="0">
+                                          <p:val>
+                                            <p:strVal val="#ppt_x"/>
+                                          </p:val>
+                                        </p:tav>
+                                        <p:tav tm="100000">
+                                          <p:val>
+                                            <p:strVal val="#ppt_x"/>
+                                          </p:val>
+                                        </p:tav>
+                                      </p:tavLst>
+                                    </p:anim>
+                                    <p:anim calcmode="lin" valueType="num">
+                                      <p:cBhvr additive="base">
+                                        <p:cTn id="25" dur="500" fill="hold"/>
+                                        <p:tgtEl>
+                                          <p:spTgt spid="7"/>
+                                        </p:tgtEl>
+                                        <p:attrNameLst>
+                                          <p:attrName>ppt_y</p:attrName>
+                                        </p:attrNameLst>
+                                      </p:cBhvr>
+                                      <p:tavLst>
+                                        <p:tav tm="0">
+                                          <p:val>
+                                            <p:strVal val="1+#ppt_h/2"/>
+                                          </p:val>
+                                        </p:tav>
+                                        <p:tav tm="100000">
+                                          <p:val>
+                                            <p:strVal val="#ppt_y"/>
+                                          </p:val>
+                                        </p:tav>
+                                      </p:tavLst>
+                                    </p:anim>
+                                  </p:childTnLst>
+                                </p:cTn>
+                              </p:par>
+                              <p:par>
+                                <p:cTn id="26" presetID="2" presetClass="entr" presetSubtype="1" accel="50000" decel="50000" fill="hold" grpId="0" nodeType="withEffect">
+                                  <p:stCondLst>
+                                    <p:cond delay="250"/>
+                                  </p:stCondLst>
+                                  <p:childTnLst>
+                                    <p:set>
+                                      <p:cBhvr>
+                                        <p:cTn id="27" dur="1" fill="hold">
+                                          <p:stCondLst>
+                                            <p:cond delay="0"/>
+                                          </p:stCondLst>
+                                        </p:cTn>
+                                        <p:tgtEl>
+                                          <p:spTgt spid="8"/>
+                                        </p:tgtEl>
+                                        <p:attrNameLst>
+                                          <p:attrName>style.visibility</p:attrName>
+                                        </p:attrNameLst>
+                                      </p:cBhvr>
+                                      <p:to>
+                                        <p:strVal val="visible"/>
+                                      </p:to>
+                                    </p:set>
+                                    <p:anim calcmode="lin" valueType="num">
+                                      <p:cBhvr additive="base">
+                                        <p:cTn id="28" dur="500" fill="hold"/>
+                                        <p:tgtEl>
+                                          <p:spTgt spid="8"/>
+                                        </p:tgtEl>
+                                        <p:attrNameLst>
+                                          <p:attrName>ppt_x</p:attrName>
+                                        </p:attrNameLst>
+                                      </p:cBhvr>
+                                      <p:tavLst>
+                                        <p:tav tm="0">
+                                          <p:val>
+                                            <p:strVal val="#ppt_x"/>
+                                          </p:val>
+                                        </p:tav>
+                                        <p:tav tm="100000">
+                                          <p:val>
+                                            <p:strVal val="#ppt_x"/>
+                                          </p:val>
+                                        </p:tav>
+                                      </p:tavLst>
+                                    </p:anim>
+                                    <p:anim calcmode="lin" valueType="num">
+                                      <p:cBhvr additive="base">
+                                        <p:cTn id="29" dur="500" fill="hold"/>
+                                        <p:tgtEl>
+                                          <p:spTgt spid="8"/>
+                                        </p:tgtEl>
+                                        <p:attrNameLst>
+                                          <p:attrName>ppt_y</p:attrName>
+                                        </p:attrNameLst>
+                                      </p:cBhvr>
+                                      <p:tavLst>
+                                        <p:tav tm="0">
+                                          <p:val>
+                                            <p:strVal val="0-#ppt_h/2"/>
+                                          </p:val>
+                                        </p:tav>
+                                        <p:tav tm="100000">
+                                          <p:val>
+                                            <p:strVal val="#ppt_y"/>
+                                          </p:val>
+                                        </p:tav>
+                                      </p:tavLst>
+                                    </p:anim>
+                                  </p:childTnLst>
+                                </p:cTn>
+                              </p:par>
+                              <p:par>
+                                <p:cTn id="30" presetID="2" presetClass="entr" presetSubtype="4" accel="50000" decel="50000" fill="hold" grpId="0" nodeType="withEffect">
+                                  <p:stCondLst>
+                                    <p:cond delay="250"/>
+                                  </p:stCondLst>
+                                  <p:childTnLst>
+                                    <p:set>
+                                      <p:cBhvr>
+                                        <p:cTn id="31" dur="1" fill="hold">
+                                          <p:stCondLst>
+                                            <p:cond delay="0"/>
+                                          </p:stCondLst>
+                                        </p:cTn>
+                                        <p:tgtEl>
+                                          <p:spTgt spid="9"/>
+                                        </p:tgtEl>
+                                        <p:attrNameLst>
+                                          <p:attrName>style.visibility</p:attrName>
+                                        </p:attrNameLst>
+                                      </p:cBhvr>
+                                      <p:to>
+                                        <p:strVal val="visible"/>
+                                      </p:to>
+                                    </p:set>
+                                    <p:anim calcmode="lin" valueType="num">
+                                      <p:cBhvr additive="base">
+                                        <p:cTn id="32" dur="500" fill="hold"/>
+                                        <p:tgtEl>
+                                          <p:spTgt spid="9"/>
+                                        </p:tgtEl>
+                                        <p:attrNameLst>
+                                          <p:attrName>ppt_x</p:attrName>
+                                        </p:attrNameLst>
+                                      </p:cBhvr>
+                                      <p:tavLst>
+                                        <p:tav tm="0">
+                                          <p:val>
+                                            <p:strVal val="#ppt_x"/>
+                                          </p:val>
+                                        </p:tav>
+                                        <p:tav tm="100000">
+                                          <p:val>
+                                            <p:strVal val="#ppt_x"/>
+                                          </p:val>
+                                        </p:tav>
+                                      </p:tavLst>
+                                    </p:anim>
+                                    <p:anim calcmode="lin" valueType="num">
+                                      <p:cBhvr additive="base">
+                                        <p:cTn id="33" dur="500" fill="hold"/>
+                                        <p:tgtEl>
+                                          <p:spTgt spid="9"/>
+                                        </p:tgtEl>
+                                        <p:attrNameLst>
+                                          <p:attrName>ppt_y</p:attrName>
+                                        </p:attrNameLst>
+                                      </p:cBhvr>
+                                      <p:tavLst>
+                                        <p:tav tm="0">
+                                          <p:val>
+                                            <p:strVal val="1+#ppt_h/2"/>
+                                          </p:val>
+                                        </p:tav>
+                                        <p:tav tm="100000">
+                                          <p:val>
+                                            <p:strVal val="#ppt_y"/>
+                                          </p:val>
+                                        </p:tav>
+                                      </p:tavLst>
+                                    </p:anim>
+                                  </p:childTnLst>
+                                </p:cTn>
+                              </p:par>
+                            </p:childTnLst>
+                          </p:cTn>
+                        </p:par>
+                        <p:par>
+                          <p:cTn id="34" fill="hold">
+                            <p:stCondLst>
+                              <p:cond delay="2000"/>
+                            </p:stCondLst>
+                            <p:childTnLst>
+                              <p:par>
+                                <p:cTn id="35" presetID="2" presetClass="exit" presetSubtype="4" accel="50000" fill="hold" grpId="1" nodeType="afterEffect">
+                                  <p:stCondLst>
+                                    <p:cond delay="250"/>
+                                  </p:stCondLst>
+                                  <p:childTnLst>
+                                    <p:anim calcmode="lin" valueType="num">
+                                      <p:cBhvr additive="base">
+                                        <p:cTn id="36" dur="500"/>
+                                        <p:tgtEl>
+                                          <p:spTgt spid="5"/>
+                                        </p:tgtEl>
+                                        <p:attrNameLst>
+                                          <p:attrName>ppt_x</p:attrName>
+                                        </p:attrNameLst>
+                                      </p:cBhvr>
+                                      <p:tavLst>
+                                        <p:tav tm="0">
+                                          <p:val>
+                                            <p:strVal val="ppt_x"/>
+                                          </p:val>
+                                        </p:tav>
+                                        <p:tav tm="100000">
+                                          <p:val>
+                                            <p:strVal val="ppt_x"/>
+                                          </p:val>
+                                        </p:tav>
+                                      </p:tavLst>
+                                    </p:anim>
+                                    <p:anim calcmode="lin" valueType="num">
+                                      <p:cBhvr additive="base">
+                                        <p:cTn id="37" dur="500"/>
+                                        <p:tgtEl>
+                                          <p:spTgt spid="5"/>
+                                        </p:tgtEl>
+                                        <p:attrNameLst>
+                                          <p:attrName>ppt_y</p:attrName>
+                                        </p:attrNameLst>
+                                      </p:cBhvr>
+                                      <p:tavLst>
+                                        <p:tav tm="0">
+                                          <p:val>
+                                            <p:strVal val="ppt_y"/>
+                                          </p:val>
+                                        </p:tav>
+                                        <p:tav tm="100000">
+                                          <p:val>
+                                            <p:strVal val="1+ppt_h/2"/>
+                                          </p:val>
+                                        </p:tav>
+                                      </p:tavLst>
+                                    </p:anim>
+                                    <p:set>
+                                      <p:cBhvr>
+                                        <p:cTn id="38" dur="1" fill="hold">
+                                          <p:stCondLst>
+                                            <p:cond delay="499"/>
+                                          </p:stCondLst>
+                                        </p:cTn>
+                                        <p:tgtEl>
+                                          <p:spTgt spid="5"/>
+                                        </p:tgtEl>
+                                        <p:attrNameLst>
+                                          <p:attrName>style.visibility</p:attrName>
+                                        </p:attrNameLst>
+                                      </p:cBhvr>
+                                      <p:to>
+                                        <p:strVal val="hidden"/>
+                                      </p:to>
+                                    </p:set>
+                                  </p:childTnLst>
+                                </p:cTn>
+                              </p:par>
+                              <p:par>
+                                <p:cTn id="39" presetID="2" presetClass="exit" presetSubtype="1" accel="50000" fill="hold" grpId="1" nodeType="withEffect">
+                                  <p:stCondLst>
+                                    <p:cond delay="250"/>
+                                  </p:stCondLst>
+                                  <p:childTnLst>
+                                    <p:anim calcmode="lin" valueType="num">
+                                      <p:cBhvr additive="base">
+                                        <p:cTn id="40" dur="500"/>
+                                        <p:tgtEl>
+                                          <p:spTgt spid="6"/>
+                                        </p:tgtEl>
+                                        <p:attrNameLst>
+                                          <p:attrName>ppt_x</p:attrName>
+                                        </p:attrNameLst>
+                                      </p:cBhvr>
+                                      <p:tavLst>
+                                        <p:tav tm="0">
+                                          <p:val>
+                                            <p:strVal val="ppt_x"/>
+                                          </p:val>
+                                        </p:tav>
+                                        <p:tav tm="100000">
+                                          <p:val>
+                                            <p:strVal val="ppt_x"/>
+                                          </p:val>
+                                        </p:tav>
+                                      </p:tavLst>
+                                    </p:anim>
+                                    <p:anim calcmode="lin" valueType="num">
+                                      <p:cBhvr additive="base">
+                                        <p:cTn id="41" dur="500"/>
+                                        <p:tgtEl>
+                                          <p:spTgt spid="6"/>
+                                        </p:tgtEl>
+                                        <p:attrNameLst>
+                                          <p:attrName>ppt_y</p:attrName>
+                                        </p:attrNameLst>
+                                      </p:cBhvr>
+                                      <p:tavLst>
+                                        <p:tav tm="0">
+                                          <p:val>
+                                            <p:strVal val="ppt_y"/>
+                                          </p:val>
+                                        </p:tav>
+                                        <p:tav tm="100000">
+                                          <p:val>
+                                            <p:strVal val="0-ppt_h/2"/>
+                                          </p:val>
+                                        </p:tav>
+                                      </p:tavLst>
+                                    </p:anim>
+                                    <p:set>
+                                      <p:cBhvr>
+                                        <p:cTn id="42" dur="1" fill="hold">
+                                          <p:stCondLst>
+                                            <p:cond delay="499"/>
+                                          </p:stCondLst>
+                                        </p:cTn>
+                                        <p:tgtEl>
+                                          <p:spTgt spid="6"/>
+                                        </p:tgtEl>
+                                        <p:attrNameLst>
+                                          <p:attrName>style.visibility</p:attrName>
+                                        </p:attrNameLst>
+                                      </p:cBhvr>
+                                      <p:to>
+                                        <p:strVal val="hidden"/>
+                                      </p:to>
+                                    </p:set>
+                                  </p:childTnLst>
+                                </p:cTn>
+                              </p:par>
+                              <p:par>
+                                <p:cTn id="43" presetID="2" presetClass="exit" presetSubtype="4" accel="50000" fill="hold" grpId="1" nodeType="withEffect">
+                                  <p:stCondLst>
+                                    <p:cond delay="250"/>
+                                  </p:stCondLst>
+                                  <p:childTnLst>
+                                    <p:anim calcmode="lin" valueType="num">
+                                      <p:cBhvr additive="base">
+                                        <p:cTn id="44" dur="500"/>
+                                        <p:tgtEl>
+                                          <p:spTgt spid="7"/>
+                                        </p:tgtEl>
+                                        <p:attrNameLst>
+                                          <p:attrName>ppt_x</p:attrName>
+                                        </p:attrNameLst>
+                                      </p:cBhvr>
+                                      <p:tavLst>
+                                        <p:tav tm="0">
+                                          <p:val>
+                                            <p:strVal val="ppt_x"/>
+                                          </p:val>
+                                        </p:tav>
+                                        <p:tav tm="100000">
+                                          <p:val>
+                                            <p:strVal val="ppt_x"/>
+                                          </p:val>
+                                        </p:tav>
+                                      </p:tavLst>
+                                    </p:anim>
+                                    <p:anim calcmode="lin" valueType="num">
+                                      <p:cBhvr additive="base">
+                                        <p:cTn id="45" dur="500"/>
+                                        <p:tgtEl>
+                                          <p:spTgt spid="7"/>
+                                        </p:tgtEl>
+                                        <p:attrNameLst>
+                                          <p:attrName>ppt_y</p:attrName>
+                                        </p:attrNameLst>
+                                      </p:cBhvr>
+                                      <p:tavLst>
+                                        <p:tav tm="0">
+                                          <p:val>
+                                            <p:strVal val="ppt_y"/>
+                                          </p:val>
+                                        </p:tav>
+                                        <p:tav tm="100000">
+                                          <p:val>
+                                            <p:strVal val="1+ppt_h/2"/>
+                                          </p:val>
+                                        </p:tav>
+                                      </p:tavLst>
+                                    </p:anim>
+                                    <p:set>
+                                      <p:cBhvr>
+                                        <p:cTn id="46" dur="1" fill="hold">
+                                          <p:stCondLst>
+                                            <p:cond delay="499"/>
+                                          </p:stCondLst>
+                                        </p:cTn>
+                                        <p:tgtEl>
+                                          <p:spTgt spid="7"/>
+                                        </p:tgtEl>
+                                        <p:attrNameLst>
+                                          <p:attrName>style.visibility</p:attrName>
+                                        </p:attrNameLst>
+                                      </p:cBhvr>
+                                      <p:to>
+                                        <p:strVal val="hidden"/>
+                                      </p:to>
+                                    </p:set>
+                                  </p:childTnLst>
+                                </p:cTn>
+                              </p:par>
+                              <p:par>
+                                <p:cTn id="47" presetID="2" presetClass="exit" presetSubtype="1" accel="50000" fill="hold" grpId="1" nodeType="withEffect">
+                                  <p:stCondLst>
+                                    <p:cond delay="250"/>
+                                  </p:stCondLst>
+                                  <p:childTnLst>
+                                    <p:anim calcmode="lin" valueType="num">
+                                      <p:cBhvr additive="base">
+                                        <p:cTn id="48" dur="500"/>
+                                        <p:tgtEl>
+                                          <p:spTgt spid="8"/>
+                                        </p:tgtEl>
+                                        <p:attrNameLst>
+                                          <p:attrName>ppt_x</p:attrName>
+                                        </p:attrNameLst>
+                                      </p:cBhvr>
+                                      <p:tavLst>
+                                        <p:tav tm="0">
+                                          <p:val>
+                                            <p:strVal val="ppt_x"/>
+                                          </p:val>
+                                        </p:tav>
+                                        <p:tav tm="100000">
+                                          <p:val>
+                                            <p:strVal val="ppt_x"/>
+                                          </p:val>
+                                        </p:tav>
+                                      </p:tavLst>
+                                    </p:anim>
+                                    <p:anim calcmode="lin" valueType="num">
+                                      <p:cBhvr additive="base">
+                                        <p:cTn id="49" dur="500"/>
+                                        <p:tgtEl>
+                                          <p:spTgt spid="8"/>
+                                        </p:tgtEl>
+                                        <p:attrNameLst>
+                                          <p:attrName>ppt_y</p:attrName>
+                                        </p:attrNameLst>
+                                      </p:cBhvr>
+                                      <p:tavLst>
+                                        <p:tav tm="0">
+                                          <p:val>
+                                            <p:strVal val="ppt_y"/>
+                                          </p:val>
+                                        </p:tav>
+                                        <p:tav tm="100000">
+                                          <p:val>
+                                            <p:strVal val="0-ppt_h/2"/>
+                                          </p:val>
+                                        </p:tav>
+                                      </p:tavLst>
+                                    </p:anim>
+                                    <p:set>
+                                      <p:cBhvr>
+                                        <p:cTn id="50" dur="1" fill="hold">
+                                          <p:stCondLst>
+                                            <p:cond delay="499"/>
+                                          </p:stCondLst>
+                                        </p:cTn>
+                                        <p:tgtEl>
+                                          <p:spTgt spid="8"/>
+                                        </p:tgtEl>
+                                        <p:attrNameLst>
+                                          <p:attrName>style.visibility</p:attrName>
+                                        </p:attrNameLst>
+                                      </p:cBhvr>
+                                      <p:to>
+                                        <p:strVal val="hidden"/>
+                                      </p:to>
+                                    </p:set>
+                                  </p:childTnLst>
+                                </p:cTn>
+                              </p:par>
+                              <p:par>
+                                <p:cTn id="51" presetID="2" presetClass="exit" presetSubtype="4" accel="50000" fill="hold" grpId="1" nodeType="withEffect">
+                                  <p:stCondLst>
+                                    <p:cond delay="250"/>
+                                  </p:stCondLst>
+                                  <p:childTnLst>
+                                    <p:anim calcmode="lin" valueType="num">
+                                      <p:cBhvr additive="base">
+                                        <p:cTn id="52" dur="500"/>
+                                        <p:tgtEl>
+                                          <p:spTgt spid="9"/>
+                                        </p:tgtEl>
+                                        <p:attrNameLst>
+                                          <p:attrName>ppt_x</p:attrName>
+                                        </p:attrNameLst>
+                                      </p:cBhvr>
+                                      <p:tavLst>
+                                        <p:tav tm="0">
+                                          <p:val>
+                                            <p:strVal val="ppt_x"/>
+                                          </p:val>
+                                        </p:tav>
+                                        <p:tav tm="100000">
+                                          <p:val>
+                                            <p:strVal val="ppt_x"/>
+                                          </p:val>
+                                        </p:tav>
+                                      </p:tavLst>
+                                    </p:anim>
+                                    <p:anim calcmode="lin" valueType="num">
+                                      <p:cBhvr additive="base">
+                                        <p:cTn id="53" dur="500"/>
+                                        <p:tgtEl>
+                                          <p:spTgt spid="9"/>
+                                        </p:tgtEl>
+                                        <p:attrNameLst>
+                                          <p:attrName>ppt_y</p:attrName>
+                                        </p:attrNameLst>
+                                      </p:cBhvr>
+                                      <p:tavLst>
+                                        <p:tav tm="0">
+                                          <p:val>
+                                            <p:strVal val="ppt_y"/>
+                                          </p:val>
+                                        </p:tav>
+                                        <p:tav tm="100000">
+                                          <p:val>
+                                            <p:strVal val="1+ppt_h/2"/>
+                                          </p:val>
+                                        </p:tav>
+                                      </p:tavLst>
+                                    </p:anim>
+                                    <p:set>
+                                      <p:cBhvr>
+                                        <p:cTn id="54" dur="1" fill="hold">
+                                          <p:stCondLst>
+                                            <p:cond delay="499"/>
+                                          </p:stCondLst>
+                                        </p:cTn>
+                                        <p:tgtEl>
+                                          <p:spTgt spid="9"/>
+                                        </p:tgtEl>
+                                        <p:attrNameLst>
+                                          <p:attrName>style.visibility</p:attrName>
+                                        </p:attrNameLst>
+                                      </p:cBhvr>
+                                      <p:to>
+                                        <p:strVal val="hidden"/>
+                                      </p:to>
+                                    </p:set>
+                                  </p:childTnLst>
+                                </p:cTn>
+                              </p:par>
+                              <p:par>
+                                <p:cTn id="55" presetID="2" presetClass="entr" presetSubtype="4" accel="50000" decel="50000" fill="hold" grpId="0" nodeType="withEffect">
+                                  <p:stCondLst>
+                                    <p:cond delay="0"/>
+                                  </p:stCondLst>
+                                  <p:childTnLst>
+                                    <p:set>
+                                      <p:cBhvr>
+                                        <p:cTn id="56" dur="1" fill="hold">
+                                          <p:stCondLst>
+                                            <p:cond delay="0"/>
+                                          </p:stCondLst>
+                                        </p:cTn>
+                                        <p:tgtEl>
+                                          <p:spTgt spid="10"/>
+                                        </p:tgtEl>
+                                        <p:attrNameLst>
+                                          <p:attrName>style.visibility</p:attrName>
+                                        </p:attrNameLst>
+                                      </p:cBhvr>
+                                      <p:to>
+                                        <p:strVal val="visible"/>
+                                      </p:to>
+                                    </p:set>
+                                    <p:anim calcmode="lin" valueType="num">
+                                      <p:cBhvr additive="base">
+                                        <p:cTn id="57" dur="500" fill="hold"/>
+                                        <p:tgtEl>
+                                          <p:spTgt spid="10"/>
+                                        </p:tgtEl>
+                                        <p:attrNameLst>
+                                          <p:attrName>ppt_x</p:attrName>
+                                        </p:attrNameLst>
+                                      </p:cBhvr>
+                                      <p:tavLst>
+                                        <p:tav tm="0">
+                                          <p:val>
+                                            <p:strVal val="#ppt_x"/>
+                                          </p:val>
+                                        </p:tav>
+                                        <p:tav tm="100000">
+                                          <p:val>
+                                            <p:strVal val="#ppt_x"/>
+                                          </p:val>
+                                        </p:tav>
+                                      </p:tavLst>
+                                    </p:anim>
+                                    <p:anim calcmode="lin" valueType="num">
+                                      <p:cBhvr additive="base">
+                                        <p:cTn id="58" dur="500" fill="hold"/>
+                                        <p:tgtEl>
+                                          <p:spTgt spid="10"/>
+                                        </p:tgtEl>
+                                        <p:attrNameLst>
+                                          <p:attrName>ppt_y</p:attrName>
+                                        </p:attrNameLst>
+                                      </p:cBhvr>
+                                      <p:tavLst>
+                                        <p:tav tm="0">
+                                          <p:val>
+                                            <p:strVal val="1+#ppt_h/2"/>
+                                          </p:val>
+                                        </p:tav>
+                                        <p:tav tm="100000">
+                                          <p:val>
+                                            <p:strVal val="#ppt_y"/>
+                                          </p:val>
+                                        </p:tav>
+                                      </p:tavLst>
+                                    </p:anim>
+                                  </p:childTnLst>
+                                </p:cTn>
+                              </p:par>
+                              <p:par>
+                                <p:cTn id="59" presetID="2" presetClass="entr" presetSubtype="1" accel="50000" decel="50000" fill="hold" grpId="0" nodeType="withEffect">
+                                  <p:stCondLst>
+                                    <p:cond delay="100"/>
+                                  </p:stCondLst>
+                                  <p:childTnLst>
+                                    <p:set>
+                                      <p:cBhvr>
+                                        <p:cTn id="60" dur="1" fill="hold">
+                                          <p:stCondLst>
+                                            <p:cond delay="0"/>
+                                          </p:stCondLst>
+                                        </p:cTn>
+                                        <p:tgtEl>
+                                          <p:spTgt spid="11"/>
+                                        </p:tgtEl>
+                                        <p:attrNameLst>
+                                          <p:attrName>style.visibility</p:attrName>
+                                        </p:attrNameLst>
+                                      </p:cBhvr>
+                                      <p:to>
+                                        <p:strVal val="visible"/>
+                                      </p:to>
+                                    </p:set>
+                                    <p:anim calcmode="lin" valueType="num">
+                                      <p:cBhvr additive="base">
+                                        <p:cTn id="61" dur="500" fill="hold"/>
+                                        <p:tgtEl>
+                                          <p:spTgt spid="11"/>
+                                        </p:tgtEl>
+                                        <p:attrNameLst>
+                                          <p:attrName>ppt_x</p:attrName>
+                                        </p:attrNameLst>
+                                      </p:cBhvr>
+                                      <p:tavLst>
+                                        <p:tav tm="0">
+                                          <p:val>
+                                            <p:strVal val="#ppt_x"/>
+                                          </p:val>
+                                        </p:tav>
+                                        <p:tav tm="100000">
+                                          <p:val>
+                                            <p:strVal val="#ppt_x"/>
+                                          </p:val>
+                                        </p:tav>
+                                      </p:tavLst>
+                                    </p:anim>
+                                    <p:anim calcmode="lin" valueType="num">
+                                      <p:cBhvr additive="base">
+                                        <p:cTn id="62" dur="500" fill="hold"/>
+                                        <p:tgtEl>
+                                          <p:spTgt spid="11"/>
+                                        </p:tgtEl>
+                                        <p:attrNameLst>
+                                          <p:attrName>ppt_y</p:attrName>
+                                        </p:attrNameLst>
+                                      </p:cBhvr>
+                                      <p:tavLst>
+                                        <p:tav tm="0">
+                                          <p:val>
+                                            <p:strVal val="0-#ppt_h/2"/>
+                                          </p:val>
+                                        </p:tav>
+                                        <p:tav tm="100000">
+                                          <p:val>
+                                            <p:strVal val="#ppt_y"/>
+                                          </p:val>
+                                        </p:tav>
+                                      </p:tavLst>
+                                    </p:anim>
+                                  </p:childTnLst>
+                                </p:cTn>
+                              </p:par>
+                              <p:par>
+                                <p:cTn id="63" presetID="2" presetClass="entr" presetSubtype="4" accel="50000" decel="50000" fill="hold" grpId="0" nodeType="withEffect">
+                                  <p:stCondLst>
+                                    <p:cond delay="200"/>
+                                  </p:stCondLst>
+                                  <p:childTnLst>
+                                    <p:set>
+                                      <p:cBhvr>
+                                        <p:cTn id="64" dur="1" fill="hold">
+                                          <p:stCondLst>
+                                            <p:cond delay="0"/>
+                                          </p:stCondLst>
+                                        </p:cTn>
+                                        <p:tgtEl>
+                                          <p:spTgt spid="12"/>
+                                        </p:tgtEl>
+                                        <p:attrNameLst>
+                                          <p:attrName>style.visibility</p:attrName>
+                                        </p:attrNameLst>
+                                      </p:cBhvr>
+                                      <p:to>
+                                        <p:strVal val="visible"/>
+                                      </p:to>
+                                    </p:set>
+                                    <p:anim calcmode="lin" valueType="num">
+                                      <p:cBhvr additive="base">
+                                        <p:cTn id="65" dur="500" fill="hold"/>
+                                        <p:tgtEl>
+                                          <p:spTgt spid="12"/>
+                                        </p:tgtEl>
+                                        <p:attrNameLst>
+                                          <p:attrName>ppt_x</p:attrName>
+                                        </p:attrNameLst>
+                                      </p:cBhvr>
+                                      <p:tavLst>
+                                        <p:tav tm="0">
+                                          <p:val>
+                                            <p:strVal val="#ppt_x"/>
+                                          </p:val>
+                                        </p:tav>
+                                        <p:tav tm="100000">
+                                          <p:val>
+                                            <p:strVal val="#ppt_x"/>
+                                          </p:val>
+                                        </p:tav>
+                                      </p:tavLst>
+                                    </p:anim>
+                                    <p:anim calcmode="lin" valueType="num">
+                                      <p:cBhvr additive="base">
+                                        <p:cTn id="66" dur="500" fill="hold"/>
+                                        <p:tgtEl>
+                                          <p:spTgt spid="12"/>
+                                        </p:tgtEl>
+                                        <p:attrNameLst>
+                                          <p:attrName>ppt_y</p:attrName>
+                                        </p:attrNameLst>
+                                      </p:cBhvr>
+                                      <p:tavLst>
+                                        <p:tav tm="0">
+                                          <p:val>
+                                            <p:strVal val="1+#ppt_h/2"/>
+                                          </p:val>
+                                        </p:tav>
+                                        <p:tav tm="100000">
+                                          <p:val>
+                                            <p:strVal val="#ppt_y"/>
+                                          </p:val>
+                                        </p:tav>
+                                      </p:tavLst>
+                                    </p:anim>
+                                  </p:childTnLst>
+                                </p:cTn>
+                              </p:par>
+                              <p:par>
+                                <p:cTn id="67" presetID="2" presetClass="entr" presetSubtype="1" accel="50000" decel="50000" fill="hold" grpId="0" nodeType="withEffect">
+                                  <p:stCondLst>
+                                    <p:cond delay="100"/>
+                                  </p:stCondLst>
+                                  <p:childTnLst>
+                                    <p:set>
+                                      <p:cBhvr>
+                                        <p:cTn id="68" dur="1" fill="hold">
+                                          <p:stCondLst>
+                                            <p:cond delay="0"/>
+                                          </p:stCondLst>
+                                        </p:cTn>
+                                        <p:tgtEl>
+                                          <p:spTgt spid="13"/>
+                                        </p:tgtEl>
+                                        <p:attrNameLst>
+                                          <p:attrName>style.visibility</p:attrName>
+                                        </p:attrNameLst>
+                                      </p:cBhvr>
+                                      <p:to>
+                                        <p:strVal val="visible"/>
+                                      </p:to>
+                                    </p:set>
+                                    <p:anim calcmode="lin" valueType="num">
+                                      <p:cBhvr additive="base">
+                                        <p:cTn id="69" dur="500" fill="hold"/>
+                                        <p:tgtEl>
+                                          <p:spTgt spid="13"/>
+                                        </p:tgtEl>
+                                        <p:attrNameLst>
+                                          <p:attrName>ppt_x</p:attrName>
+                                        </p:attrNameLst>
+                                      </p:cBhvr>
+                                      <p:tavLst>
+                                        <p:tav tm="0">
+                                          <p:val>
+                                            <p:strVal val="#ppt_x"/>
+                                          </p:val>
+                                        </p:tav>
+                                        <p:tav tm="100000">
+                                          <p:val>
+                                            <p:strVal val="#ppt_x"/>
+                                          </p:val>
+                                        </p:tav>
+                                      </p:tavLst>
+                                    </p:anim>
+                                    <p:anim calcmode="lin" valueType="num">
+                                      <p:cBhvr additive="base">
+                                        <p:cTn id="70" dur="500" fill="hold"/>
+                                        <p:tgtEl>
+                                          <p:spTgt spid="13"/>
+                                        </p:tgtEl>
+                                        <p:attrNameLst>
+                                          <p:attrName>ppt_y</p:attrName>
+                                        </p:attrNameLst>
+                                      </p:cBhvr>
+                                      <p:tavLst>
+                                        <p:tav tm="0">
+                                          <p:val>
+                                            <p:strVal val="0-#ppt_h/2"/>
+                                          </p:val>
+                                        </p:tav>
+                                        <p:tav tm="100000">
+                                          <p:val>
+                                            <p:strVal val="#ppt_y"/>
+                                          </p:val>
+                                        </p:tav>
+                                      </p:tavLst>
+                                    </p:anim>
+                                  </p:childTnLst>
+                                </p:cTn>
+                              </p:par>
+                              <p:par>
+                                <p:cTn id="71" presetID="2" presetClass="entr" presetSubtype="4" accel="50000" decel="50000" fill="hold" grpId="0" nodeType="withEffect">
+                                  <p:stCondLst>
+                                    <p:cond delay="200"/>
+                                  </p:stCondLst>
+                                  <p:childTnLst>
+                                    <p:set>
+                                      <p:cBhvr>
+                                        <p:cTn id="72" dur="1" fill="hold">
+                                          <p:stCondLst>
+                                            <p:cond delay="0"/>
+                                          </p:stCondLst>
+                                        </p:cTn>
+                                        <p:tgtEl>
+                                          <p:spTgt spid="14"/>
+                                        </p:tgtEl>
+                                        <p:attrNameLst>
+                                          <p:attrName>style.visibility</p:attrName>
+                                        </p:attrNameLst>
+                                      </p:cBhvr>
+                                      <p:to>
+                                        <p:strVal val="visible"/>
+                                      </p:to>
+                                    </p:set>
+                                    <p:anim calcmode="lin" valueType="num">
+                                      <p:cBhvr additive="base">
+                                        <p:cTn id="73" dur="500" fill="hold"/>
+                                        <p:tgtEl>
+                                          <p:spTgt spid="14"/>
+                                        </p:tgtEl>
+                                        <p:attrNameLst>
+                                          <p:attrName>ppt_x</p:attrName>
+                                        </p:attrNameLst>
+                                      </p:cBhvr>
+                                      <p:tavLst>
+                                        <p:tav tm="0">
+                                          <p:val>
+                                            <p:strVal val="#ppt_x"/>
+                                          </p:val>
+                                        </p:tav>
+                                        <p:tav tm="100000">
+                                          <p:val>
+                                            <p:strVal val="#ppt_x"/>
+                                          </p:val>
+                                        </p:tav>
+                                      </p:tavLst>
+                                    </p:anim>
+                                    <p:anim calcmode="lin" valueType="num">
+                                      <p:cBhvr additive="base">
+                                        <p:cTn id="74" dur="500" fill="hold"/>
+                                        <p:tgtEl>
+                                          <p:spTgt spid="14"/>
+                                        </p:tgtEl>
+                                        <p:attrNameLst>
+                                          <p:attrName>ppt_y</p:attrName>
+                                        </p:attrNameLst>
+                                      </p:cBhvr>
+                                      <p:tavLst>
+                                        <p:tav tm="0">
+                                          <p:val>
+                                            <p:strVal val="1+#ppt_h/2"/>
+                                          </p:val>
+                                        </p:tav>
+                                        <p:tav tm="100000">
+                                          <p:val>
+                                            <p:strVal val="#ppt_y"/>
+                                          </p:val>
+                                        </p:tav>
+                                      </p:tavLst>
+                                    </p:anim>
+                                  </p:childTnLst>
+                                </p:cTn>
+                              </p:par>
+                            </p:childTnLst>
+                          </p:cTn>
+                        </p:par>
+                        <p:par>
+                          <p:cTn id="75" fill="hold">
+                            <p:stCondLst>
+                              <p:cond delay="2750"/>
+                            </p:stCondLst>
+                            <p:childTnLst>
+                              <p:par>
+                                <p:cTn id="76" presetID="55" presetClass="exit" presetSubtype="0" fill="hold" grpId="1" nodeType="afterEffect">
+                                  <p:stCondLst>
+                                    <p:cond delay="200"/>
+                                  </p:stCondLst>
+                                  <p:childTnLst>
+                                    <p:anim calcmode="lin" valueType="num">
+                                      <p:cBhvr>
+                                        <p:cTn id="77" dur="500"/>
+                                        <p:tgtEl>
+                                          <p:spTgt spid="10"/>
+                                        </p:tgtEl>
+                                        <p:attrNameLst>
+                                          <p:attrName>ppt_w</p:attrName>
+                                        </p:attrNameLst>
+                                      </p:cBhvr>
+                                      <p:tavLst>
+                                        <p:tav tm="0">
+                                          <p:val>
+                                            <p:strVal val="ppt_w"/>
+                                          </p:val>
+                                        </p:tav>
+                                        <p:tav tm="100000">
+                                          <p:val>
+                                            <p:strVal val="ppt_w*0.70"/>
+                                          </p:val>
+                                        </p:tav>
+                                      </p:tavLst>
+                                    </p:anim>
+                                    <p:anim calcmode="lin" valueType="num">
+                                      <p:cBhvr>
+                                        <p:cTn id="78" dur="500"/>
+                                        <p:tgtEl>
+                                          <p:spTgt spid="10"/>
+                                        </p:tgtEl>
+                                        <p:attrNameLst>
+                                          <p:attrName>ppt_h</p:attrName>
+                                        </p:attrNameLst>
+                                      </p:cBhvr>
+                                      <p:tavLst>
+                                        <p:tav tm="0">
+                                          <p:val>
+                                            <p:strVal val="ppt_h"/>
+                                          </p:val>
+                                        </p:tav>
+                                        <p:tav tm="100000">
+                                          <p:val>
+                                            <p:strVal val="ppt_h"/>
+                                          </p:val>
+                                        </p:tav>
+                                      </p:tavLst>
+                                    </p:anim>
+                                    <p:animEffect transition="out" filter="fade">
+                                      <p:cBhvr>
+                                        <p:cTn id="79" dur="500"/>
+                                        <p:tgtEl>
+                                          <p:spTgt spid="10"/>
+                                        </p:tgtEl>
+                                      </p:cBhvr>
+                                    </p:animEffect>
+                                    <p:set>
+                                      <p:cBhvr>
+                                        <p:cTn id="80" dur="1" fill="hold">
+                                          <p:stCondLst>
+                                            <p:cond delay="499"/>
+                                          </p:stCondLst>
+                                        </p:cTn>
+                                        <p:tgtEl>
+                                          <p:spTgt spid="10"/>
+                                        </p:tgtEl>
+                                        <p:attrNameLst>
+                                          <p:attrName>style.visibility</p:attrName>
+                                        </p:attrNameLst>
+                                      </p:cBhvr>
+                                      <p:to>
+                                        <p:strVal val="hidden"/>
+                                      </p:to>
+                                    </p:set>
+                                  </p:childTnLst>
+                                </p:cTn>
+                              </p:par>
+                              <p:par>
+                                <p:cTn id="81" presetID="55" presetClass="exit" presetSubtype="0" fill="hold" grpId="1" nodeType="withEffect">
+                                  <p:stCondLst>
+                                    <p:cond delay="200"/>
+                                  </p:stCondLst>
+                                  <p:childTnLst>
+                                    <p:anim calcmode="lin" valueType="num">
+                                      <p:cBhvr>
+                                        <p:cTn id="82" dur="500"/>
+                                        <p:tgtEl>
+                                          <p:spTgt spid="11"/>
+                                        </p:tgtEl>
+                                        <p:attrNameLst>
+                                          <p:attrName>ppt_w</p:attrName>
+                                        </p:attrNameLst>
+                                      </p:cBhvr>
+                                      <p:tavLst>
+                                        <p:tav tm="0">
+                                          <p:val>
+                                            <p:strVal val="ppt_w"/>
+                                          </p:val>
+                                        </p:tav>
+                                        <p:tav tm="100000">
+                                          <p:val>
+                                            <p:strVal val="ppt_w*0.70"/>
+                                          </p:val>
+                                        </p:tav>
+                                      </p:tavLst>
+                                    </p:anim>
+                                    <p:anim calcmode="lin" valueType="num">
+                                      <p:cBhvr>
+                                        <p:cTn id="83" dur="500"/>
+                                        <p:tgtEl>
+                                          <p:spTgt spid="11"/>
+                                        </p:tgtEl>
+                                        <p:attrNameLst>
+                                          <p:attrName>ppt_h</p:attrName>
+                                        </p:attrNameLst>
+                                      </p:cBhvr>
+                                      <p:tavLst>
+                                        <p:tav tm="0">
+                                          <p:val>
+                                            <p:strVal val="ppt_h"/>
+                                          </p:val>
+                                        </p:tav>
+                                        <p:tav tm="100000">
+                                          <p:val>
+                                            <p:strVal val="ppt_h"/>
+                                          </p:val>
+                                        </p:tav>
+                                      </p:tavLst>
+                                    </p:anim>
+                                    <p:animEffect transition="out" filter="fade">
+                                      <p:cBhvr>
+                                        <p:cTn id="84" dur="500"/>
+                                        <p:tgtEl>
+                                          <p:spTgt spid="11"/>
+                                        </p:tgtEl>
+                                      </p:cBhvr>
+                                    </p:animEffect>
+                                    <p:set>
+                                      <p:cBhvr>
+                                        <p:cTn id="85" dur="1" fill="hold">
+                                          <p:stCondLst>
+                                            <p:cond delay="499"/>
+                                          </p:stCondLst>
+                                        </p:cTn>
+                                        <p:tgtEl>
+                                          <p:spTgt spid="11"/>
+                                        </p:tgtEl>
+                                        <p:attrNameLst>
+                                          <p:attrName>style.visibility</p:attrName>
+                                        </p:attrNameLst>
+                                      </p:cBhvr>
+                                      <p:to>
+                                        <p:strVal val="hidden"/>
+                                      </p:to>
+                                    </p:set>
+                                  </p:childTnLst>
+                                </p:cTn>
+                              </p:par>
+                              <p:par>
+                                <p:cTn id="86" presetID="55" presetClass="exit" presetSubtype="0" fill="hold" grpId="1" nodeType="withEffect">
+                                  <p:stCondLst>
+                                    <p:cond delay="300"/>
+                                  </p:stCondLst>
+                                  <p:childTnLst>
+                                    <p:anim calcmode="lin" valueType="num">
+                                      <p:cBhvr>
+                                        <p:cTn id="87" dur="500"/>
+                                        <p:tgtEl>
+                                          <p:spTgt spid="12"/>
+                                        </p:tgtEl>
+                                        <p:attrNameLst>
+                                          <p:attrName>ppt_w</p:attrName>
+                                        </p:attrNameLst>
+                                      </p:cBhvr>
+                                      <p:tavLst>
+                                        <p:tav tm="0">
+                                          <p:val>
+                                            <p:strVal val="ppt_w"/>
+                                          </p:val>
+                                        </p:tav>
+                                        <p:tav tm="100000">
+                                          <p:val>
+                                            <p:strVal val="ppt_w*0.70"/>
+                                          </p:val>
+                                        </p:tav>
+                                      </p:tavLst>
+                                    </p:anim>
+                                    <p:anim calcmode="lin" valueType="num">
+                                      <p:cBhvr>
+                                        <p:cTn id="88" dur="500"/>
+                                        <p:tgtEl>
+                                          <p:spTgt spid="12"/>
+                                        </p:tgtEl>
+                                        <p:attrNameLst>
+                                          <p:attrName>ppt_h</p:attrName>
+                                        </p:attrNameLst>
+                                      </p:cBhvr>
+                                      <p:tavLst>
+                                        <p:tav tm="0">
+                                          <p:val>
+                                            <p:strVal val="ppt_h"/>
+                                          </p:val>
+                                        </p:tav>
+                                        <p:tav tm="100000">
+                                          <p:val>
+                                            <p:strVal val="ppt_h"/>
+                                          </p:val>
+                                        </p:tav>
+                                      </p:tavLst>
+                                    </p:anim>
+                                    <p:animEffect transition="out" filter="fade">
+                                      <p:cBhvr>
+                                        <p:cTn id="89" dur="500"/>
+                                        <p:tgtEl>
+                                          <p:spTgt spid="12"/>
+                                        </p:tgtEl>
+                                      </p:cBhvr>
+                                    </p:animEffect>
+                                    <p:set>
+                                      <p:cBhvr>
+                                        <p:cTn id="90" dur="1" fill="hold">
+                                          <p:stCondLst>
+                                            <p:cond delay="499"/>
+                                          </p:stCondLst>
+                                        </p:cTn>
+                                        <p:tgtEl>
+                                          <p:spTgt spid="12"/>
+                                        </p:tgtEl>
+                                        <p:attrNameLst>
+                                          <p:attrName>style.visibility</p:attrName>
+                                        </p:attrNameLst>
+                                      </p:cBhvr>
+                                      <p:to>
+                                        <p:strVal val="hidden"/>
+                                      </p:to>
+                                    </p:set>
+                                  </p:childTnLst>
+                                </p:cTn>
+                              </p:par>
+                              <p:par>
+                                <p:cTn id="91" presetID="55" presetClass="exit" presetSubtype="0" fill="hold" grpId="1" nodeType="withEffect">
+                                  <p:stCondLst>
+                                    <p:cond delay="400"/>
+                                  </p:stCondLst>
+                                  <p:childTnLst>
+                                    <p:anim calcmode="lin" valueType="num">
+                                      <p:cBhvr>
+                                        <p:cTn id="92" dur="500"/>
+                                        <p:tgtEl>
+                                          <p:spTgt spid="13"/>
+                                        </p:tgtEl>
+                                        <p:attrNameLst>
+                                          <p:attrName>ppt_w</p:attrName>
+                                        </p:attrNameLst>
+                                      </p:cBhvr>
+                                      <p:tavLst>
+                                        <p:tav tm="0">
+                                          <p:val>
+                                            <p:strVal val="ppt_w"/>
+                                          </p:val>
+                                        </p:tav>
+                                        <p:tav tm="100000">
+                                          <p:val>
+                                            <p:strVal val="ppt_w*0.70"/>
+                                          </p:val>
+                                        </p:tav>
+                                      </p:tavLst>
+                                    </p:anim>
+                                    <p:anim calcmode="lin" valueType="num">
+                                      <p:cBhvr>
+                                        <p:cTn id="93" dur="500"/>
+                                        <p:tgtEl>
+                                          <p:spTgt spid="13"/>
+                                        </p:tgtEl>
+                                        <p:attrNameLst>
+                                          <p:attrName>ppt_h</p:attrName>
+                                        </p:attrNameLst>
+                                      </p:cBhvr>
+                                      <p:tavLst>
+                                        <p:tav tm="0">
+                                          <p:val>
+                                            <p:strVal val="ppt_h"/>
+                                          </p:val>
+                                        </p:tav>
+                                        <p:tav tm="100000">
+                                          <p:val>
+                                            <p:strVal val="ppt_h"/>
+                                          </p:val>
+                                        </p:tav>
+                                      </p:tavLst>
+                                    </p:anim>
+                                    <p:animEffect transition="out" filter="fade">
+                                      <p:cBhvr>
+                                        <p:cTn id="94" dur="500"/>
+                                        <p:tgtEl>
+                                          <p:spTgt spid="13"/>
+                                        </p:tgtEl>
+                                      </p:cBhvr>
+                                    </p:animEffect>
+                                    <p:set>
+                                      <p:cBhvr>
+                                        <p:cTn id="95" dur="1" fill="hold">
+                                          <p:stCondLst>
+                                            <p:cond delay="499"/>
+                                          </p:stCondLst>
+                                        </p:cTn>
+                                        <p:tgtEl>
+                                          <p:spTgt spid="13"/>
+                                        </p:tgtEl>
+                                        <p:attrNameLst>
+                                          <p:attrName>style.visibility</p:attrName>
+                                        </p:attrNameLst>
+                                      </p:cBhvr>
+                                      <p:to>
+                                        <p:strVal val="hidden"/>
+                                      </p:to>
+                                    </p:set>
+                                  </p:childTnLst>
+                                </p:cTn>
+                              </p:par>
+                              <p:par>
+                                <p:cTn id="96" presetID="55" presetClass="exit" presetSubtype="0" fill="hold" grpId="1" nodeType="withEffect">
+                                  <p:stCondLst>
+                                    <p:cond delay="200"/>
+                                  </p:stCondLst>
+                                  <p:childTnLst>
+                                    <p:anim calcmode="lin" valueType="num">
+                                      <p:cBhvr>
+                                        <p:cTn id="97" dur="500"/>
+                                        <p:tgtEl>
+                                          <p:spTgt spid="14"/>
+                                        </p:tgtEl>
+                                        <p:attrNameLst>
+                                          <p:attrName>ppt_w</p:attrName>
+                                        </p:attrNameLst>
+                                      </p:cBhvr>
+                                      <p:tavLst>
+                                        <p:tav tm="0">
+                                          <p:val>
+                                            <p:strVal val="ppt_w"/>
+                                          </p:val>
+                                        </p:tav>
+                                        <p:tav tm="100000">
+                                          <p:val>
+                                            <p:strVal val="ppt_w*0.70"/>
+                                          </p:val>
+                                        </p:tav>
+                                      </p:tavLst>
+                                    </p:anim>
+                                    <p:anim calcmode="lin" valueType="num">
+                                      <p:cBhvr>
+                                        <p:cTn id="98" dur="500"/>
+                                        <p:tgtEl>
+                                          <p:spTgt spid="14"/>
+                                        </p:tgtEl>
+                                        <p:attrNameLst>
+                                          <p:attrName>ppt_h</p:attrName>
+                                        </p:attrNameLst>
+                                      </p:cBhvr>
+                                      <p:tavLst>
+                                        <p:tav tm="0">
+                                          <p:val>
+                                            <p:strVal val="ppt_h"/>
+                                          </p:val>
+                                        </p:tav>
+                                        <p:tav tm="100000">
+                                          <p:val>
+                                            <p:strVal val="ppt_h"/>
+                                          </p:val>
+                                        </p:tav>
+                                      </p:tavLst>
+                                    </p:anim>
+                                    <p:animEffect transition="out" filter="fade">
+                                      <p:cBhvr>
+                                        <p:cTn id="99" dur="500"/>
+                                        <p:tgtEl>
+                                          <p:spTgt spid="14"/>
+                                        </p:tgtEl>
+                                      </p:cBhvr>
+                                    </p:animEffect>
+                                    <p:set>
+                                      <p:cBhvr>
+                                        <p:cTn id="100" dur="1" fill="hold">
+                                          <p:stCondLst>
+                                            <p:cond delay="499"/>
+                                          </p:stCondLst>
+                                        </p:cTn>
+                                        <p:tgtEl>
+                                          <p:spTgt spid="14"/>
+                                        </p:tgtEl>
+                                        <p:attrNameLst>
+                                          <p:attrName>style.visibility</p:attrName>
+                                        </p:attrNameLst>
+                                      </p:cBhvr>
+                                      <p:to>
+                                        <p:strVal val="hidden"/>
+                                      </p:to>
+                                    </p:set>
+                                  </p:childTnLst>
+                                </p:cTn>
+                              </p:par>
+                            </p:childTnLst>
+                          </p:cTn>
+                        </p:par>
+                        <p:par>
+                          <p:cTn id="101" fill="hold">
+                            <p:stCondLst>
+                              <p:cond delay="3650"/>
+                            </p:stCondLst>
+                            <p:childTnLst>
+                              <p:par>
+                                <p:cTn id="102" presetID="2" presetClass="entr" presetSubtype="4" accel="50000" decel="50000" fill="hold" grpId="0" nodeType="afterEffect">
+                                  <p:stCondLst>
+                                    <p:cond delay="0"/>
+                                  </p:stCondLst>
+                                  <p:childTnLst>
+                                    <p:set>
+                                      <p:cBhvr>
+                                        <p:cTn id="103" dur="1" fill="hold">
+                                          <p:stCondLst>
+                                            <p:cond delay="0"/>
+                                          </p:stCondLst>
+                                        </p:cTn>
+                                        <p:tgtEl>
+                                          <p:spTgt spid="15"/>
+                                        </p:tgtEl>
+                                        <p:attrNameLst>
+                                          <p:attrName>style.visibility</p:attrName>
+                                        </p:attrNameLst>
+                                      </p:cBhvr>
+                                      <p:to>
+                                        <p:strVal val="visible"/>
+                                      </p:to>
+                                    </p:set>
+                                    <p:anim calcmode="lin" valueType="num">
+                                      <p:cBhvr additive="base">
+                                        <p:cTn id="104" dur="400" fill="hold"/>
+                                        <p:tgtEl>
+                                          <p:spTgt spid="15"/>
+                                        </p:tgtEl>
+                                        <p:attrNameLst>
+                                          <p:attrName>ppt_x</p:attrName>
+                                        </p:attrNameLst>
+                                      </p:cBhvr>
+                                      <p:tavLst>
+                                        <p:tav tm="0">
+                                          <p:val>
+                                            <p:strVal val="#ppt_x"/>
+                                          </p:val>
+                                        </p:tav>
+                                        <p:tav tm="100000">
+                                          <p:val>
+                                            <p:strVal val="#ppt_x"/>
+                                          </p:val>
+                                        </p:tav>
+                                      </p:tavLst>
+                                    </p:anim>
+                                    <p:anim calcmode="lin" valueType="num">
+                                      <p:cBhvr additive="base">
+                                        <p:cTn id="105" dur="400" fill="hold"/>
+                                        <p:tgtEl>
+                                          <p:spTgt spid="15"/>
+                                        </p:tgtEl>
+                                        <p:attrNameLst>
+                                          <p:attrName>ppt_y</p:attrName>
+                                        </p:attrNameLst>
+                                      </p:cBhvr>
+                                      <p:tavLst>
+                                        <p:tav tm="0">
+                                          <p:val>
+                                            <p:strVal val="1+#ppt_h/2"/>
+                                          </p:val>
+                                        </p:tav>
+                                        <p:tav tm="100000">
+                                          <p:val>
+                                            <p:strVal val="#ppt_y"/>
+                                          </p:val>
+                                        </p:tav>
+                                      </p:tavLst>
+                                    </p:anim>
+                                  </p:childTnLst>
+                                </p:cTn>
+                              </p:par>
+                              <p:par>
+                                <p:cTn id="106" presetID="2" presetClass="entr" presetSubtype="1" accel="50000" decel="50000" fill="hold" grpId="0" nodeType="withEffect">
+                                  <p:stCondLst>
+                                    <p:cond delay="0"/>
+                                  </p:stCondLst>
+                                  <p:childTnLst>
+                                    <p:set>
+                                      <p:cBhvr>
+                                        <p:cTn id="107" dur="1" fill="hold">
+                                          <p:stCondLst>
+                                            <p:cond delay="0"/>
+                                          </p:stCondLst>
+                                        </p:cTn>
+                                        <p:tgtEl>
+                                          <p:spTgt spid="17"/>
+                                        </p:tgtEl>
+                                        <p:attrNameLst>
+                                          <p:attrName>style.visibility</p:attrName>
+                                        </p:attrNameLst>
+                                      </p:cBhvr>
+                                      <p:to>
+                                        <p:strVal val="visible"/>
+                                      </p:to>
+                                    </p:set>
+                                    <p:anim calcmode="lin" valueType="num">
+                                      <p:cBhvr additive="base">
+                                        <p:cTn id="108" dur="400" fill="hold"/>
+                                        <p:tgtEl>
+                                          <p:spTgt spid="17"/>
+                                        </p:tgtEl>
+                                        <p:attrNameLst>
+                                          <p:attrName>ppt_x</p:attrName>
+                                        </p:attrNameLst>
+                                      </p:cBhvr>
+                                      <p:tavLst>
+                                        <p:tav tm="0">
+                                          <p:val>
+                                            <p:strVal val="#ppt_x"/>
+                                          </p:val>
+                                        </p:tav>
+                                        <p:tav tm="100000">
+                                          <p:val>
+                                            <p:strVal val="#ppt_x"/>
+                                          </p:val>
+                                        </p:tav>
+                                      </p:tavLst>
+                                    </p:anim>
+                                    <p:anim calcmode="lin" valueType="num">
+                                      <p:cBhvr additive="base">
+                                        <p:cTn id="109" dur="400" fill="hold"/>
+                                        <p:tgtEl>
+                                          <p:spTgt spid="17"/>
+                                        </p:tgtEl>
+                                        <p:attrNameLst>
+                                          <p:attrName>ppt_y</p:attrName>
+                                        </p:attrNameLst>
+                                      </p:cBhvr>
+                                      <p:tavLst>
+                                        <p:tav tm="0">
+                                          <p:val>
+                                            <p:strVal val="0-#ppt_h/2"/>
+                                          </p:val>
+                                        </p:tav>
+                                        <p:tav tm="100000">
+                                          <p:val>
+                                            <p:strVal val="#ppt_y"/>
+                                          </p:val>
+                                        </p:tav>
+                                      </p:tavLst>
+                                    </p:anim>
+                                  </p:childTnLst>
+                                </p:cTn>
+                              </p:par>
+                              <p:par>
+                                <p:cTn id="110" presetID="2" presetClass="entr" presetSubtype="1" accel="50000" decel="50000" fill="hold" grpId="0" nodeType="withEffect">
+                                  <p:stCondLst>
+                                    <p:cond delay="0"/>
+                                  </p:stCondLst>
+                                  <p:childTnLst>
+                                    <p:set>
+                                      <p:cBhvr>
+                                        <p:cTn id="111" dur="1" fill="hold">
+                                          <p:stCondLst>
+                                            <p:cond delay="0"/>
+                                          </p:stCondLst>
+                                        </p:cTn>
+                                        <p:tgtEl>
+                                          <p:spTgt spid="18"/>
+                                        </p:tgtEl>
+                                        <p:attrNameLst>
+                                          <p:attrName>style.visibility</p:attrName>
+                                        </p:attrNameLst>
+                                      </p:cBhvr>
+                                      <p:to>
+                                        <p:strVal val="visible"/>
+                                      </p:to>
+                                    </p:set>
+                                    <p:anim calcmode="lin" valueType="num">
+                                      <p:cBhvr additive="base">
+                                        <p:cTn id="112" dur="400" fill="hold"/>
+                                        <p:tgtEl>
+                                          <p:spTgt spid="18"/>
+                                        </p:tgtEl>
+                                        <p:attrNameLst>
+                                          <p:attrName>ppt_x</p:attrName>
+                                        </p:attrNameLst>
+                                      </p:cBhvr>
+                                      <p:tavLst>
+                                        <p:tav tm="0">
+                                          <p:val>
+                                            <p:strVal val="#ppt_x"/>
+                                          </p:val>
+                                        </p:tav>
+                                        <p:tav tm="100000">
+                                          <p:val>
+                                            <p:strVal val="#ppt_x"/>
+                                          </p:val>
+                                        </p:tav>
+                                      </p:tavLst>
+                                    </p:anim>
+                                    <p:anim calcmode="lin" valueType="num">
+                                      <p:cBhvr additive="base">
+                                        <p:cTn id="113" dur="400" fill="hold"/>
+                                        <p:tgtEl>
+                                          <p:spTgt spid="18"/>
+                                        </p:tgtEl>
+                                        <p:attrNameLst>
+                                          <p:attrName>ppt_y</p:attrName>
+                                        </p:attrNameLst>
+                                      </p:cBhvr>
+                                      <p:tavLst>
+                                        <p:tav tm="0">
+                                          <p:val>
+                                            <p:strVal val="0-#ppt_h/2"/>
+                                          </p:val>
+                                        </p:tav>
+                                        <p:tav tm="100000">
+                                          <p:val>
+                                            <p:strVal val="#ppt_y"/>
+                                          </p:val>
+                                        </p:tav>
+                                      </p:tavLst>
+                                    </p:anim>
+                                  </p:childTnLst>
+                                </p:cTn>
+                              </p:par>
+                              <p:par>
+                                <p:cTn id="114" presetID="2" presetClass="entr" presetSubtype="1" accel="50000" decel="50000" fill="hold" grpId="0" nodeType="withEffect">
+                                  <p:stCondLst>
+                                    <p:cond delay="200"/>
+                                  </p:stCondLst>
+                                  <p:childTnLst>
+                                    <p:set>
+                                      <p:cBhvr>
+                                        <p:cTn id="115" dur="1" fill="hold">
+                                          <p:stCondLst>
+                                            <p:cond delay="0"/>
+                                          </p:stCondLst>
+                                        </p:cTn>
+                                        <p:tgtEl>
+                                          <p:spTgt spid="19"/>
+                                        </p:tgtEl>
+                                        <p:attrNameLst>
+                                          <p:attrName>style.visibility</p:attrName>
+                                        </p:attrNameLst>
+                                      </p:cBhvr>
+                                      <p:to>
+                                        <p:strVal val="visible"/>
+                                      </p:to>
+                                    </p:set>
+                                    <p:anim calcmode="lin" valueType="num">
+                                      <p:cBhvr additive="base">
+                                        <p:cTn id="116" dur="400" fill="hold"/>
+                                        <p:tgtEl>
+                                          <p:spTgt spid="19"/>
+                                        </p:tgtEl>
+                                        <p:attrNameLst>
+                                          <p:attrName>ppt_x</p:attrName>
+                                        </p:attrNameLst>
+                                      </p:cBhvr>
+                                      <p:tavLst>
+                                        <p:tav tm="0">
+                                          <p:val>
+                                            <p:strVal val="#ppt_x"/>
+                                          </p:val>
+                                        </p:tav>
+                                        <p:tav tm="100000">
+                                          <p:val>
+                                            <p:strVal val="#ppt_x"/>
+                                          </p:val>
+                                        </p:tav>
+                                      </p:tavLst>
+                                    </p:anim>
+                                    <p:anim calcmode="lin" valueType="num">
+                                      <p:cBhvr additive="base">
+                                        <p:cTn id="117" dur="400" fill="hold"/>
+                                        <p:tgtEl>
+                                          <p:spTgt spid="19"/>
+                                        </p:tgtEl>
+                                        <p:attrNameLst>
+                                          <p:attrName>ppt_y</p:attrName>
+                                        </p:attrNameLst>
+                                      </p:cBhvr>
+                                      <p:tavLst>
+                                        <p:tav tm="0">
+                                          <p:val>
+                                            <p:strVal val="0-#ppt_h/2"/>
+                                          </p:val>
+                                        </p:tav>
+                                        <p:tav tm="100000">
+                                          <p:val>
+                                            <p:strVal val="#ppt_y"/>
+                                          </p:val>
+                                        </p:tav>
+                                      </p:tavLst>
+                                    </p:anim>
+                                  </p:childTnLst>
+                                </p:cTn>
+                              </p:par>
+                              <p:par>
+                                <p:cTn id="118" presetID="2" presetClass="entr" presetSubtype="1" accel="50000" decel="50000" fill="hold" grpId="0" nodeType="withEffect">
+                                  <p:stCondLst>
+                                    <p:cond delay="200"/>
+                                  </p:stCondLst>
+                                  <p:childTnLst>
+                                    <p:set>
+                                      <p:cBhvr>
+                                        <p:cTn id="119" dur="1" fill="hold">
+                                          <p:stCondLst>
+                                            <p:cond delay="0"/>
+                                          </p:stCondLst>
+                                        </p:cTn>
+                                        <p:tgtEl>
+                                          <p:spTgt spid="20"/>
+                                        </p:tgtEl>
+                                        <p:attrNameLst>
+                                          <p:attrName>style.visibility</p:attrName>
+                                        </p:attrNameLst>
+                                      </p:cBhvr>
+                                      <p:to>
+                                        <p:strVal val="visible"/>
+                                      </p:to>
+                                    </p:set>
+                                    <p:anim calcmode="lin" valueType="num">
+                                      <p:cBhvr additive="base">
+                                        <p:cTn id="120" dur="400" fill="hold"/>
+                                        <p:tgtEl>
+                                          <p:spTgt spid="20"/>
+                                        </p:tgtEl>
+                                        <p:attrNameLst>
+                                          <p:attrName>ppt_x</p:attrName>
+                                        </p:attrNameLst>
+                                      </p:cBhvr>
+                                      <p:tavLst>
+                                        <p:tav tm="0">
+                                          <p:val>
+                                            <p:strVal val="#ppt_x"/>
+                                          </p:val>
+                                        </p:tav>
+                                        <p:tav tm="100000">
+                                          <p:val>
+                                            <p:strVal val="#ppt_x"/>
+                                          </p:val>
+                                        </p:tav>
+                                      </p:tavLst>
+                                    </p:anim>
+                                    <p:anim calcmode="lin" valueType="num">
+                                      <p:cBhvr additive="base">
+                                        <p:cTn id="121" dur="400" fill="hold"/>
+                                        <p:tgtEl>
+                                          <p:spTgt spid="20"/>
+                                        </p:tgtEl>
+                                        <p:attrNameLst>
+                                          <p:attrName>ppt_y</p:attrName>
+                                        </p:attrNameLst>
+                                      </p:cBhvr>
+                                      <p:tavLst>
+                                        <p:tav tm="0">
+                                          <p:val>
+                                            <p:strVal val="0-#ppt_h/2"/>
+                                          </p:val>
+                                        </p:tav>
+                                        <p:tav tm="100000">
+                                          <p:val>
+                                            <p:strVal val="#ppt_y"/>
+                                          </p:val>
+                                        </p:tav>
+                                      </p:tavLst>
+                                    </p:anim>
+                                  </p:childTnLst>
+                                </p:cTn>
+                              </p:par>
+                              <p:par>
+                                <p:cTn id="122" presetID="2" presetClass="entr" presetSubtype="4" accel="50000" decel="50000" fill="hold" grpId="0" nodeType="withEffect">
+                                  <p:stCondLst>
+                                    <p:cond delay="200"/>
+                                  </p:stCondLst>
+                                  <p:childTnLst>
+                                    <p:set>
+                                      <p:cBhvr>
+                                        <p:cTn id="123" dur="1" fill="hold">
+                                          <p:stCondLst>
+                                            <p:cond delay="0"/>
+                                          </p:stCondLst>
+                                        </p:cTn>
+                                        <p:tgtEl>
+                                          <p:spTgt spid="16"/>
+                                        </p:tgtEl>
+                                        <p:attrNameLst>
+                                          <p:attrName>style.visibility</p:attrName>
+                                        </p:attrNameLst>
+                                      </p:cBhvr>
+                                      <p:to>
+                                        <p:strVal val="visible"/>
+                                      </p:to>
+                                    </p:set>
+                                    <p:anim calcmode="lin" valueType="num">
+                                      <p:cBhvr additive="base">
+                                        <p:cTn id="124" dur="400" fill="hold"/>
+                                        <p:tgtEl>
+                                          <p:spTgt spid="16"/>
+                                        </p:tgtEl>
+                                        <p:attrNameLst>
+                                          <p:attrName>ppt_x</p:attrName>
+                                        </p:attrNameLst>
+                                      </p:cBhvr>
+                                      <p:tavLst>
+                                        <p:tav tm="0">
+                                          <p:val>
+                                            <p:strVal val="#ppt_x"/>
+                                          </p:val>
+                                        </p:tav>
+                                        <p:tav tm="100000">
+                                          <p:val>
+                                            <p:strVal val="#ppt_x"/>
+                                          </p:val>
+                                        </p:tav>
+                                      </p:tavLst>
+                                    </p:anim>
+                                    <p:anim calcmode="lin" valueType="num">
+                                      <p:cBhvr additive="base">
+                                        <p:cTn id="125" dur="400" fill="hold"/>
+                                        <p:tgtEl>
+                                          <p:spTgt spid="16"/>
+                                        </p:tgtEl>
+                                        <p:attrNameLst>
+                                          <p:attrName>ppt_y</p:attrName>
+                                        </p:attrNameLst>
+                                      </p:cBhvr>
+                                      <p:tavLst>
+                                        <p:tav tm="0">
+                                          <p:val>
+                                            <p:strVal val="1+#ppt_h/2"/>
+                                          </p:val>
+                                        </p:tav>
+                                        <p:tav tm="100000">
+                                          <p:val>
+                                            <p:strVal val="#ppt_y"/>
+                                          </p:val>
+                                        </p:tav>
+                                      </p:tavLst>
+                                    </p:anim>
+                                  </p:childTnLst>
+                                </p:cTn>
+                              </p:par>
+                              <p:par>
+                                <p:cTn id="126" presetID="2" presetClass="entr" presetSubtype="1" accel="50000" decel="50000" fill="hold" grpId="0" nodeType="withEffect">
+                                  <p:stCondLst>
+                                    <p:cond delay="400"/>
+                                  </p:stCondLst>
+                                  <p:childTnLst>
+                                    <p:set>
+                                      <p:cBhvr>
+                                        <p:cTn id="127" dur="1" fill="hold">
+                                          <p:stCondLst>
+                                            <p:cond delay="0"/>
+                                          </p:stCondLst>
+                                        </p:cTn>
+                                        <p:tgtEl>
+                                          <p:spTgt spid="21"/>
+                                        </p:tgtEl>
+                                        <p:attrNameLst>
+                                          <p:attrName>style.visibility</p:attrName>
+                                        </p:attrNameLst>
+                                      </p:cBhvr>
+                                      <p:to>
+                                        <p:strVal val="visible"/>
+                                      </p:to>
+                                    </p:set>
+                                    <p:anim calcmode="lin" valueType="num">
+                                      <p:cBhvr additive="base">
+                                        <p:cTn id="128" dur="400" fill="hold"/>
+                                        <p:tgtEl>
+                                          <p:spTgt spid="21"/>
+                                        </p:tgtEl>
+                                        <p:attrNameLst>
+                                          <p:attrName>ppt_x</p:attrName>
+                                        </p:attrNameLst>
+                                      </p:cBhvr>
+                                      <p:tavLst>
+                                        <p:tav tm="0">
+                                          <p:val>
+                                            <p:strVal val="#ppt_x"/>
+                                          </p:val>
+                                        </p:tav>
+                                        <p:tav tm="100000">
+                                          <p:val>
+                                            <p:strVal val="#ppt_x"/>
+                                          </p:val>
+                                        </p:tav>
+                                      </p:tavLst>
+                                    </p:anim>
+                                    <p:anim calcmode="lin" valueType="num">
+                                      <p:cBhvr additive="base">
+                                        <p:cTn id="129" dur="400" fill="hold"/>
+                                        <p:tgtEl>
+                                          <p:spTgt spid="21"/>
+                                        </p:tgtEl>
+                                        <p:attrNameLst>
+                                          <p:attrName>ppt_y</p:attrName>
+                                        </p:attrNameLst>
+                                      </p:cBhvr>
+                                      <p:tavLst>
+                                        <p:tav tm="0">
+                                          <p:val>
+                                            <p:strVal val="0-#ppt_h/2"/>
+                                          </p:val>
+                                        </p:tav>
+                                        <p:tav tm="100000">
+                                          <p:val>
+                                            <p:strVal val="#ppt_y"/>
+                                          </p:val>
+                                        </p:tav>
+                                      </p:tavLst>
+                                    </p:anim>
+                                  </p:childTnLst>
+                                </p:cTn>
+                              </p:par>
+                            </p:childTnLst>
+                          </p:cTn>
+                        </p:par>
+                        <p:par>
+                          <p:cTn id="130" fill="hold">
+                            <p:stCondLst>
+                              <p:cond delay="4450"/>
+                            </p:stCondLst>
+                            <p:childTnLst>
+                              <p:par>
+                                <p:cTn id="131" presetID="10" presetClass="entr" presetSubtype="0" fill="hold" grpId="0" nodeType="afterEffect">
+                                  <p:stCondLst>
+                                    <p:cond delay="0"/>
+                                  </p:stCondLst>
+                                  <p:childTnLst>
+                                    <p:set>
+                                      <p:cBhvr>
+                                        <p:cTn id="132" dur="1" fill="hold">
+                                          <p:stCondLst>
+                                            <p:cond delay="0"/>
+                                          </p:stCondLst>
+                                        </p:cTn>
+                                        <p:tgtEl>
+                                          <p:spTgt spid="24"/>
+                                        </p:tgtEl>
+                                        <p:attrNameLst>
+                                          <p:attrName>style.visibility</p:attrName>
+                                        </p:attrNameLst>
+                                      </p:cBhvr>
+                                      <p:to>
+                                        <p:strVal val="visible"/>
+                                      </p:to>
+                                    </p:set>
+                                    <p:animEffect transition="in" filter="fade">
+                                      <p:cBhvr>
+                                        <p:cTn id="133" dur="500"/>
+                                        <p:tgtEl>
+                                          <p:spTgt spid="24"/>
+                                        </p:tgtEl>
+                                      </p:cBhvr>
+                                    </p:animEffect>
+                                  </p:childTnLst>
+                                </p:cTn>
+                              </p:par>
+                            </p:childTnLst>
+                          </p:cTn>
+                        </p:par>
+                      </p:childTnLst>
+                    </p:cTn>
+                  </p:par>
+                </p:childTnLst>
+              </p:cTn>
+              <p:prevCondLst>
+                <p:cond evt="onPrev" delay="0">
+                  <p:tgtEl>
+                    <p:sldTgt/>
+                  </p:tgtEl>
+                </p:cond>
+              </p:prevCondLst>
+              <p:nextCondLst>
+                <p:cond evt="onNext" delay="0">
+                  <p:tgtEl>
+                    <p:sldTgt/>
+                  </p:tgtEl>
+                </p:cond>
+              </p:nextCondLst>
+            </p:seq>
+          </p:childTnLst>
+        </p:cTn>
+      </p:par>
+    </p:tnLst>
+    <p:bldLst>
+      <p:bldP spid="4" grpId="0" animBg="1"/>
+      <p:bldP spid="5" grpId="0" animBg="1"/>
+      <p:bldP spid="5" grpId="1" animBg="1"/>
+      <p:bldP spid="6" grpId="0" animBg="1"/>
+      <p:bldP spid="6" grpId="1" animBg="1"/>
+      <p:bldP spid="7" grpId="0" animBg="1"/>
+      <p:bldP spid="7" grpId="1" animBg="1"/>
+      <p:bldP spid="8" grpId="0" animBg="1"/>
+      <p:bldP spid="8" grpId="1" animBg="1"/>
+      <p:bldP spid="9" grpId="0" animBg="1"/>
+      <p:bldP spid="9" grpId="1" animBg="1"/>
+      <p:bldP spid="10" grpId="0" animBg="1"/>
+      <p:bldP spid="10" grpId="1" animBg="1"/>
+      <p:bldP spid="11" grpId="0" animBg="1"/>
+      <p:bldP spid="11" grpId="1" animBg="1"/>
+      <p:bldP spid="12" grpId="0" animBg="1"/>
+      <p:bldP spid="12" grpId="1" animBg="1"/>
+      <p:bldP spid="13" grpId="0" animBg="1"/>
+      <p:bldP spid="13" grpId="1" animBg="1"/>
+      <p:bldP spid="14" grpId="0" animBg="1"/>
+      <p:bldP spid="14" grpId="1" animBg="1"/>
+      <p:bldP spid="15" grpId="0"/>
+      <p:bldP spid="16" grpId="0"/>
+      <p:bldP spid="17" grpId="0" animBg="1"/>
+      <p:bldP spid="18" grpId="0" animBg="1"/>
+      <p:bldP spid="19" grpId="0" animBg="1"/>
+      <p:bldP spid="20" grpId="0" animBg="1"/>
+      <p:bldP spid="21" grpId="0" animBg="1"/>
+      <p:bldP spid="23" grpId="0"/>
+      <p:bldP spid="22" grpId="0"/>
+      <p:bldP spid="24" grpId="0"/>
     </p:bldLst>
   </p:timing>
 </p:sld>

--- a/project-presentation.pptx
+++ b/project-presentation.pptx
@@ -7055,6 +7055,9 @@
                     <p:cTn id="3" fill="hold">
                       <p:stCondLst>
                         <p:cond delay="indefinite"/>
+                        <p:cond evt="onBegin" delay="0">
+                          <p:tn val="2"/>
+                        </p:cond>
                       </p:stCondLst>
                       <p:childTnLst>
                         <p:par>
@@ -7064,7 +7067,7 @@
                             </p:stCondLst>
                             <p:childTnLst>
                               <p:par>
-                                <p:cTn id="5" presetID="42" presetClass="path" presetSubtype="0" accel="52000" decel="48000" fill="hold" grpId="0" nodeType="clickEffect">
+                                <p:cTn id="5" presetID="42" presetClass="path" presetSubtype="0" accel="52000" decel="48000" fill="hold" grpId="0" nodeType="afterEffect">
                                   <p:stCondLst>
                                     <p:cond delay="0"/>
                                   </p:stCondLst>
@@ -10361,6 +10364,9 @@
                     <p:cTn id="3" fill="hold">
                       <p:stCondLst>
                         <p:cond delay="indefinite"/>
+                        <p:cond evt="onBegin" delay="0">
+                          <p:tn val="2"/>
+                        </p:cond>
                       </p:stCondLst>
                       <p:childTnLst>
                         <p:par>
@@ -10370,7 +10376,7 @@
                             </p:stCondLst>
                             <p:childTnLst>
                               <p:par>
-                                <p:cTn id="5" presetID="42" presetClass="path" presetSubtype="0" accel="52000" decel="48000" fill="hold" grpId="0" nodeType="clickEffect">
+                                <p:cTn id="5" presetID="42" presetClass="path" presetSubtype="0" accel="52000" decel="48000" fill="hold" grpId="0" nodeType="afterEffect">
                                   <p:stCondLst>
                                     <p:cond delay="0"/>
                                   </p:stCondLst>
@@ -12112,6 +12118,9 @@
                     <p:cTn id="3" fill="hold">
                       <p:stCondLst>
                         <p:cond delay="indefinite"/>
+                        <p:cond evt="onBegin" delay="0">
+                          <p:tn val="2"/>
+                        </p:cond>
                       </p:stCondLst>
                       <p:childTnLst>
                         <p:par>
@@ -12121,7 +12130,7 @@
                             </p:stCondLst>
                             <p:childTnLst>
                               <p:par>
-                                <p:cTn id="5" presetID="42" presetClass="path" presetSubtype="0" accel="52000" decel="48000" fill="hold" grpId="0" nodeType="clickEffect">
+                                <p:cTn id="5" presetID="42" presetClass="path" presetSubtype="0" accel="52000" decel="48000" fill="hold" grpId="0" nodeType="afterEffect">
                                   <p:stCondLst>
                                     <p:cond delay="0"/>
                                   </p:stCondLst>
@@ -13948,6 +13957,9 @@
                     <p:cTn id="3" fill="hold">
                       <p:stCondLst>
                         <p:cond delay="indefinite"/>
+                        <p:cond evt="onBegin" delay="0">
+                          <p:tn val="2"/>
+                        </p:cond>
                       </p:stCondLst>
                       <p:childTnLst>
                         <p:par>
@@ -13957,7 +13969,7 @@
                             </p:stCondLst>
                             <p:childTnLst>
                               <p:par>
-                                <p:cTn id="5" presetID="42" presetClass="path" presetSubtype="0" accel="52000" decel="48000" fill="hold" grpId="0" nodeType="clickEffect">
+                                <p:cTn id="5" presetID="42" presetClass="path" presetSubtype="0" accel="52000" decel="48000" fill="hold" grpId="0" nodeType="afterEffect">
                                   <p:stCondLst>
                                     <p:cond delay="0"/>
                                   </p:stCondLst>
@@ -15552,30 +15564,21 @@
                             </p:childTnLst>
                           </p:cTn>
                         </p:par>
-                      </p:childTnLst>
-                    </p:cTn>
-                  </p:par>
-                  <p:par>
-                    <p:cTn id="8" fill="hold">
-                      <p:stCondLst>
-                        <p:cond delay="indefinite"/>
-                      </p:stCondLst>
-                      <p:childTnLst>
                         <p:par>
-                          <p:cTn id="9" fill="hold">
+                          <p:cTn id="8" fill="hold">
                             <p:stCondLst>
-                              <p:cond delay="0"/>
+                              <p:cond delay="250"/>
                             </p:stCondLst>
                             <p:childTnLst>
                               <p:par>
-                                <p:cTn id="10" presetID="42" presetClass="path" presetSubtype="0" accel="52000" decel="48000" fill="hold" grpId="0" nodeType="clickEffect">
+                                <p:cTn id="9" presetID="42" presetClass="path" presetSubtype="0" accel="52000" decel="48000" fill="hold" grpId="0" nodeType="afterEffect">
                                   <p:stCondLst>
                                     <p:cond delay="0"/>
                                   </p:stCondLst>
                                   <p:childTnLst>
                                     <p:animMotion origin="layout" path="M 0.00396 3.33333E-6 L 0.13646 0.00111 " pathEditMode="relative" rAng="0" ptsTypes="AA">
                                       <p:cBhvr>
-                                        <p:cTn id="11" dur="250" fill="hold"/>
+                                        <p:cTn id="10" dur="250" fill="hold"/>
                                         <p:tgtEl>
                                           <p:spTgt spid="20"/>
                                         </p:tgtEl>
@@ -15593,20 +15596,20 @@
                           </p:cTn>
                         </p:par>
                         <p:par>
-                          <p:cTn id="12" fill="hold">
+                          <p:cTn id="11" fill="hold">
                             <p:stCondLst>
-                              <p:cond delay="250"/>
+                              <p:cond delay="500"/>
                             </p:stCondLst>
                             <p:childTnLst>
                               <p:par>
-                                <p:cTn id="13" presetID="26" presetClass="emph" presetSubtype="0" repeatCount="2000" fill="hold" grpId="1" nodeType="afterEffect">
+                                <p:cTn id="12" presetID="26" presetClass="emph" presetSubtype="0" repeatCount="2000" fill="hold" grpId="1" nodeType="afterEffect">
                                   <p:stCondLst>
                                     <p:cond delay="0"/>
                                   </p:stCondLst>
                                   <p:childTnLst>
                                     <p:animEffect transition="out" filter="fade">
                                       <p:cBhvr>
-                                        <p:cTn id="14" dur="250" tmFilter="0, 0; .2, .5; .8, .5; 1, 0"/>
+                                        <p:cTn id="13" dur="250" tmFilter="0, 0; .2, .5; .8, .5; 1, 0"/>
                                         <p:tgtEl>
                                           <p:spTgt spid="20"/>
                                         </p:tgtEl>
@@ -15614,7 +15617,7 @@
                                     </p:animEffect>
                                     <p:animScale>
                                       <p:cBhvr>
-                                        <p:cTn id="15" dur="125" autoRev="1" fill="hold"/>
+                                        <p:cTn id="14" dur="125" autoRev="1" fill="hold"/>
                                         <p:tgtEl>
                                           <p:spTgt spid="20"/>
                                         </p:tgtEl>
@@ -15631,32 +15634,36 @@
                     </p:cTn>
                   </p:par>
                   <p:par>
-                    <p:cTn id="16" fill="hold">
+                    <p:cTn id="15" fill="hold">
                       <p:stCondLst>
                         <p:cond delay="indefinite"/>
                       </p:stCondLst>
                       <p:childTnLst>
                         <p:par>
-                          <p:cTn id="17" fill="hold">
+                          <p:cTn id="16" fill="hold">
                             <p:stCondLst>
                               <p:cond delay="0"/>
                             </p:stCondLst>
                             <p:childTnLst>
                               <p:par>
-                                <p:cTn id="18" presetID="9" presetClass="entr" presetSubtype="0" fill="hold" grpId="0" nodeType="clickEffect">
+                                <p:cTn id="17" presetID="9" presetClass="entr" presetSubtype="0" fill="hold" grpId="0" nodeType="clickEffect">
                                   <p:stCondLst>
                                     <p:cond delay="0"/>
                                   </p:stCondLst>
                                   <p:childTnLst>
                                     <p:set>
                                       <p:cBhvr>
-                                        <p:cTn id="19" dur="1" fill="hold">
+                                        <p:cTn id="18" dur="1" fill="hold">
                                           <p:stCondLst>
                                             <p:cond delay="0"/>
                                           </p:stCondLst>
                                         </p:cTn>
                                         <p:tgtEl>
-                                          <p:spTgt spid="28"/>
+                                          <p:spTgt spid="28">
+                                            <p:txEl>
+                                              <p:pRg st="0" end="0"/>
+                                            </p:txEl>
+                                          </p:spTgt>
                                         </p:tgtEl>
                                         <p:attrNameLst>
                                           <p:attrName>style.visibility</p:attrName>
@@ -15668,9 +15675,135 @@
                                     </p:set>
                                     <p:animEffect transition="in" filter="dissolve">
                                       <p:cBhvr>
-                                        <p:cTn id="20" dur="500"/>
-                                        <p:tgtEl>
-                                          <p:spTgt spid="28"/>
+                                        <p:cTn id="19" dur="500"/>
+                                        <p:tgtEl>
+                                          <p:spTgt spid="28">
+                                            <p:txEl>
+                                              <p:pRg st="0" end="0"/>
+                                            </p:txEl>
+                                          </p:spTgt>
+                                        </p:tgtEl>
+                                      </p:cBhvr>
+                                    </p:animEffect>
+                                  </p:childTnLst>
+                                </p:cTn>
+                              </p:par>
+                            </p:childTnLst>
+                          </p:cTn>
+                        </p:par>
+                      </p:childTnLst>
+                    </p:cTn>
+                  </p:par>
+                  <p:par>
+                    <p:cTn id="20" fill="hold">
+                      <p:stCondLst>
+                        <p:cond delay="indefinite"/>
+                      </p:stCondLst>
+                      <p:childTnLst>
+                        <p:par>
+                          <p:cTn id="21" fill="hold">
+                            <p:stCondLst>
+                              <p:cond delay="0"/>
+                            </p:stCondLst>
+                            <p:childTnLst>
+                              <p:par>
+                                <p:cTn id="22" presetID="9" presetClass="entr" presetSubtype="0" fill="hold" grpId="0" nodeType="clickEffect">
+                                  <p:stCondLst>
+                                    <p:cond delay="0"/>
+                                  </p:stCondLst>
+                                  <p:childTnLst>
+                                    <p:set>
+                                      <p:cBhvr>
+                                        <p:cTn id="23" dur="1" fill="hold">
+                                          <p:stCondLst>
+                                            <p:cond delay="0"/>
+                                          </p:stCondLst>
+                                        </p:cTn>
+                                        <p:tgtEl>
+                                          <p:spTgt spid="28">
+                                            <p:txEl>
+                                              <p:pRg st="2" end="2"/>
+                                            </p:txEl>
+                                          </p:spTgt>
+                                        </p:tgtEl>
+                                        <p:attrNameLst>
+                                          <p:attrName>style.visibility</p:attrName>
+                                        </p:attrNameLst>
+                                      </p:cBhvr>
+                                      <p:to>
+                                        <p:strVal val="visible"/>
+                                      </p:to>
+                                    </p:set>
+                                    <p:animEffect transition="in" filter="dissolve">
+                                      <p:cBhvr>
+                                        <p:cTn id="24" dur="500"/>
+                                        <p:tgtEl>
+                                          <p:spTgt spid="28">
+                                            <p:txEl>
+                                              <p:pRg st="2" end="2"/>
+                                            </p:txEl>
+                                          </p:spTgt>
+                                        </p:tgtEl>
+                                      </p:cBhvr>
+                                    </p:animEffect>
+                                  </p:childTnLst>
+                                </p:cTn>
+                              </p:par>
+                            </p:childTnLst>
+                          </p:cTn>
+                        </p:par>
+                      </p:childTnLst>
+                    </p:cTn>
+                  </p:par>
+                  <p:par>
+                    <p:cTn id="25" fill="hold">
+                      <p:stCondLst>
+                        <p:cond delay="indefinite"/>
+                      </p:stCondLst>
+                      <p:childTnLst>
+                        <p:par>
+                          <p:cTn id="26" fill="hold">
+                            <p:stCondLst>
+                              <p:cond delay="0"/>
+                            </p:stCondLst>
+                            <p:childTnLst>
+                              <p:par>
+                                <p:cTn id="27" presetID="9" presetClass="entr" presetSubtype="0" fill="hold" grpId="0" nodeType="clickEffect">
+                                  <p:stCondLst>
+                                    <p:cond delay="0"/>
+                                  </p:stCondLst>
+                                  <p:childTnLst>
+                                    <p:set>
+                                      <p:cBhvr>
+                                        <p:cTn id="28" dur="1" fill="hold">
+                                          <p:stCondLst>
+                                            <p:cond delay="0"/>
+                                          </p:stCondLst>
+                                        </p:cTn>
+                                        <p:tgtEl>
+                                          <p:spTgt spid="28">
+                                            <p:txEl>
+                                              <p:pRg st="4" end="4"/>
+                                            </p:txEl>
+                                          </p:spTgt>
+                                        </p:tgtEl>
+                                        <p:attrNameLst>
+                                          <p:attrName>style.visibility</p:attrName>
+                                        </p:attrNameLst>
+                                      </p:cBhvr>
+                                      <p:to>
+                                        <p:strVal val="visible"/>
+                                      </p:to>
+                                    </p:set>
+                                    <p:animEffect transition="in" filter="dissolve">
+                                      <p:cBhvr>
+                                        <p:cTn id="29" dur="500"/>
+                                        <p:tgtEl>
+                                          <p:spTgt spid="28">
+                                            <p:txEl>
+                                              <p:pRg st="4" end="4"/>
+                                            </p:txEl>
+                                          </p:spTgt>
                                         </p:tgtEl>
                                       </p:cBhvr>
                                     </p:animEffect>
@@ -15708,7 +15841,7 @@
       <p:bldP spid="2" grpId="0" animBg="1"/>
       <p:bldP spid="20" grpId="0" animBg="1"/>
       <p:bldP spid="20" grpId="1" animBg="1"/>
-      <p:bldP spid="28" grpId="0"/>
+      <p:bldP spid="28" grpId="0" build="p"/>
     </p:bldLst>
   </p:timing>
 </p:sld>
